--- a/Proyecto_detección_leucemia/presentacion/presentacion_tercero_final.pptx
+++ b/Proyecto_detección_leucemia/presentacion/presentacion_tercero_final.pptx
@@ -5,21 +5,17 @@
     <p:sldMasterId id="2147483659" r:id="rId1"/>
   </p:sldMasterIdLst>
   <p:notesMasterIdLst>
-    <p:notesMasterId r:id="rId14"/>
+    <p:notesMasterId r:id="rId10"/>
   </p:notesMasterIdLst>
   <p:sldIdLst>
     <p:sldId id="256" r:id="rId2"/>
     <p:sldId id="257" r:id="rId3"/>
-    <p:sldId id="258" r:id="rId4"/>
-    <p:sldId id="260" r:id="rId5"/>
-    <p:sldId id="269" r:id="rId6"/>
-    <p:sldId id="266" r:id="rId7"/>
-    <p:sldId id="267" r:id="rId8"/>
-    <p:sldId id="271" r:id="rId9"/>
-    <p:sldId id="270" r:id="rId10"/>
-    <p:sldId id="268" r:id="rId11"/>
-    <p:sldId id="264" r:id="rId12"/>
-    <p:sldId id="265" r:id="rId13"/>
+    <p:sldId id="268" r:id="rId4"/>
+    <p:sldId id="269" r:id="rId5"/>
+    <p:sldId id="270" r:id="rId6"/>
+    <p:sldId id="271" r:id="rId7"/>
+    <p:sldId id="264" r:id="rId8"/>
+    <p:sldId id="265" r:id="rId9"/>
   </p:sldIdLst>
   <p:sldSz cx="9144000" cy="6858000" type="screen4x3"/>
   <p:notesSz cx="7102475" cy="10233025"/>
@@ -1641,402 +1637,6 @@
 </p:notes>
 </file>
 
-<file path=ppt/notesSlides/notesSlide10.xml><?xml version="1.0" encoding="utf-8"?>
-<p:notes xmlns:a="http://schemas.openxmlformats.org/drawingml/2006/main" xmlns:r="http://schemas.openxmlformats.org/officeDocument/2006/relationships" xmlns:p="http://schemas.openxmlformats.org/presentationml/2006/main" showMasterSp="0" showMasterPhAnim="0">
-  <p:cSld>
-    <p:spTree>
-      <p:nvGrpSpPr>
-        <p:cNvPr id="1" name="Shape 171"/>
-        <p:cNvGrpSpPr/>
-        <p:nvPr/>
-      </p:nvGrpSpPr>
-      <p:grpSpPr>
-        <a:xfrm>
-          <a:off x="0" y="0"/>
-          <a:ext cx="0" cy="0"/>
-          <a:chOff x="0" y="0"/>
-          <a:chExt cx="0" cy="0"/>
-        </a:xfrm>
-      </p:grpSpPr>
-      <p:sp>
-        <p:nvSpPr>
-          <p:cNvPr id="172" name="Google Shape;172;p9:notes"/>
-          <p:cNvSpPr>
-            <a:spLocks noGrp="1" noRot="1" noChangeAspect="1"/>
-          </p:cNvSpPr>
-          <p:nvPr>
-            <p:ph type="sldImg" idx="2"/>
-          </p:nvPr>
-        </p:nvSpPr>
-        <p:spPr>
-          <a:xfrm>
-            <a:off x="992188" y="766763"/>
-            <a:ext cx="5118100" cy="3838575"/>
-          </a:xfrm>
-          <a:custGeom>
-            <a:avLst/>
-            <a:gdLst/>
-            <a:ahLst/>
-            <a:cxnLst/>
-            <a:rect l="l" t="t" r="r" b="b"/>
-            <a:pathLst>
-              <a:path w="120000" h="120000" extrusionOk="0">
-                <a:moveTo>
-                  <a:pt x="0" y="0"/>
-                </a:moveTo>
-                <a:lnTo>
-                  <a:pt x="120000" y="0"/>
-                </a:lnTo>
-                <a:lnTo>
-                  <a:pt x="120000" y="120000"/>
-                </a:lnTo>
-                <a:lnTo>
-                  <a:pt x="0" y="120000"/>
-                </a:lnTo>
-                <a:close/>
-              </a:path>
-            </a:pathLst>
-          </a:custGeom>
-          <a:noFill/>
-          <a:ln w="12700" cap="flat" cmpd="sng">
-            <a:solidFill>
-              <a:srgbClr val="000000"/>
-            </a:solidFill>
-            <a:prstDash val="solid"/>
-            <a:round/>
-            <a:headEnd type="none" w="sm" len="sm"/>
-            <a:tailEnd type="none" w="sm" len="sm"/>
-          </a:ln>
-        </p:spPr>
-      </p:sp>
-      <p:sp>
-        <p:nvSpPr>
-          <p:cNvPr id="173" name="Google Shape;173;p9:notes"/>
-          <p:cNvSpPr txBox="1">
-            <a:spLocks noGrp="1"/>
-          </p:cNvSpPr>
-          <p:nvPr>
-            <p:ph type="body" idx="1"/>
-          </p:nvPr>
-        </p:nvSpPr>
-        <p:spPr>
-          <a:xfrm>
-            <a:off x="710248" y="4860687"/>
-            <a:ext cx="5681980" cy="4604861"/>
-          </a:xfrm>
-          <a:prstGeom prst="rect">
-            <a:avLst/>
-          </a:prstGeom>
-          <a:noFill/>
-          <a:ln>
-            <a:noFill/>
-          </a:ln>
-        </p:spPr>
-        <p:txBody>
-          <a:bodyPr spcFirstLastPara="1" wrap="square" lIns="99050" tIns="49525" rIns="99050" bIns="49525" anchor="t" anchorCtr="0">
-            <a:noAutofit/>
-          </a:bodyPr>
-          <a:lstStyle/>
-          <a:p>
-            <a:pPr marL="0" marR="0" lvl="0" indent="0" algn="l" rtl="0">
-              <a:spcBef>
-                <a:spcPts val="0"/>
-              </a:spcBef>
-              <a:spcAft>
-                <a:spcPts val="0"/>
-              </a:spcAft>
-              <a:buNone/>
-            </a:pPr>
-            <a:endParaRPr sz="1200" b="0" i="0" u="none" strike="noStrike" cap="none">
-              <a:solidFill>
-                <a:schemeClr val="dk1"/>
-              </a:solidFill>
-              <a:latin typeface="Calibri"/>
-              <a:ea typeface="Calibri"/>
-              <a:cs typeface="Calibri"/>
-              <a:sym typeface="Calibri"/>
-            </a:endParaRPr>
-          </a:p>
-        </p:txBody>
-      </p:sp>
-      <p:sp>
-        <p:nvSpPr>
-          <p:cNvPr id="174" name="Google Shape;174;p9:notes"/>
-          <p:cNvSpPr txBox="1">
-            <a:spLocks noGrp="1"/>
-          </p:cNvSpPr>
-          <p:nvPr>
-            <p:ph type="sldNum" idx="12"/>
-          </p:nvPr>
-        </p:nvSpPr>
-        <p:spPr>
-          <a:xfrm>
-            <a:off x="4023092" y="9719598"/>
-            <a:ext cx="3077739" cy="511651"/>
-          </a:xfrm>
-          <a:prstGeom prst="rect">
-            <a:avLst/>
-          </a:prstGeom>
-          <a:noFill/>
-          <a:ln>
-            <a:noFill/>
-          </a:ln>
-        </p:spPr>
-        <p:txBody>
-          <a:bodyPr spcFirstLastPara="1" wrap="square" lIns="99050" tIns="49525" rIns="99050" bIns="49525" anchor="b" anchorCtr="0">
-            <a:noAutofit/>
-          </a:bodyPr>
-          <a:lstStyle/>
-          <a:p>
-            <a:pPr marL="0" marR="0" lvl="0" indent="0" algn="r" rtl="0">
-              <a:spcBef>
-                <a:spcPts val="0"/>
-              </a:spcBef>
-              <a:spcAft>
-                <a:spcPts val="0"/>
-              </a:spcAft>
-              <a:buNone/>
-            </a:pPr>
-            <a:fld id="{00000000-1234-1234-1234-123412341234}" type="slidenum">
-              <a:rPr lang="es-CO" sz="1300">
-                <a:solidFill>
-                  <a:schemeClr val="dk1"/>
-                </a:solidFill>
-                <a:latin typeface="Calibri"/>
-                <a:ea typeface="Calibri"/>
-                <a:cs typeface="Calibri"/>
-                <a:sym typeface="Calibri"/>
-              </a:rPr>
-              <a:t>10</a:t>
-            </a:fld>
-            <a:endParaRPr sz="1300">
-              <a:solidFill>
-                <a:schemeClr val="dk1"/>
-              </a:solidFill>
-              <a:latin typeface="Calibri"/>
-              <a:ea typeface="Calibri"/>
-              <a:cs typeface="Calibri"/>
-              <a:sym typeface="Calibri"/>
-            </a:endParaRPr>
-          </a:p>
-        </p:txBody>
-      </p:sp>
-    </p:spTree>
-  </p:cSld>
-  <p:clrMapOvr>
-    <a:masterClrMapping/>
-  </p:clrMapOvr>
-</p:notes>
-</file>
-
-<file path=ppt/notesSlides/notesSlide11.xml><?xml version="1.0" encoding="utf-8"?>
-<p:notes xmlns:a="http://schemas.openxmlformats.org/drawingml/2006/main" xmlns:r="http://schemas.openxmlformats.org/officeDocument/2006/relationships" xmlns:p="http://schemas.openxmlformats.org/presentationml/2006/main" showMasterSp="0" showMasterPhAnim="0">
-  <p:cSld>
-    <p:spTree>
-      <p:nvGrpSpPr>
-        <p:cNvPr id="1" name="Shape 192"/>
-        <p:cNvGrpSpPr/>
-        <p:nvPr/>
-      </p:nvGrpSpPr>
-      <p:grpSpPr>
-        <a:xfrm>
-          <a:off x="0" y="0"/>
-          <a:ext cx="0" cy="0"/>
-          <a:chOff x="0" y="0"/>
-          <a:chExt cx="0" cy="0"/>
-        </a:xfrm>
-      </p:grpSpPr>
-      <p:sp>
-        <p:nvSpPr>
-          <p:cNvPr id="193" name="Google Shape;193;p10:notes"/>
-          <p:cNvSpPr txBox="1">
-            <a:spLocks noGrp="1"/>
-          </p:cNvSpPr>
-          <p:nvPr>
-            <p:ph type="body" idx="1"/>
-          </p:nvPr>
-        </p:nvSpPr>
-        <p:spPr>
-          <a:xfrm>
-            <a:off x="710248" y="4860687"/>
-            <a:ext cx="5681980" cy="4604861"/>
-          </a:xfrm>
-          <a:prstGeom prst="rect">
-            <a:avLst/>
-          </a:prstGeom>
-        </p:spPr>
-        <p:txBody>
-          <a:bodyPr spcFirstLastPara="1" wrap="square" lIns="91425" tIns="91425" rIns="91425" bIns="91425" anchor="t" anchorCtr="0">
-            <a:noAutofit/>
-          </a:bodyPr>
-          <a:lstStyle/>
-          <a:p>
-            <a:pPr marL="0" lvl="0" indent="0" algn="l" rtl="0">
-              <a:spcBef>
-                <a:spcPts val="0"/>
-              </a:spcBef>
-              <a:spcAft>
-                <a:spcPts val="0"/>
-              </a:spcAft>
-              <a:buNone/>
-            </a:pPr>
-            <a:endParaRPr/>
-          </a:p>
-        </p:txBody>
-      </p:sp>
-      <p:sp>
-        <p:nvSpPr>
-          <p:cNvPr id="194" name="Google Shape;194;p10:notes"/>
-          <p:cNvSpPr>
-            <a:spLocks noGrp="1" noRot="1" noChangeAspect="1"/>
-          </p:cNvSpPr>
-          <p:nvPr>
-            <p:ph type="sldImg" idx="2"/>
-          </p:nvPr>
-        </p:nvSpPr>
-        <p:spPr>
-          <a:xfrm>
-            <a:off x="992188" y="766763"/>
-            <a:ext cx="5118100" cy="3838575"/>
-          </a:xfrm>
-          <a:custGeom>
-            <a:avLst/>
-            <a:gdLst/>
-            <a:ahLst/>
-            <a:cxnLst/>
-            <a:rect l="l" t="t" r="r" b="b"/>
-            <a:pathLst>
-              <a:path w="120000" h="120000" extrusionOk="0">
-                <a:moveTo>
-                  <a:pt x="0" y="0"/>
-                </a:moveTo>
-                <a:lnTo>
-                  <a:pt x="120000" y="0"/>
-                </a:lnTo>
-                <a:lnTo>
-                  <a:pt x="120000" y="120000"/>
-                </a:lnTo>
-                <a:lnTo>
-                  <a:pt x="0" y="120000"/>
-                </a:lnTo>
-                <a:close/>
-              </a:path>
-            </a:pathLst>
-          </a:custGeom>
-        </p:spPr>
-      </p:sp>
-    </p:spTree>
-  </p:cSld>
-  <p:clrMapOvr>
-    <a:masterClrMapping/>
-  </p:clrMapOvr>
-</p:notes>
-</file>
-
-<file path=ppt/notesSlides/notesSlide12.xml><?xml version="1.0" encoding="utf-8"?>
-<p:notes xmlns:a="http://schemas.openxmlformats.org/drawingml/2006/main" xmlns:r="http://schemas.openxmlformats.org/officeDocument/2006/relationships" xmlns:p="http://schemas.openxmlformats.org/presentationml/2006/main" showMasterSp="0" showMasterPhAnim="0">
-  <p:cSld>
-    <p:spTree>
-      <p:nvGrpSpPr>
-        <p:cNvPr id="1" name="Shape 201"/>
-        <p:cNvGrpSpPr/>
-        <p:nvPr/>
-      </p:nvGrpSpPr>
-      <p:grpSpPr>
-        <a:xfrm>
-          <a:off x="0" y="0"/>
-          <a:ext cx="0" cy="0"/>
-          <a:chOff x="0" y="0"/>
-          <a:chExt cx="0" cy="0"/>
-        </a:xfrm>
-      </p:grpSpPr>
-      <p:sp>
-        <p:nvSpPr>
-          <p:cNvPr id="202" name="Google Shape;202;p11:notes"/>
-          <p:cNvSpPr txBox="1">
-            <a:spLocks noGrp="1"/>
-          </p:cNvSpPr>
-          <p:nvPr>
-            <p:ph type="body" idx="1"/>
-          </p:nvPr>
-        </p:nvSpPr>
-        <p:spPr>
-          <a:xfrm>
-            <a:off x="710248" y="4860687"/>
-            <a:ext cx="5681980" cy="4604861"/>
-          </a:xfrm>
-          <a:prstGeom prst="rect">
-            <a:avLst/>
-          </a:prstGeom>
-        </p:spPr>
-        <p:txBody>
-          <a:bodyPr spcFirstLastPara="1" wrap="square" lIns="91425" tIns="91425" rIns="91425" bIns="91425" anchor="t" anchorCtr="0">
-            <a:noAutofit/>
-          </a:bodyPr>
-          <a:lstStyle/>
-          <a:p>
-            <a:pPr marL="0" lvl="0" indent="0" algn="l" rtl="0">
-              <a:spcBef>
-                <a:spcPts val="0"/>
-              </a:spcBef>
-              <a:spcAft>
-                <a:spcPts val="0"/>
-              </a:spcAft>
-              <a:buNone/>
-            </a:pPr>
-            <a:endParaRPr/>
-          </a:p>
-        </p:txBody>
-      </p:sp>
-      <p:sp>
-        <p:nvSpPr>
-          <p:cNvPr id="203" name="Google Shape;203;p11:notes"/>
-          <p:cNvSpPr>
-            <a:spLocks noGrp="1" noRot="1" noChangeAspect="1"/>
-          </p:cNvSpPr>
-          <p:nvPr>
-            <p:ph type="sldImg" idx="2"/>
-          </p:nvPr>
-        </p:nvSpPr>
-        <p:spPr>
-          <a:xfrm>
-            <a:off x="992188" y="766763"/>
-            <a:ext cx="5118100" cy="3838575"/>
-          </a:xfrm>
-          <a:custGeom>
-            <a:avLst/>
-            <a:gdLst/>
-            <a:ahLst/>
-            <a:cxnLst/>
-            <a:rect l="l" t="t" r="r" b="b"/>
-            <a:pathLst>
-              <a:path w="120000" h="120000" extrusionOk="0">
-                <a:moveTo>
-                  <a:pt x="0" y="0"/>
-                </a:moveTo>
-                <a:lnTo>
-                  <a:pt x="120000" y="0"/>
-                </a:lnTo>
-                <a:lnTo>
-                  <a:pt x="120000" y="120000"/>
-                </a:lnTo>
-                <a:lnTo>
-                  <a:pt x="0" y="120000"/>
-                </a:lnTo>
-                <a:close/>
-              </a:path>
-            </a:pathLst>
-          </a:custGeom>
-        </p:spPr>
-      </p:sp>
-    </p:spTree>
-  </p:cSld>
-  <p:clrMapOvr>
-    <a:masterClrMapping/>
-  </p:clrMapOvr>
-</p:notes>
-</file>
-
 <file path=ppt/notesSlides/notesSlide2.xml><?xml version="1.0" encoding="utf-8"?>
 <p:notes xmlns:a="http://schemas.openxmlformats.org/drawingml/2006/main" xmlns:r="http://schemas.openxmlformats.org/officeDocument/2006/relationships" xmlns:p="http://schemas.openxmlformats.org/presentationml/2006/main" showMasterSp="0" showMasterPhAnim="0">
   <p:cSld>
@@ -2230,7 +1830,7 @@
   <p:cSld>
     <p:spTree>
       <p:nvGrpSpPr>
-        <p:cNvPr id="1" name="Shape 105"/>
+        <p:cNvPr id="1" name="Shape 171"/>
         <p:cNvGrpSpPr/>
         <p:nvPr/>
       </p:nvGrpSpPr>
@@ -2244,7 +1844,7 @@
       </p:grpSpPr>
       <p:sp>
         <p:nvSpPr>
-          <p:cNvPr id="106" name="Google Shape;106;p6:notes"/>
+          <p:cNvPr id="172" name="Google Shape;172;p9:notes"/>
           <p:cNvSpPr>
             <a:spLocks noGrp="1" noRot="1" noChangeAspect="1"/>
           </p:cNvSpPr>
@@ -2295,7 +1895,7 @@
       </p:sp>
       <p:sp>
         <p:nvSpPr>
-          <p:cNvPr id="107" name="Google Shape;107;p6:notes"/>
+          <p:cNvPr id="173" name="Google Shape;173;p9:notes"/>
           <p:cNvSpPr txBox="1">
             <a:spLocks noGrp="1"/>
           </p:cNvSpPr>
@@ -2345,7 +1945,7 @@
       </p:sp>
       <p:sp>
         <p:nvSpPr>
-          <p:cNvPr id="108" name="Google Shape;108;p6:notes"/>
+          <p:cNvPr id="174" name="Google Shape;174;p9:notes"/>
           <p:cNvSpPr txBox="1">
             <a:spLocks noGrp="1"/>
           </p:cNvSpPr>
@@ -2418,7 +2018,7 @@
   <p:cSld>
     <p:spTree>
       <p:nvGrpSpPr>
-        <p:cNvPr id="1" name="Shape 139"/>
+        <p:cNvPr id="1" name="Shape 96"/>
         <p:cNvGrpSpPr/>
         <p:nvPr/>
       </p:nvGrpSpPr>
@@ -2432,7 +2032,7 @@
       </p:grpSpPr>
       <p:sp>
         <p:nvSpPr>
-          <p:cNvPr id="140" name="Google Shape;140;g3f5a00a9e8_0_0:notes"/>
+          <p:cNvPr id="97" name="Google Shape;97;p5:notes"/>
           <p:cNvSpPr>
             <a:spLocks noGrp="1" noRot="1" noChangeAspect="1"/>
           </p:cNvSpPr>
@@ -2483,7 +2083,7 @@
       </p:sp>
       <p:sp>
         <p:nvSpPr>
-          <p:cNvPr id="141" name="Google Shape;141;g3f5a00a9e8_0_0:notes"/>
+          <p:cNvPr id="98" name="Google Shape;98;p5:notes"/>
           <p:cNvSpPr txBox="1">
             <a:spLocks noGrp="1"/>
           </p:cNvSpPr>
@@ -2494,7 +2094,7 @@
         <p:spPr>
           <a:xfrm>
             <a:off x="710248" y="4860687"/>
-            <a:ext cx="5682000" cy="4605000"/>
+            <a:ext cx="5681980" cy="4604861"/>
           </a:xfrm>
           <a:prstGeom prst="rect">
             <a:avLst/>
@@ -2533,7 +2133,7 @@
       </p:sp>
       <p:sp>
         <p:nvSpPr>
-          <p:cNvPr id="142" name="Google Shape;142;g3f5a00a9e8_0_0:notes"/>
+          <p:cNvPr id="99" name="Google Shape;99;p5:notes"/>
           <p:cNvSpPr txBox="1">
             <a:spLocks noGrp="1"/>
           </p:cNvSpPr>
@@ -2544,7 +2144,7 @@
         <p:spPr>
           <a:xfrm>
             <a:off x="4023092" y="9719598"/>
-            <a:ext cx="3077700" cy="511800"/>
+            <a:ext cx="3077739" cy="511651"/>
           </a:xfrm>
           <a:prstGeom prst="rect">
             <a:avLst/>
@@ -2594,6 +2194,11 @@
         </p:txBody>
       </p:sp>
     </p:spTree>
+    <p:extLst>
+      <p:ext uri="{BB962C8B-B14F-4D97-AF65-F5344CB8AC3E}">
+        <p14:creationId xmlns:p14="http://schemas.microsoft.com/office/powerpoint/2010/main" val="4202767503"/>
+      </p:ext>
+    </p:extLst>
   </p:cSld>
   <p:clrMapOvr>
     <a:masterClrMapping/>
@@ -2606,7 +2211,7 @@
   <p:cSld>
     <p:spTree>
       <p:nvGrpSpPr>
-        <p:cNvPr id="1" name="Shape 139"/>
+        <p:cNvPr id="1" name="Shape 171"/>
         <p:cNvGrpSpPr/>
         <p:nvPr/>
       </p:nvGrpSpPr>
@@ -2620,7 +2225,7 @@
       </p:grpSpPr>
       <p:sp>
         <p:nvSpPr>
-          <p:cNvPr id="140" name="Google Shape;140;g3f5a00a9e8_0_0:notes"/>
+          <p:cNvPr id="172" name="Google Shape;172;p9:notes"/>
           <p:cNvSpPr>
             <a:spLocks noGrp="1" noRot="1" noChangeAspect="1"/>
           </p:cNvSpPr>
@@ -2671,7 +2276,7 @@
       </p:sp>
       <p:sp>
         <p:nvSpPr>
-          <p:cNvPr id="141" name="Google Shape;141;g3f5a00a9e8_0_0:notes"/>
+          <p:cNvPr id="173" name="Google Shape;173;p9:notes"/>
           <p:cNvSpPr txBox="1">
             <a:spLocks noGrp="1"/>
           </p:cNvSpPr>
@@ -2682,7 +2287,7 @@
         <p:spPr>
           <a:xfrm>
             <a:off x="710248" y="4860687"/>
-            <a:ext cx="5682000" cy="4605000"/>
+            <a:ext cx="5681980" cy="4604861"/>
           </a:xfrm>
           <a:prstGeom prst="rect">
             <a:avLst/>
@@ -2721,7 +2326,7 @@
       </p:sp>
       <p:sp>
         <p:nvSpPr>
-          <p:cNvPr id="142" name="Google Shape;142;g3f5a00a9e8_0_0:notes"/>
+          <p:cNvPr id="174" name="Google Shape;174;p9:notes"/>
           <p:cNvSpPr txBox="1">
             <a:spLocks noGrp="1"/>
           </p:cNvSpPr>
@@ -2732,7 +2337,7 @@
         <p:spPr>
           <a:xfrm>
             <a:off x="4023092" y="9719598"/>
-            <a:ext cx="3077700" cy="511800"/>
+            <a:ext cx="3077739" cy="511651"/>
           </a:xfrm>
           <a:prstGeom prst="rect">
             <a:avLst/>
@@ -2784,7 +2389,7 @@
     </p:spTree>
     <p:extLst>
       <p:ext uri="{BB962C8B-B14F-4D97-AF65-F5344CB8AC3E}">
-        <p14:creationId xmlns:p14="http://schemas.microsoft.com/office/powerpoint/2010/main" val="2475852447"/>
+        <p14:creationId xmlns:p14="http://schemas.microsoft.com/office/powerpoint/2010/main" val="1487052053"/>
       </p:ext>
     </p:extLst>
   </p:cSld>
@@ -2799,7 +2404,7 @@
   <p:cSld>
     <p:spTree>
       <p:nvGrpSpPr>
-        <p:cNvPr id="1" name="Shape 150"/>
+        <p:cNvPr id="1" name="Shape 192"/>
         <p:cNvGrpSpPr/>
         <p:nvPr/>
       </p:nvGrpSpPr>
@@ -2813,7 +2418,45 @@
       </p:grpSpPr>
       <p:sp>
         <p:nvSpPr>
-          <p:cNvPr id="151" name="Google Shape;151;g3f5c19d80b_0_0:notes"/>
+          <p:cNvPr id="193" name="Google Shape;193;p10:notes"/>
+          <p:cNvSpPr txBox="1">
+            <a:spLocks noGrp="1"/>
+          </p:cNvSpPr>
+          <p:nvPr>
+            <p:ph type="body" idx="1"/>
+          </p:nvPr>
+        </p:nvSpPr>
+        <p:spPr>
+          <a:xfrm>
+            <a:off x="710248" y="4860687"/>
+            <a:ext cx="5681980" cy="4604861"/>
+          </a:xfrm>
+          <a:prstGeom prst="rect">
+            <a:avLst/>
+          </a:prstGeom>
+        </p:spPr>
+        <p:txBody>
+          <a:bodyPr spcFirstLastPara="1" wrap="square" lIns="91425" tIns="91425" rIns="91425" bIns="91425" anchor="t" anchorCtr="0">
+            <a:noAutofit/>
+          </a:bodyPr>
+          <a:lstStyle/>
+          <a:p>
+            <a:pPr marL="0" lvl="0" indent="0" algn="l" rtl="0">
+              <a:spcBef>
+                <a:spcPts val="0"/>
+              </a:spcBef>
+              <a:spcAft>
+                <a:spcPts val="0"/>
+              </a:spcAft>
+              <a:buNone/>
+            </a:pPr>
+            <a:endParaRPr/>
+          </a:p>
+        </p:txBody>
+      </p:sp>
+      <p:sp>
+        <p:nvSpPr>
+          <p:cNvPr id="194" name="Google Shape;194;p10:notes"/>
           <p:cNvSpPr>
             <a:spLocks noGrp="1" noRot="1" noChangeAspect="1"/>
           </p:cNvSpPr>
@@ -2850,129 +2493,7 @@
               </a:path>
             </a:pathLst>
           </a:custGeom>
-          <a:noFill/>
-          <a:ln w="12700" cap="flat" cmpd="sng">
-            <a:solidFill>
-              <a:srgbClr val="000000"/>
-            </a:solidFill>
-            <a:prstDash val="solid"/>
-            <a:round/>
-            <a:headEnd type="none" w="sm" len="sm"/>
-            <a:tailEnd type="none" w="sm" len="sm"/>
-          </a:ln>
         </p:spPr>
-      </p:sp>
-      <p:sp>
-        <p:nvSpPr>
-          <p:cNvPr id="152" name="Google Shape;152;g3f5c19d80b_0_0:notes"/>
-          <p:cNvSpPr txBox="1">
-            <a:spLocks noGrp="1"/>
-          </p:cNvSpPr>
-          <p:nvPr>
-            <p:ph type="body" idx="1"/>
-          </p:nvPr>
-        </p:nvSpPr>
-        <p:spPr>
-          <a:xfrm>
-            <a:off x="710248" y="4860687"/>
-            <a:ext cx="5682000" cy="4605000"/>
-          </a:xfrm>
-          <a:prstGeom prst="rect">
-            <a:avLst/>
-          </a:prstGeom>
-          <a:noFill/>
-          <a:ln>
-            <a:noFill/>
-          </a:ln>
-        </p:spPr>
-        <p:txBody>
-          <a:bodyPr spcFirstLastPara="1" wrap="square" lIns="99050" tIns="49525" rIns="99050" bIns="49525" anchor="t" anchorCtr="0">
-            <a:noAutofit/>
-          </a:bodyPr>
-          <a:lstStyle/>
-          <a:p>
-            <a:pPr marL="0" marR="0" lvl="0" indent="0" algn="l" rtl="0">
-              <a:spcBef>
-                <a:spcPts val="0"/>
-              </a:spcBef>
-              <a:spcAft>
-                <a:spcPts val="0"/>
-              </a:spcAft>
-              <a:buNone/>
-            </a:pPr>
-            <a:endParaRPr sz="1200" b="0" i="0" u="none" strike="noStrike" cap="none">
-              <a:solidFill>
-                <a:schemeClr val="dk1"/>
-              </a:solidFill>
-              <a:latin typeface="Calibri"/>
-              <a:ea typeface="Calibri"/>
-              <a:cs typeface="Calibri"/>
-              <a:sym typeface="Calibri"/>
-            </a:endParaRPr>
-          </a:p>
-        </p:txBody>
-      </p:sp>
-      <p:sp>
-        <p:nvSpPr>
-          <p:cNvPr id="153" name="Google Shape;153;g3f5c19d80b_0_0:notes"/>
-          <p:cNvSpPr txBox="1">
-            <a:spLocks noGrp="1"/>
-          </p:cNvSpPr>
-          <p:nvPr>
-            <p:ph type="sldNum" idx="12"/>
-          </p:nvPr>
-        </p:nvSpPr>
-        <p:spPr>
-          <a:xfrm>
-            <a:off x="4023092" y="9719598"/>
-            <a:ext cx="3077700" cy="511800"/>
-          </a:xfrm>
-          <a:prstGeom prst="rect">
-            <a:avLst/>
-          </a:prstGeom>
-          <a:noFill/>
-          <a:ln>
-            <a:noFill/>
-          </a:ln>
-        </p:spPr>
-        <p:txBody>
-          <a:bodyPr spcFirstLastPara="1" wrap="square" lIns="99050" tIns="49525" rIns="99050" bIns="49525" anchor="b" anchorCtr="0">
-            <a:noAutofit/>
-          </a:bodyPr>
-          <a:lstStyle/>
-          <a:p>
-            <a:pPr marL="0" marR="0" lvl="0" indent="0" algn="r" rtl="0">
-              <a:spcBef>
-                <a:spcPts val="0"/>
-              </a:spcBef>
-              <a:spcAft>
-                <a:spcPts val="0"/>
-              </a:spcAft>
-              <a:buNone/>
-            </a:pPr>
-            <a:fld id="{00000000-1234-1234-1234-123412341234}" type="slidenum">
-              <a:rPr lang="es-CO" sz="1300">
-                <a:solidFill>
-                  <a:schemeClr val="dk1"/>
-                </a:solidFill>
-                <a:latin typeface="Calibri"/>
-                <a:ea typeface="Calibri"/>
-                <a:cs typeface="Calibri"/>
-                <a:sym typeface="Calibri"/>
-              </a:rPr>
-              <a:t>6</a:t>
-            </a:fld>
-            <a:endParaRPr sz="1300">
-              <a:solidFill>
-                <a:schemeClr val="dk1"/>
-              </a:solidFill>
-              <a:latin typeface="Calibri"/>
-              <a:ea typeface="Calibri"/>
-              <a:cs typeface="Calibri"/>
-              <a:sym typeface="Calibri"/>
-            </a:endParaRPr>
-          </a:p>
-        </p:txBody>
       </p:sp>
     </p:spTree>
   </p:cSld>
@@ -2987,7 +2508,7 @@
   <p:cSld>
     <p:spTree>
       <p:nvGrpSpPr>
-        <p:cNvPr id="1" name="Shape 161"/>
+        <p:cNvPr id="1" name="Shape 201"/>
         <p:cNvGrpSpPr/>
         <p:nvPr/>
       </p:nvGrpSpPr>
@@ -3001,7 +2522,45 @@
       </p:grpSpPr>
       <p:sp>
         <p:nvSpPr>
-          <p:cNvPr id="162" name="Google Shape;162;p7:notes"/>
+          <p:cNvPr id="202" name="Google Shape;202;p11:notes"/>
+          <p:cNvSpPr txBox="1">
+            <a:spLocks noGrp="1"/>
+          </p:cNvSpPr>
+          <p:nvPr>
+            <p:ph type="body" idx="1"/>
+          </p:nvPr>
+        </p:nvSpPr>
+        <p:spPr>
+          <a:xfrm>
+            <a:off x="710248" y="4860687"/>
+            <a:ext cx="5681980" cy="4604861"/>
+          </a:xfrm>
+          <a:prstGeom prst="rect">
+            <a:avLst/>
+          </a:prstGeom>
+        </p:spPr>
+        <p:txBody>
+          <a:bodyPr spcFirstLastPara="1" wrap="square" lIns="91425" tIns="91425" rIns="91425" bIns="91425" anchor="t" anchorCtr="0">
+            <a:noAutofit/>
+          </a:bodyPr>
+          <a:lstStyle/>
+          <a:p>
+            <a:pPr marL="0" lvl="0" indent="0" algn="l" rtl="0">
+              <a:spcBef>
+                <a:spcPts val="0"/>
+              </a:spcBef>
+              <a:spcAft>
+                <a:spcPts val="0"/>
+              </a:spcAft>
+              <a:buNone/>
+            </a:pPr>
+            <a:endParaRPr/>
+          </a:p>
+        </p:txBody>
+      </p:sp>
+      <p:sp>
+        <p:nvSpPr>
+          <p:cNvPr id="203" name="Google Shape;203;p11:notes"/>
           <p:cNvSpPr>
             <a:spLocks noGrp="1" noRot="1" noChangeAspect="1"/>
           </p:cNvSpPr>
@@ -3038,517 +2597,9 @@
               </a:path>
             </a:pathLst>
           </a:custGeom>
-          <a:noFill/>
-          <a:ln w="12700" cap="flat" cmpd="sng">
-            <a:solidFill>
-              <a:srgbClr val="000000"/>
-            </a:solidFill>
-            <a:prstDash val="solid"/>
-            <a:round/>
-            <a:headEnd type="none" w="sm" len="sm"/>
-            <a:tailEnd type="none" w="sm" len="sm"/>
-          </a:ln>
         </p:spPr>
       </p:sp>
-      <p:sp>
-        <p:nvSpPr>
-          <p:cNvPr id="163" name="Google Shape;163;p7:notes"/>
-          <p:cNvSpPr txBox="1">
-            <a:spLocks noGrp="1"/>
-          </p:cNvSpPr>
-          <p:nvPr>
-            <p:ph type="body" idx="1"/>
-          </p:nvPr>
-        </p:nvSpPr>
-        <p:spPr>
-          <a:xfrm>
-            <a:off x="710248" y="4860687"/>
-            <a:ext cx="5681980" cy="4604861"/>
-          </a:xfrm>
-          <a:prstGeom prst="rect">
-            <a:avLst/>
-          </a:prstGeom>
-          <a:noFill/>
-          <a:ln>
-            <a:noFill/>
-          </a:ln>
-        </p:spPr>
-        <p:txBody>
-          <a:bodyPr spcFirstLastPara="1" wrap="square" lIns="99050" tIns="49525" rIns="99050" bIns="49525" anchor="t" anchorCtr="0">
-            <a:noAutofit/>
-          </a:bodyPr>
-          <a:lstStyle/>
-          <a:p>
-            <a:pPr marL="0" marR="0" lvl="0" indent="0" algn="l" rtl="0">
-              <a:spcBef>
-                <a:spcPts val="0"/>
-              </a:spcBef>
-              <a:spcAft>
-                <a:spcPts val="0"/>
-              </a:spcAft>
-              <a:buNone/>
-            </a:pPr>
-            <a:endParaRPr sz="1200" b="0" i="0" u="none" strike="noStrike" cap="none">
-              <a:solidFill>
-                <a:schemeClr val="dk1"/>
-              </a:solidFill>
-              <a:latin typeface="Calibri"/>
-              <a:ea typeface="Calibri"/>
-              <a:cs typeface="Calibri"/>
-              <a:sym typeface="Calibri"/>
-            </a:endParaRPr>
-          </a:p>
-        </p:txBody>
-      </p:sp>
-      <p:sp>
-        <p:nvSpPr>
-          <p:cNvPr id="164" name="Google Shape;164;p7:notes"/>
-          <p:cNvSpPr txBox="1">
-            <a:spLocks noGrp="1"/>
-          </p:cNvSpPr>
-          <p:nvPr>
-            <p:ph type="sldNum" idx="12"/>
-          </p:nvPr>
-        </p:nvSpPr>
-        <p:spPr>
-          <a:xfrm>
-            <a:off x="4023092" y="9719598"/>
-            <a:ext cx="3077739" cy="511651"/>
-          </a:xfrm>
-          <a:prstGeom prst="rect">
-            <a:avLst/>
-          </a:prstGeom>
-          <a:noFill/>
-          <a:ln>
-            <a:noFill/>
-          </a:ln>
-        </p:spPr>
-        <p:txBody>
-          <a:bodyPr spcFirstLastPara="1" wrap="square" lIns="99050" tIns="49525" rIns="99050" bIns="49525" anchor="b" anchorCtr="0">
-            <a:noAutofit/>
-          </a:bodyPr>
-          <a:lstStyle/>
-          <a:p>
-            <a:pPr marL="0" marR="0" lvl="0" indent="0" algn="r" rtl="0">
-              <a:spcBef>
-                <a:spcPts val="0"/>
-              </a:spcBef>
-              <a:spcAft>
-                <a:spcPts val="0"/>
-              </a:spcAft>
-              <a:buNone/>
-            </a:pPr>
-            <a:fld id="{00000000-1234-1234-1234-123412341234}" type="slidenum">
-              <a:rPr lang="es-CO" sz="1300">
-                <a:solidFill>
-                  <a:schemeClr val="dk1"/>
-                </a:solidFill>
-                <a:latin typeface="Calibri"/>
-                <a:ea typeface="Calibri"/>
-                <a:cs typeface="Calibri"/>
-                <a:sym typeface="Calibri"/>
-              </a:rPr>
-              <a:t>7</a:t>
-            </a:fld>
-            <a:endParaRPr sz="1300">
-              <a:solidFill>
-                <a:schemeClr val="dk1"/>
-              </a:solidFill>
-              <a:latin typeface="Calibri"/>
-              <a:ea typeface="Calibri"/>
-              <a:cs typeface="Calibri"/>
-              <a:sym typeface="Calibri"/>
-            </a:endParaRPr>
-          </a:p>
-        </p:txBody>
-      </p:sp>
     </p:spTree>
-  </p:cSld>
-  <p:clrMapOvr>
-    <a:masterClrMapping/>
-  </p:clrMapOvr>
-</p:notes>
-</file>
-
-<file path=ppt/notesSlides/notesSlide8.xml><?xml version="1.0" encoding="utf-8"?>
-<p:notes xmlns:a="http://schemas.openxmlformats.org/drawingml/2006/main" xmlns:r="http://schemas.openxmlformats.org/officeDocument/2006/relationships" xmlns:p="http://schemas.openxmlformats.org/presentationml/2006/main" showMasterSp="0" showMasterPhAnim="0">
-  <p:cSld>
-    <p:spTree>
-      <p:nvGrpSpPr>
-        <p:cNvPr id="1" name="Shape 153"/>
-        <p:cNvGrpSpPr/>
-        <p:nvPr/>
-      </p:nvGrpSpPr>
-      <p:grpSpPr>
-        <a:xfrm>
-          <a:off x="0" y="0"/>
-          <a:ext cx="0" cy="0"/>
-          <a:chOff x="0" y="0"/>
-          <a:chExt cx="0" cy="0"/>
-        </a:xfrm>
-      </p:grpSpPr>
-      <p:sp>
-        <p:nvSpPr>
-          <p:cNvPr id="154" name="Google Shape;154;p8:notes"/>
-          <p:cNvSpPr>
-            <a:spLocks noGrp="1" noRot="1" noChangeAspect="1"/>
-          </p:cNvSpPr>
-          <p:nvPr>
-            <p:ph type="sldImg" idx="2"/>
-          </p:nvPr>
-        </p:nvSpPr>
-        <p:spPr>
-          <a:xfrm>
-            <a:off x="992188" y="766763"/>
-            <a:ext cx="5118100" cy="3838575"/>
-          </a:xfrm>
-          <a:custGeom>
-            <a:avLst/>
-            <a:gdLst/>
-            <a:ahLst/>
-            <a:cxnLst/>
-            <a:rect l="l" t="t" r="r" b="b"/>
-            <a:pathLst>
-              <a:path w="120000" h="120000" extrusionOk="0">
-                <a:moveTo>
-                  <a:pt x="0" y="0"/>
-                </a:moveTo>
-                <a:lnTo>
-                  <a:pt x="120000" y="0"/>
-                </a:lnTo>
-                <a:lnTo>
-                  <a:pt x="120000" y="120000"/>
-                </a:lnTo>
-                <a:lnTo>
-                  <a:pt x="0" y="120000"/>
-                </a:lnTo>
-                <a:close/>
-              </a:path>
-            </a:pathLst>
-          </a:custGeom>
-          <a:noFill/>
-          <a:ln w="12700" cap="flat" cmpd="sng">
-            <a:solidFill>
-              <a:srgbClr val="000000"/>
-            </a:solidFill>
-            <a:prstDash val="solid"/>
-            <a:round/>
-            <a:headEnd type="none" w="sm" len="sm"/>
-            <a:tailEnd type="none" w="sm" len="sm"/>
-          </a:ln>
-        </p:spPr>
-      </p:sp>
-      <p:sp>
-        <p:nvSpPr>
-          <p:cNvPr id="155" name="Google Shape;155;p8:notes"/>
-          <p:cNvSpPr txBox="1">
-            <a:spLocks noGrp="1"/>
-          </p:cNvSpPr>
-          <p:nvPr>
-            <p:ph type="body" idx="1"/>
-          </p:nvPr>
-        </p:nvSpPr>
-        <p:spPr>
-          <a:xfrm>
-            <a:off x="710248" y="4860687"/>
-            <a:ext cx="5681980" cy="4604861"/>
-          </a:xfrm>
-          <a:prstGeom prst="rect">
-            <a:avLst/>
-          </a:prstGeom>
-          <a:noFill/>
-          <a:ln>
-            <a:noFill/>
-          </a:ln>
-        </p:spPr>
-        <p:txBody>
-          <a:bodyPr spcFirstLastPara="1" wrap="square" lIns="99050" tIns="49525" rIns="99050" bIns="49525" anchor="t" anchorCtr="0">
-            <a:noAutofit/>
-          </a:bodyPr>
-          <a:lstStyle/>
-          <a:p>
-            <a:pPr marL="0" marR="0" lvl="0" indent="0" algn="l" rtl="0">
-              <a:spcBef>
-                <a:spcPts val="0"/>
-              </a:spcBef>
-              <a:spcAft>
-                <a:spcPts val="0"/>
-              </a:spcAft>
-              <a:buNone/>
-            </a:pPr>
-            <a:endParaRPr sz="1200" b="0" i="0" u="none" strike="noStrike" cap="none">
-              <a:solidFill>
-                <a:schemeClr val="dk1"/>
-              </a:solidFill>
-              <a:latin typeface="Calibri"/>
-              <a:ea typeface="Calibri"/>
-              <a:cs typeface="Calibri"/>
-              <a:sym typeface="Calibri"/>
-            </a:endParaRPr>
-          </a:p>
-        </p:txBody>
-      </p:sp>
-      <p:sp>
-        <p:nvSpPr>
-          <p:cNvPr id="156" name="Google Shape;156;p8:notes"/>
-          <p:cNvSpPr txBox="1">
-            <a:spLocks noGrp="1"/>
-          </p:cNvSpPr>
-          <p:nvPr>
-            <p:ph type="sldNum" idx="12"/>
-          </p:nvPr>
-        </p:nvSpPr>
-        <p:spPr>
-          <a:xfrm>
-            <a:off x="4023092" y="9719598"/>
-            <a:ext cx="3077739" cy="511651"/>
-          </a:xfrm>
-          <a:prstGeom prst="rect">
-            <a:avLst/>
-          </a:prstGeom>
-          <a:noFill/>
-          <a:ln>
-            <a:noFill/>
-          </a:ln>
-        </p:spPr>
-        <p:txBody>
-          <a:bodyPr spcFirstLastPara="1" wrap="square" lIns="99050" tIns="49525" rIns="99050" bIns="49525" anchor="b" anchorCtr="0">
-            <a:noAutofit/>
-          </a:bodyPr>
-          <a:lstStyle/>
-          <a:p>
-            <a:pPr marL="0" marR="0" lvl="0" indent="0" algn="r" rtl="0">
-              <a:spcBef>
-                <a:spcPts val="0"/>
-              </a:spcBef>
-              <a:spcAft>
-                <a:spcPts val="0"/>
-              </a:spcAft>
-              <a:buNone/>
-            </a:pPr>
-            <a:fld id="{00000000-1234-1234-1234-123412341234}" type="slidenum">
-              <a:rPr lang="es-CO" sz="1300">
-                <a:solidFill>
-                  <a:schemeClr val="dk1"/>
-                </a:solidFill>
-                <a:latin typeface="Calibri"/>
-                <a:ea typeface="Calibri"/>
-                <a:cs typeface="Calibri"/>
-                <a:sym typeface="Calibri"/>
-              </a:rPr>
-              <a:t>8</a:t>
-            </a:fld>
-            <a:endParaRPr sz="1300">
-              <a:solidFill>
-                <a:schemeClr val="dk1"/>
-              </a:solidFill>
-              <a:latin typeface="Calibri"/>
-              <a:ea typeface="Calibri"/>
-              <a:cs typeface="Calibri"/>
-              <a:sym typeface="Calibri"/>
-            </a:endParaRPr>
-          </a:p>
-        </p:txBody>
-      </p:sp>
-    </p:spTree>
-    <p:extLst>
-      <p:ext uri="{BB962C8B-B14F-4D97-AF65-F5344CB8AC3E}">
-        <p14:creationId xmlns:p14="http://schemas.microsoft.com/office/powerpoint/2010/main" val="1247520036"/>
-      </p:ext>
-    </p:extLst>
-  </p:cSld>
-  <p:clrMapOvr>
-    <a:masterClrMapping/>
-  </p:clrMapOvr>
-</p:notes>
-</file>
-
-<file path=ppt/notesSlides/notesSlide9.xml><?xml version="1.0" encoding="utf-8"?>
-<p:notes xmlns:a="http://schemas.openxmlformats.org/drawingml/2006/main" xmlns:r="http://schemas.openxmlformats.org/officeDocument/2006/relationships" xmlns:p="http://schemas.openxmlformats.org/presentationml/2006/main" showMasterSp="0" showMasterPhAnim="0">
-  <p:cSld>
-    <p:spTree>
-      <p:nvGrpSpPr>
-        <p:cNvPr id="1" name="Shape 161"/>
-        <p:cNvGrpSpPr/>
-        <p:nvPr/>
-      </p:nvGrpSpPr>
-      <p:grpSpPr>
-        <a:xfrm>
-          <a:off x="0" y="0"/>
-          <a:ext cx="0" cy="0"/>
-          <a:chOff x="0" y="0"/>
-          <a:chExt cx="0" cy="0"/>
-        </a:xfrm>
-      </p:grpSpPr>
-      <p:sp>
-        <p:nvSpPr>
-          <p:cNvPr id="162" name="Google Shape;162;p7:notes"/>
-          <p:cNvSpPr>
-            <a:spLocks noGrp="1" noRot="1" noChangeAspect="1"/>
-          </p:cNvSpPr>
-          <p:nvPr>
-            <p:ph type="sldImg" idx="2"/>
-          </p:nvPr>
-        </p:nvSpPr>
-        <p:spPr>
-          <a:xfrm>
-            <a:off x="992188" y="766763"/>
-            <a:ext cx="5118100" cy="3838575"/>
-          </a:xfrm>
-          <a:custGeom>
-            <a:avLst/>
-            <a:gdLst/>
-            <a:ahLst/>
-            <a:cxnLst/>
-            <a:rect l="l" t="t" r="r" b="b"/>
-            <a:pathLst>
-              <a:path w="120000" h="120000" extrusionOk="0">
-                <a:moveTo>
-                  <a:pt x="0" y="0"/>
-                </a:moveTo>
-                <a:lnTo>
-                  <a:pt x="120000" y="0"/>
-                </a:lnTo>
-                <a:lnTo>
-                  <a:pt x="120000" y="120000"/>
-                </a:lnTo>
-                <a:lnTo>
-                  <a:pt x="0" y="120000"/>
-                </a:lnTo>
-                <a:close/>
-              </a:path>
-            </a:pathLst>
-          </a:custGeom>
-          <a:noFill/>
-          <a:ln w="12700" cap="flat" cmpd="sng">
-            <a:solidFill>
-              <a:srgbClr val="000000"/>
-            </a:solidFill>
-            <a:prstDash val="solid"/>
-            <a:round/>
-            <a:headEnd type="none" w="sm" len="sm"/>
-            <a:tailEnd type="none" w="sm" len="sm"/>
-          </a:ln>
-        </p:spPr>
-      </p:sp>
-      <p:sp>
-        <p:nvSpPr>
-          <p:cNvPr id="163" name="Google Shape;163;p7:notes"/>
-          <p:cNvSpPr txBox="1">
-            <a:spLocks noGrp="1"/>
-          </p:cNvSpPr>
-          <p:nvPr>
-            <p:ph type="body" idx="1"/>
-          </p:nvPr>
-        </p:nvSpPr>
-        <p:spPr>
-          <a:xfrm>
-            <a:off x="710248" y="4860687"/>
-            <a:ext cx="5681980" cy="4604861"/>
-          </a:xfrm>
-          <a:prstGeom prst="rect">
-            <a:avLst/>
-          </a:prstGeom>
-          <a:noFill/>
-          <a:ln>
-            <a:noFill/>
-          </a:ln>
-        </p:spPr>
-        <p:txBody>
-          <a:bodyPr spcFirstLastPara="1" wrap="square" lIns="99050" tIns="49525" rIns="99050" bIns="49525" anchor="t" anchorCtr="0">
-            <a:noAutofit/>
-          </a:bodyPr>
-          <a:lstStyle/>
-          <a:p>
-            <a:pPr marL="0" marR="0" lvl="0" indent="0" algn="l" rtl="0">
-              <a:spcBef>
-                <a:spcPts val="0"/>
-              </a:spcBef>
-              <a:spcAft>
-                <a:spcPts val="0"/>
-              </a:spcAft>
-              <a:buNone/>
-            </a:pPr>
-            <a:endParaRPr sz="1200" b="0" i="0" u="none" strike="noStrike" cap="none">
-              <a:solidFill>
-                <a:schemeClr val="dk1"/>
-              </a:solidFill>
-              <a:latin typeface="Calibri"/>
-              <a:ea typeface="Calibri"/>
-              <a:cs typeface="Calibri"/>
-              <a:sym typeface="Calibri"/>
-            </a:endParaRPr>
-          </a:p>
-        </p:txBody>
-      </p:sp>
-      <p:sp>
-        <p:nvSpPr>
-          <p:cNvPr id="164" name="Google Shape;164;p7:notes"/>
-          <p:cNvSpPr txBox="1">
-            <a:spLocks noGrp="1"/>
-          </p:cNvSpPr>
-          <p:nvPr>
-            <p:ph type="sldNum" idx="12"/>
-          </p:nvPr>
-        </p:nvSpPr>
-        <p:spPr>
-          <a:xfrm>
-            <a:off x="4023092" y="9719598"/>
-            <a:ext cx="3077739" cy="511651"/>
-          </a:xfrm>
-          <a:prstGeom prst="rect">
-            <a:avLst/>
-          </a:prstGeom>
-          <a:noFill/>
-          <a:ln>
-            <a:noFill/>
-          </a:ln>
-        </p:spPr>
-        <p:txBody>
-          <a:bodyPr spcFirstLastPara="1" wrap="square" lIns="99050" tIns="49525" rIns="99050" bIns="49525" anchor="b" anchorCtr="0">
-            <a:noAutofit/>
-          </a:bodyPr>
-          <a:lstStyle/>
-          <a:p>
-            <a:pPr marL="0" marR="0" lvl="0" indent="0" algn="r" rtl="0">
-              <a:spcBef>
-                <a:spcPts val="0"/>
-              </a:spcBef>
-              <a:spcAft>
-                <a:spcPts val="0"/>
-              </a:spcAft>
-              <a:buNone/>
-            </a:pPr>
-            <a:fld id="{00000000-1234-1234-1234-123412341234}" type="slidenum">
-              <a:rPr lang="es-CO" sz="1300">
-                <a:solidFill>
-                  <a:schemeClr val="dk1"/>
-                </a:solidFill>
-                <a:latin typeface="Calibri"/>
-                <a:ea typeface="Calibri"/>
-                <a:cs typeface="Calibri"/>
-                <a:sym typeface="Calibri"/>
-              </a:rPr>
-              <a:t>9</a:t>
-            </a:fld>
-            <a:endParaRPr sz="1300">
-              <a:solidFill>
-                <a:schemeClr val="dk1"/>
-              </a:solidFill>
-              <a:latin typeface="Calibri"/>
-              <a:ea typeface="Calibri"/>
-              <a:cs typeface="Calibri"/>
-              <a:sym typeface="Calibri"/>
-            </a:endParaRPr>
-          </a:p>
-        </p:txBody>
-      </p:sp>
-    </p:spTree>
-    <p:extLst>
-      <p:ext uri="{BB962C8B-B14F-4D97-AF65-F5344CB8AC3E}">
-        <p14:creationId xmlns:p14="http://schemas.microsoft.com/office/powerpoint/2010/main" val="1175420522"/>
-      </p:ext>
-    </p:extLst>
   </p:cSld>
   <p:clrMapOvr>
     <a:masterClrMapping/>
@@ -17286,7 +16337,7 @@
             </a:pPr>
             <a:r>
               <a:rPr lang="es-CO" sz="4000" dirty="0"/>
-              <a:t>Identificación de Leucemia Mieloide en muestras de sangre</a:t>
+              <a:t>Proyectos investigación PDS</a:t>
             </a:r>
             <a:endParaRPr lang="es-CO" sz="4000" b="0" i="0" u="none" strike="noStrike" cap="none" dirty="0">
               <a:solidFill>
@@ -17438,50 +16489,6 @@
                 <a:spcPct val="80000"/>
               </a:lnSpc>
               <a:spcBef>
-                <a:spcPts val="434"/>
-              </a:spcBef>
-              <a:spcAft>
-                <a:spcPts val="0"/>
-              </a:spcAft>
-              <a:buClr>
-                <a:srgbClr val="888888"/>
-              </a:buClr>
-              <a:buSzPts val="2170"/>
-              <a:buFont typeface="Arial"/>
-              <a:buNone/>
-            </a:pPr>
-            <a:r>
-              <a:rPr lang="es-CO" sz="2170" b="0" i="0" u="none" strike="noStrike" cap="none" dirty="0">
-                <a:solidFill>
-                  <a:srgbClr val="888888"/>
-                </a:solidFill>
-                <a:latin typeface="Calibri"/>
-                <a:ea typeface="Calibri"/>
-                <a:cs typeface="Calibri"/>
-                <a:sym typeface="Calibri"/>
-              </a:rPr>
-              <a:t>Semestre 2020</a:t>
-            </a:r>
-            <a:r>
-              <a:rPr lang="es-CO" sz="2170" dirty="0"/>
-              <a:t>-1</a:t>
-            </a:r>
-            <a:endParaRPr sz="2170" b="0" i="0" u="none" strike="noStrike" cap="none" dirty="0">
-              <a:solidFill>
-                <a:srgbClr val="888888"/>
-              </a:solidFill>
-              <a:latin typeface="Calibri"/>
-              <a:ea typeface="Calibri"/>
-              <a:cs typeface="Calibri"/>
-              <a:sym typeface="Calibri"/>
-            </a:endParaRPr>
-          </a:p>
-          <a:p>
-            <a:pPr marL="0" marR="0" lvl="0" indent="0" algn="ctr" rtl="0">
-              <a:lnSpc>
-                <a:spcPct val="80000"/>
-              </a:lnSpc>
-              <a:spcBef>
                 <a:spcPts val="496"/>
               </a:spcBef>
               <a:spcAft>
@@ -17514,7 +16521,7 @@
         </p:nvSpPr>
         <p:spPr>
           <a:xfrm>
-            <a:off x="1331640" y="4628728"/>
+            <a:off x="1371600" y="4600447"/>
             <a:ext cx="6400800" cy="1752600"/>
           </a:xfrm>
           <a:prstGeom prst="rect">
@@ -17549,45 +16556,6 @@
               <a:buNone/>
             </a:pPr>
             <a:r>
-              <a:rPr lang="es-CO" sz="2400" dirty="0">
-                <a:solidFill>
-                  <a:srgbClr val="888888"/>
-                </a:solidFill>
-                <a:latin typeface="Calibri"/>
-                <a:cs typeface="Calibri"/>
-                <a:sym typeface="Calibri"/>
-              </a:rPr>
-              <a:t>Manuela Restrepo Cardona</a:t>
-            </a:r>
-            <a:endParaRPr lang="es-CO" sz="2400" b="0" i="0" u="none" strike="noStrike" cap="none" dirty="0">
-              <a:solidFill>
-                <a:srgbClr val="888888"/>
-              </a:solidFill>
-              <a:latin typeface="Calibri"/>
-              <a:ea typeface="Calibri"/>
-              <a:cs typeface="Calibri"/>
-              <a:sym typeface="Calibri"/>
-            </a:endParaRPr>
-          </a:p>
-          <a:p>
-            <a:pPr marL="0" marR="0" lvl="0" indent="0" algn="ctr" rtl="0">
-              <a:lnSpc>
-                <a:spcPct val="100000"/>
-              </a:lnSpc>
-              <a:spcBef>
-                <a:spcPts val="0"/>
-              </a:spcBef>
-              <a:spcAft>
-                <a:spcPts val="0"/>
-              </a:spcAft>
-              <a:buClr>
-                <a:srgbClr val="888888"/>
-              </a:buClr>
-              <a:buSzPts val="2400"/>
-              <a:buFont typeface="Arial"/>
-              <a:buNone/>
-            </a:pPr>
-            <a:r>
               <a:rPr lang="es-CO" sz="2400" b="0" i="0" u="none" strike="noStrike" cap="none" dirty="0">
                 <a:solidFill>
                   <a:srgbClr val="888888"/>
@@ -17599,46 +16567,6 @@
               </a:rPr>
               <a:t>Omar David Vargas Bonett</a:t>
             </a:r>
-          </a:p>
-          <a:p>
-            <a:pPr marL="0" marR="0" lvl="0" indent="0" algn="ctr" rtl="0">
-              <a:lnSpc>
-                <a:spcPct val="100000"/>
-              </a:lnSpc>
-              <a:spcBef>
-                <a:spcPts val="0"/>
-              </a:spcBef>
-              <a:spcAft>
-                <a:spcPts val="0"/>
-              </a:spcAft>
-              <a:buClr>
-                <a:srgbClr val="888888"/>
-              </a:buClr>
-              <a:buSzPts val="2400"/>
-              <a:buFont typeface="Arial"/>
-              <a:buNone/>
-            </a:pPr>
-            <a:r>
-              <a:rPr lang="es-CO" sz="2400" dirty="0">
-                <a:solidFill>
-                  <a:srgbClr val="888888"/>
-                </a:solidFill>
-                <a:latin typeface="Calibri"/>
-                <a:ea typeface="Calibri"/>
-                <a:cs typeface="Calibri"/>
-                <a:sym typeface="Calibri"/>
-              </a:rPr>
-              <a:t>Manuela.restrepoc@udea.edu.co</a:t>
-            </a:r>
-            <a:endParaRPr lang="es-CO" sz="2400" b="0" i="0" u="none" strike="noStrike" cap="none" dirty="0">
-              <a:solidFill>
-                <a:srgbClr val="888888"/>
-              </a:solidFill>
-              <a:latin typeface="Calibri"/>
-              <a:ea typeface="Calibri"/>
-              <a:cs typeface="Calibri"/>
-              <a:sym typeface="Calibri"/>
-            </a:endParaRPr>
           </a:p>
           <a:p>
             <a:pPr marL="0" marR="0" lvl="0" indent="0" algn="ctr" rtl="0">
@@ -17730,7 +16658,895 @@
 </p:sld>
 </file>
 
-<file path=ppt/slides/slide10.xml><?xml version="1.0" encoding="utf-8"?>
+<file path=ppt/slides/slide2.xml><?xml version="1.0" encoding="utf-8"?>
+<p:sld xmlns:a="http://schemas.openxmlformats.org/drawingml/2006/main" xmlns:r="http://schemas.openxmlformats.org/officeDocument/2006/relationships" xmlns:p="http://schemas.openxmlformats.org/presentationml/2006/main">
+  <p:cSld>
+    <p:spTree>
+      <p:nvGrpSpPr>
+        <p:cNvPr id="1" name="Shape 100"/>
+        <p:cNvGrpSpPr/>
+        <p:nvPr/>
+      </p:nvGrpSpPr>
+      <p:grpSpPr>
+        <a:xfrm>
+          <a:off x="0" y="0"/>
+          <a:ext cx="0" cy="0"/>
+          <a:chOff x="0" y="0"/>
+          <a:chExt cx="0" cy="0"/>
+        </a:xfrm>
+      </p:grpSpPr>
+      <p:sp>
+        <p:nvSpPr>
+          <p:cNvPr id="101" name="Google Shape;101;p14"/>
+          <p:cNvSpPr txBox="1"/>
+          <p:nvPr/>
+        </p:nvSpPr>
+        <p:spPr>
+          <a:xfrm>
+            <a:off x="609600" y="427038"/>
+            <a:ext cx="8229600" cy="1143000"/>
+          </a:xfrm>
+          <a:prstGeom prst="rect">
+            <a:avLst/>
+          </a:prstGeom>
+          <a:noFill/>
+          <a:ln>
+            <a:noFill/>
+          </a:ln>
+        </p:spPr>
+        <p:txBody>
+          <a:bodyPr spcFirstLastPara="1" wrap="square" lIns="91425" tIns="45700" rIns="91425" bIns="45700" anchor="ctr" anchorCtr="0">
+            <a:noAutofit/>
+          </a:bodyPr>
+          <a:lstStyle/>
+          <a:p>
+            <a:pPr marL="0" marR="0" lvl="0" indent="0" algn="ctr" rtl="0">
+              <a:lnSpc>
+                <a:spcPct val="100000"/>
+              </a:lnSpc>
+              <a:spcBef>
+                <a:spcPts val="0"/>
+              </a:spcBef>
+              <a:spcAft>
+                <a:spcPts val="0"/>
+              </a:spcAft>
+              <a:buClr>
+                <a:schemeClr val="dk1"/>
+              </a:buClr>
+              <a:buSzPts val="4290"/>
+              <a:buFont typeface="Calibri"/>
+              <a:buNone/>
+            </a:pPr>
+            <a:r>
+              <a:rPr lang="es-CO" sz="4290" b="0" i="0" u="none" strike="noStrike" cap="none" dirty="0">
+                <a:solidFill>
+                  <a:schemeClr val="dk1"/>
+                </a:solidFill>
+                <a:latin typeface="Calibri"/>
+                <a:ea typeface="Calibri"/>
+                <a:cs typeface="Calibri"/>
+                <a:sym typeface="Calibri"/>
+              </a:rPr>
+              <a:t>Descripción del Problema #1</a:t>
+            </a:r>
+            <a:endParaRPr sz="4290" b="0" i="0" u="none" strike="noStrike" cap="none" dirty="0">
+              <a:solidFill>
+                <a:schemeClr val="dk1"/>
+              </a:solidFill>
+              <a:latin typeface="Calibri"/>
+              <a:ea typeface="Calibri"/>
+              <a:cs typeface="Calibri"/>
+              <a:sym typeface="Calibri"/>
+            </a:endParaRPr>
+          </a:p>
+        </p:txBody>
+      </p:sp>
+      <p:sp>
+        <p:nvSpPr>
+          <p:cNvPr id="102" name="Google Shape;102;p14"/>
+          <p:cNvSpPr txBox="1"/>
+          <p:nvPr/>
+        </p:nvSpPr>
+        <p:spPr>
+          <a:xfrm>
+            <a:off x="842154" y="1975391"/>
+            <a:ext cx="7290009" cy="4035152"/>
+          </a:xfrm>
+          <a:prstGeom prst="rect">
+            <a:avLst/>
+          </a:prstGeom>
+          <a:noFill/>
+          <a:ln>
+            <a:noFill/>
+          </a:ln>
+        </p:spPr>
+        <p:txBody>
+          <a:bodyPr spcFirstLastPara="1" wrap="square" lIns="91425" tIns="45700" rIns="91425" bIns="45700" anchor="t" anchorCtr="0">
+            <a:noAutofit/>
+          </a:bodyPr>
+          <a:lstStyle/>
+          <a:p>
+            <a:pPr marL="285750" marR="0" lvl="0" indent="-285750" algn="l" rtl="0">
+              <a:spcBef>
+                <a:spcPts val="0"/>
+              </a:spcBef>
+              <a:spcAft>
+                <a:spcPts val="0"/>
+              </a:spcAft>
+              <a:buClr>
+                <a:schemeClr val="dk1"/>
+              </a:buClr>
+              <a:buSzPts val="1800"/>
+              <a:buFont typeface="Arial"/>
+              <a:buChar char="•"/>
+            </a:pPr>
+            <a:r>
+              <a:rPr lang="es-CO" sz="1800" b="0" i="0" u="none" strike="noStrike" cap="none" dirty="0">
+                <a:solidFill>
+                  <a:schemeClr val="dk1"/>
+                </a:solidFill>
+                <a:latin typeface="Calibri"/>
+                <a:ea typeface="Calibri"/>
+                <a:cs typeface="Calibri"/>
+                <a:sym typeface="Calibri"/>
+              </a:rPr>
+              <a:t>Facilitar la identificación en muestras de sangre de células cancerígenas, específicamente células mieloides.</a:t>
+            </a:r>
+            <a:endParaRPr dirty="0"/>
+          </a:p>
+          <a:p>
+            <a:pPr marL="285750" marR="0" lvl="0" indent="-171450" algn="l" rtl="0">
+              <a:spcBef>
+                <a:spcPts val="0"/>
+              </a:spcBef>
+              <a:spcAft>
+                <a:spcPts val="0"/>
+              </a:spcAft>
+              <a:buClr>
+                <a:schemeClr val="dk1"/>
+              </a:buClr>
+              <a:buSzPts val="1800"/>
+              <a:buFont typeface="Arial"/>
+              <a:buNone/>
+            </a:pPr>
+            <a:endParaRPr sz="1800" b="0" i="0" u="none" strike="noStrike" cap="none" dirty="0">
+              <a:solidFill>
+                <a:schemeClr val="dk1"/>
+              </a:solidFill>
+              <a:latin typeface="Calibri"/>
+              <a:ea typeface="Calibri"/>
+              <a:cs typeface="Calibri"/>
+              <a:sym typeface="Calibri"/>
+            </a:endParaRPr>
+          </a:p>
+          <a:p>
+            <a:pPr marL="285750" marR="0" lvl="0" indent="-285750" algn="l" rtl="0">
+              <a:spcBef>
+                <a:spcPts val="0"/>
+              </a:spcBef>
+              <a:spcAft>
+                <a:spcPts val="0"/>
+              </a:spcAft>
+              <a:buClr>
+                <a:schemeClr val="dk1"/>
+              </a:buClr>
+              <a:buSzPts val="1800"/>
+              <a:buFont typeface="Arial"/>
+              <a:buChar char="•"/>
+            </a:pPr>
+            <a:r>
+              <a:rPr lang="es-CO" sz="1800" b="0" i="0" u="none" strike="noStrike" cap="none" dirty="0">
+                <a:solidFill>
+                  <a:schemeClr val="dk1"/>
+                </a:solidFill>
+                <a:latin typeface="Calibri"/>
+                <a:ea typeface="Calibri"/>
+                <a:cs typeface="Calibri"/>
+                <a:sym typeface="Calibri"/>
+              </a:rPr>
+              <a:t>Diseñar un clasificador capaz de diferenciar células blancas sanas, de células de leucemia mieloide, mediante aprendizaje de maquina.</a:t>
+            </a:r>
+            <a:endParaRPr dirty="0"/>
+          </a:p>
+          <a:p>
+            <a:pPr marL="285750" marR="0" lvl="0" indent="-171450" algn="l" rtl="0">
+              <a:spcBef>
+                <a:spcPts val="0"/>
+              </a:spcBef>
+              <a:spcAft>
+                <a:spcPts val="0"/>
+              </a:spcAft>
+              <a:buClr>
+                <a:schemeClr val="dk1"/>
+              </a:buClr>
+              <a:buSzPts val="1800"/>
+              <a:buFont typeface="Arial"/>
+              <a:buNone/>
+            </a:pPr>
+            <a:endParaRPr sz="1800" b="0" i="0" u="none" strike="noStrike" cap="none" dirty="0">
+              <a:solidFill>
+                <a:schemeClr val="dk1"/>
+              </a:solidFill>
+              <a:latin typeface="Calibri"/>
+              <a:ea typeface="Calibri"/>
+              <a:cs typeface="Calibri"/>
+              <a:sym typeface="Calibri"/>
+            </a:endParaRPr>
+          </a:p>
+          <a:p>
+            <a:pPr marL="285750" marR="0" lvl="0" indent="-285750" algn="l" rtl="0">
+              <a:spcBef>
+                <a:spcPts val="0"/>
+              </a:spcBef>
+              <a:spcAft>
+                <a:spcPts val="0"/>
+              </a:spcAft>
+              <a:buClr>
+                <a:schemeClr val="dk1"/>
+              </a:buClr>
+              <a:buSzPts val="1800"/>
+              <a:buFont typeface="Arial"/>
+              <a:buChar char="•"/>
+            </a:pPr>
+            <a:r>
+              <a:rPr lang="es-CO" sz="1800" b="0" i="0" u="none" strike="noStrike" cap="none" dirty="0">
+                <a:solidFill>
+                  <a:schemeClr val="dk1"/>
+                </a:solidFill>
+                <a:latin typeface="Calibri"/>
+                <a:ea typeface="Calibri"/>
+                <a:cs typeface="Calibri"/>
+                <a:sym typeface="Calibri"/>
+              </a:rPr>
+              <a:t>Trabajos similares </a:t>
+            </a:r>
+            <a:endParaRPr dirty="0"/>
+          </a:p>
+          <a:p>
+            <a:pPr marL="1200150" marR="0" lvl="2" indent="-285750" algn="l" rtl="0">
+              <a:spcBef>
+                <a:spcPts val="0"/>
+              </a:spcBef>
+              <a:spcAft>
+                <a:spcPts val="0"/>
+              </a:spcAft>
+              <a:buClr>
+                <a:schemeClr val="dk1"/>
+              </a:buClr>
+              <a:buSzPts val="1800"/>
+              <a:buFont typeface="Noto Sans Symbols"/>
+              <a:buChar char="➢"/>
+            </a:pPr>
+            <a:r>
+              <a:rPr lang="es-CO" sz="1800" b="0" i="0" u="none" strike="noStrike" cap="none" dirty="0">
+                <a:solidFill>
+                  <a:schemeClr val="dk1"/>
+                </a:solidFill>
+                <a:latin typeface="Calibri"/>
+                <a:ea typeface="Calibri"/>
+                <a:cs typeface="Calibri"/>
+                <a:sym typeface="Calibri"/>
+              </a:rPr>
+              <a:t>Deep Transfer Learning in </a:t>
+            </a:r>
+            <a:r>
+              <a:rPr lang="es-CO" sz="1800" b="0" i="0" u="none" strike="noStrike" cap="none" dirty="0" err="1">
+                <a:solidFill>
+                  <a:schemeClr val="dk1"/>
+                </a:solidFill>
+                <a:latin typeface="Calibri"/>
+                <a:ea typeface="Calibri"/>
+                <a:cs typeface="Calibri"/>
+                <a:sym typeface="Calibri"/>
+              </a:rPr>
+              <a:t>Diagnosing</a:t>
+            </a:r>
+            <a:r>
+              <a:rPr lang="es-CO" sz="1800" b="0" i="0" u="none" strike="noStrike" cap="none" dirty="0">
+                <a:solidFill>
+                  <a:schemeClr val="dk1"/>
+                </a:solidFill>
+                <a:latin typeface="Calibri"/>
+                <a:ea typeface="Calibri"/>
+                <a:cs typeface="Calibri"/>
+                <a:sym typeface="Calibri"/>
+              </a:rPr>
+              <a:t> </a:t>
+            </a:r>
+            <a:r>
+              <a:rPr lang="es-CO" sz="1800" b="0" i="0" u="none" strike="noStrike" cap="none" dirty="0" err="1">
+                <a:solidFill>
+                  <a:schemeClr val="dk1"/>
+                </a:solidFill>
+                <a:latin typeface="Calibri"/>
+                <a:ea typeface="Calibri"/>
+                <a:cs typeface="Calibri"/>
+                <a:sym typeface="Calibri"/>
+              </a:rPr>
+              <a:t>Leukemia</a:t>
+            </a:r>
+            <a:r>
+              <a:rPr lang="es-CO" sz="1800" b="0" i="0" u="none" strike="noStrike" cap="none" dirty="0">
+                <a:solidFill>
+                  <a:schemeClr val="dk1"/>
+                </a:solidFill>
+                <a:latin typeface="Calibri"/>
+                <a:ea typeface="Calibri"/>
+                <a:cs typeface="Calibri"/>
+                <a:sym typeface="Calibri"/>
+              </a:rPr>
+              <a:t> in </a:t>
+            </a:r>
+            <a:r>
+              <a:rPr lang="es-CO" sz="1800" b="0" i="0" u="none" strike="noStrike" cap="none" dirty="0" err="1">
+                <a:solidFill>
+                  <a:schemeClr val="dk1"/>
+                </a:solidFill>
+                <a:latin typeface="Calibri"/>
+                <a:ea typeface="Calibri"/>
+                <a:cs typeface="Calibri"/>
+                <a:sym typeface="Calibri"/>
+              </a:rPr>
+              <a:t>Blood</a:t>
+            </a:r>
+            <a:r>
+              <a:rPr lang="es-CO" sz="1800" b="0" i="0" u="none" strike="noStrike" cap="none" dirty="0">
+                <a:solidFill>
+                  <a:schemeClr val="dk1"/>
+                </a:solidFill>
+                <a:latin typeface="Calibri"/>
+                <a:ea typeface="Calibri"/>
+                <a:cs typeface="Calibri"/>
+                <a:sym typeface="Calibri"/>
+              </a:rPr>
+              <a:t> </a:t>
+            </a:r>
+            <a:r>
+              <a:rPr lang="es-CO" sz="1800" b="0" i="0" u="none" strike="noStrike" cap="none" dirty="0" err="1">
+                <a:solidFill>
+                  <a:schemeClr val="dk1"/>
+                </a:solidFill>
+                <a:latin typeface="Calibri"/>
+                <a:ea typeface="Calibri"/>
+                <a:cs typeface="Calibri"/>
+                <a:sym typeface="Calibri"/>
+              </a:rPr>
+              <a:t>cell</a:t>
+            </a:r>
+            <a:r>
+              <a:rPr lang="es-CO" sz="1800" b="0" i="0" u="none" strike="noStrike" cap="none" dirty="0">
+                <a:solidFill>
+                  <a:schemeClr val="dk1"/>
+                </a:solidFill>
+                <a:latin typeface="Calibri"/>
+                <a:ea typeface="Calibri"/>
+                <a:cs typeface="Calibri"/>
+                <a:sym typeface="Calibri"/>
+              </a:rPr>
+              <a:t> [1]</a:t>
+            </a:r>
+            <a:r>
+              <a:rPr lang="en-US" sz="1800" dirty="0">
+                <a:solidFill>
+                  <a:schemeClr val="dk1"/>
+                </a:solidFill>
+                <a:latin typeface="Calibri"/>
+                <a:ea typeface="Calibri"/>
+                <a:cs typeface="Calibri"/>
+                <a:sym typeface="Calibri"/>
+              </a:rPr>
+              <a:t>.</a:t>
+            </a:r>
+            <a:endParaRPr lang="es-CO" dirty="0"/>
+          </a:p>
+          <a:p>
+            <a:pPr marL="1200150" marR="0" lvl="2" indent="-285750" algn="l" rtl="0">
+              <a:spcBef>
+                <a:spcPts val="0"/>
+              </a:spcBef>
+              <a:spcAft>
+                <a:spcPts val="0"/>
+              </a:spcAft>
+              <a:buClr>
+                <a:schemeClr val="dk1"/>
+              </a:buClr>
+              <a:buSzPts val="1800"/>
+              <a:buFont typeface="Noto Sans Symbols"/>
+              <a:buChar char="➢"/>
+            </a:pPr>
+            <a:r>
+              <a:rPr lang="es-ES" sz="1800" b="0" i="0" u="none" strike="noStrike" cap="none" dirty="0">
+                <a:solidFill>
+                  <a:schemeClr val="dk1"/>
+                </a:solidFill>
+                <a:latin typeface="Calibri"/>
+                <a:ea typeface="Calibri"/>
+                <a:cs typeface="Calibri"/>
+                <a:sym typeface="Calibri"/>
+              </a:rPr>
+              <a:t>Deep </a:t>
+            </a:r>
+            <a:r>
+              <a:rPr lang="es-ES" sz="1800" b="0" i="0" u="none" strike="noStrike" cap="none" dirty="0" err="1">
+                <a:solidFill>
+                  <a:schemeClr val="dk1"/>
+                </a:solidFill>
+                <a:latin typeface="Calibri"/>
+                <a:ea typeface="Calibri"/>
+                <a:cs typeface="Calibri"/>
+                <a:sym typeface="Calibri"/>
+              </a:rPr>
+              <a:t>Learning</a:t>
+            </a:r>
+            <a:r>
+              <a:rPr lang="es-ES" sz="1800" b="0" i="0" u="none" strike="noStrike" cap="none" dirty="0">
+                <a:solidFill>
+                  <a:schemeClr val="dk1"/>
+                </a:solidFill>
+                <a:latin typeface="Calibri"/>
+                <a:ea typeface="Calibri"/>
+                <a:cs typeface="Calibri"/>
+                <a:sym typeface="Calibri"/>
+              </a:rPr>
+              <a:t> </a:t>
+            </a:r>
+            <a:r>
+              <a:rPr lang="es-ES" sz="1800" b="0" i="0" u="none" strike="noStrike" cap="none" dirty="0" err="1">
+                <a:solidFill>
+                  <a:schemeClr val="dk1"/>
+                </a:solidFill>
+                <a:latin typeface="Calibri"/>
+                <a:ea typeface="Calibri"/>
+                <a:cs typeface="Calibri"/>
+                <a:sym typeface="Calibri"/>
+              </a:rPr>
+              <a:t>for</a:t>
+            </a:r>
+            <a:r>
+              <a:rPr lang="es-ES" sz="1800" b="0" i="0" u="none" strike="noStrike" cap="none" dirty="0">
+                <a:solidFill>
+                  <a:schemeClr val="dk1"/>
+                </a:solidFill>
+                <a:latin typeface="Calibri"/>
+                <a:ea typeface="Calibri"/>
+                <a:cs typeface="Calibri"/>
+                <a:sym typeface="Calibri"/>
+              </a:rPr>
+              <a:t> </a:t>
+            </a:r>
+            <a:r>
+              <a:rPr lang="es-ES" sz="1800" b="0" i="0" u="none" strike="noStrike" cap="none" dirty="0" err="1">
+                <a:solidFill>
+                  <a:schemeClr val="dk1"/>
+                </a:solidFill>
+                <a:latin typeface="Calibri"/>
+                <a:ea typeface="Calibri"/>
+                <a:cs typeface="Calibri"/>
+                <a:sym typeface="Calibri"/>
+              </a:rPr>
+              <a:t>Identifying</a:t>
+            </a:r>
+            <a:r>
+              <a:rPr lang="es-ES" sz="1800" b="0" i="0" u="none" strike="noStrike" cap="none" dirty="0">
+                <a:solidFill>
+                  <a:schemeClr val="dk1"/>
+                </a:solidFill>
+                <a:latin typeface="Calibri"/>
+                <a:ea typeface="Calibri"/>
+                <a:cs typeface="Calibri"/>
+                <a:sym typeface="Calibri"/>
+              </a:rPr>
+              <a:t> </a:t>
+            </a:r>
+            <a:r>
+              <a:rPr lang="es-ES" sz="1800" b="0" i="0" u="none" strike="noStrike" cap="none" dirty="0" err="1">
+                <a:solidFill>
+                  <a:schemeClr val="dk1"/>
+                </a:solidFill>
+                <a:latin typeface="Calibri"/>
+                <a:ea typeface="Calibri"/>
+                <a:cs typeface="Calibri"/>
+                <a:sym typeface="Calibri"/>
+              </a:rPr>
+              <a:t>Metastatic</a:t>
+            </a:r>
+            <a:r>
+              <a:rPr lang="es-ES" sz="1800" b="0" i="0" u="none" strike="noStrike" cap="none" dirty="0">
+                <a:solidFill>
+                  <a:schemeClr val="dk1"/>
+                </a:solidFill>
+                <a:latin typeface="Calibri"/>
+                <a:ea typeface="Calibri"/>
+                <a:cs typeface="Calibri"/>
+                <a:sym typeface="Calibri"/>
+              </a:rPr>
+              <a:t> </a:t>
+            </a:r>
+            <a:r>
+              <a:rPr lang="es-ES" sz="1800" b="0" i="0" u="none" strike="noStrike" cap="none" dirty="0" err="1">
+                <a:solidFill>
+                  <a:schemeClr val="dk1"/>
+                </a:solidFill>
+                <a:latin typeface="Calibri"/>
+                <a:ea typeface="Calibri"/>
+                <a:cs typeface="Calibri"/>
+                <a:sym typeface="Calibri"/>
+              </a:rPr>
+              <a:t>Breast</a:t>
+            </a:r>
+            <a:r>
+              <a:rPr lang="es-ES" sz="1800" b="0" i="0" u="none" strike="noStrike" cap="none" dirty="0">
+                <a:solidFill>
+                  <a:schemeClr val="dk1"/>
+                </a:solidFill>
+                <a:latin typeface="Calibri"/>
+                <a:ea typeface="Calibri"/>
+                <a:cs typeface="Calibri"/>
+                <a:sym typeface="Calibri"/>
+              </a:rPr>
+              <a:t> </a:t>
+            </a:r>
+            <a:r>
+              <a:rPr lang="es-ES" sz="1800" b="0" i="0" u="none" strike="noStrike" cap="none" dirty="0" err="1">
+                <a:solidFill>
+                  <a:schemeClr val="dk1"/>
+                </a:solidFill>
+                <a:latin typeface="Calibri"/>
+                <a:ea typeface="Calibri"/>
+                <a:cs typeface="Calibri"/>
+                <a:sym typeface="Calibri"/>
+              </a:rPr>
+              <a:t>Cancer</a:t>
+            </a:r>
+            <a:r>
+              <a:rPr lang="es-ES" sz="1800" b="0" i="0" u="none" strike="noStrike" cap="none" dirty="0">
+                <a:solidFill>
+                  <a:schemeClr val="dk1"/>
+                </a:solidFill>
+                <a:latin typeface="Calibri"/>
+                <a:ea typeface="Calibri"/>
+                <a:cs typeface="Calibri"/>
+                <a:sym typeface="Calibri"/>
+              </a:rPr>
+              <a:t> [2]</a:t>
+            </a:r>
+            <a:r>
+              <a:rPr lang="es-ES" sz="1800" dirty="0">
+                <a:solidFill>
+                  <a:schemeClr val="dk1"/>
+                </a:solidFill>
+                <a:latin typeface="Calibri"/>
+                <a:ea typeface="Calibri"/>
+                <a:cs typeface="Calibri"/>
+                <a:sym typeface="Calibri"/>
+              </a:rPr>
+              <a:t>.</a:t>
+            </a:r>
+            <a:endParaRPr lang="es-ES" sz="1800" b="0" i="0" u="none" strike="noStrike" cap="none" dirty="0">
+              <a:solidFill>
+                <a:schemeClr val="dk1"/>
+              </a:solidFill>
+              <a:latin typeface="Calibri"/>
+              <a:ea typeface="Calibri"/>
+              <a:cs typeface="Calibri"/>
+              <a:sym typeface="Calibri"/>
+            </a:endParaRPr>
+          </a:p>
+          <a:p>
+            <a:pPr marL="1200150" marR="0" lvl="2" indent="-285750" algn="l" rtl="0">
+              <a:spcBef>
+                <a:spcPts val="0"/>
+              </a:spcBef>
+              <a:spcAft>
+                <a:spcPts val="0"/>
+              </a:spcAft>
+              <a:buClr>
+                <a:schemeClr val="dk1"/>
+              </a:buClr>
+              <a:buSzPts val="1800"/>
+              <a:buFont typeface="Noto Sans Symbols"/>
+              <a:buChar char="➢"/>
+            </a:pPr>
+            <a:r>
+              <a:rPr lang="es-ES" sz="1800" b="0" i="0" u="none" strike="noStrike" cap="none" dirty="0" err="1">
+                <a:solidFill>
+                  <a:schemeClr val="dk1"/>
+                </a:solidFill>
+                <a:latin typeface="Calibri"/>
+                <a:ea typeface="Calibri"/>
+                <a:cs typeface="Calibri"/>
+                <a:sym typeface="Calibri"/>
+              </a:rPr>
+              <a:t>Diagnosing</a:t>
+            </a:r>
+            <a:r>
+              <a:rPr lang="es-ES" sz="1800" b="0" i="0" u="none" strike="noStrike" cap="none" dirty="0">
+                <a:solidFill>
+                  <a:schemeClr val="dk1"/>
+                </a:solidFill>
+                <a:latin typeface="Calibri"/>
+                <a:ea typeface="Calibri"/>
+                <a:cs typeface="Calibri"/>
+                <a:sym typeface="Calibri"/>
+              </a:rPr>
+              <a:t> </a:t>
+            </a:r>
+            <a:r>
+              <a:rPr lang="es-ES" sz="1800" b="0" i="0" u="none" strike="noStrike" cap="none" dirty="0" err="1">
+                <a:solidFill>
+                  <a:schemeClr val="dk1"/>
+                </a:solidFill>
+                <a:latin typeface="Calibri"/>
+                <a:ea typeface="Calibri"/>
+                <a:cs typeface="Calibri"/>
+                <a:sym typeface="Calibri"/>
+              </a:rPr>
+              <a:t>leukemia</a:t>
+            </a:r>
+            <a:r>
+              <a:rPr lang="es-ES" sz="1800" b="0" i="0" u="none" strike="noStrike" cap="none" dirty="0">
+                <a:solidFill>
+                  <a:schemeClr val="dk1"/>
+                </a:solidFill>
+                <a:latin typeface="Calibri"/>
+                <a:ea typeface="Calibri"/>
+                <a:cs typeface="Calibri"/>
+                <a:sym typeface="Calibri"/>
+              </a:rPr>
+              <a:t> in </a:t>
+            </a:r>
+            <a:r>
+              <a:rPr lang="es-ES" sz="1800" b="0" i="0" u="none" strike="noStrike" cap="none" dirty="0" err="1">
+                <a:solidFill>
+                  <a:schemeClr val="dk1"/>
+                </a:solidFill>
+                <a:latin typeface="Calibri"/>
+                <a:ea typeface="Calibri"/>
+                <a:cs typeface="Calibri"/>
+                <a:sym typeface="Calibri"/>
+              </a:rPr>
+              <a:t>blood</a:t>
+            </a:r>
+            <a:r>
+              <a:rPr lang="es-ES" sz="1800" b="0" i="0" u="none" strike="noStrike" cap="none" dirty="0">
+                <a:solidFill>
+                  <a:schemeClr val="dk1"/>
+                </a:solidFill>
+                <a:latin typeface="Calibri"/>
+                <a:ea typeface="Calibri"/>
+                <a:cs typeface="Calibri"/>
+                <a:sym typeface="Calibri"/>
+              </a:rPr>
+              <a:t> </a:t>
+            </a:r>
+            <a:r>
+              <a:rPr lang="es-ES" sz="1800" b="0" i="0" u="none" strike="noStrike" cap="none" dirty="0" err="1">
+                <a:solidFill>
+                  <a:schemeClr val="dk1"/>
+                </a:solidFill>
+                <a:latin typeface="Calibri"/>
+                <a:ea typeface="Calibri"/>
+                <a:cs typeface="Calibri"/>
+                <a:sym typeface="Calibri"/>
+              </a:rPr>
+              <a:t>smear</a:t>
+            </a:r>
+            <a:r>
+              <a:rPr lang="es-ES" sz="1800" b="0" i="0" u="none" strike="noStrike" cap="none" dirty="0">
+                <a:solidFill>
+                  <a:schemeClr val="dk1"/>
+                </a:solidFill>
+                <a:latin typeface="Calibri"/>
+                <a:ea typeface="Calibri"/>
+                <a:cs typeface="Calibri"/>
+                <a:sym typeface="Calibri"/>
+              </a:rPr>
+              <a:t> </a:t>
+            </a:r>
+            <a:r>
+              <a:rPr lang="es-ES" sz="1800" b="0" i="0" u="none" strike="noStrike" cap="none" dirty="0" err="1">
+                <a:solidFill>
+                  <a:schemeClr val="dk1"/>
+                </a:solidFill>
+                <a:latin typeface="Calibri"/>
+                <a:ea typeface="Calibri"/>
+                <a:cs typeface="Calibri"/>
+                <a:sym typeface="Calibri"/>
+              </a:rPr>
+              <a:t>images</a:t>
+            </a:r>
+            <a:r>
+              <a:rPr lang="es-ES" sz="1800" b="0" i="0" u="none" strike="noStrike" cap="none" dirty="0">
+                <a:solidFill>
+                  <a:schemeClr val="dk1"/>
+                </a:solidFill>
+                <a:latin typeface="Calibri"/>
+                <a:ea typeface="Calibri"/>
+                <a:cs typeface="Calibri"/>
+                <a:sym typeface="Calibri"/>
+              </a:rPr>
+              <a:t> </a:t>
+            </a:r>
+            <a:r>
+              <a:rPr lang="es-ES" sz="1800" b="0" i="0" u="none" strike="noStrike" cap="none" dirty="0" err="1">
+                <a:solidFill>
+                  <a:schemeClr val="dk1"/>
+                </a:solidFill>
+                <a:latin typeface="Calibri"/>
+                <a:ea typeface="Calibri"/>
+                <a:cs typeface="Calibri"/>
+                <a:sym typeface="Calibri"/>
+              </a:rPr>
+              <a:t>using</a:t>
+            </a:r>
+            <a:r>
+              <a:rPr lang="es-ES" sz="1800" b="0" i="0" u="none" strike="noStrike" cap="none" dirty="0">
+                <a:solidFill>
+                  <a:schemeClr val="dk1"/>
+                </a:solidFill>
+                <a:latin typeface="Calibri"/>
+                <a:ea typeface="Calibri"/>
+                <a:cs typeface="Calibri"/>
+                <a:sym typeface="Calibri"/>
+              </a:rPr>
+              <a:t> </a:t>
+            </a:r>
+            <a:r>
+              <a:rPr lang="es-ES" sz="1800" b="0" i="0" u="none" strike="noStrike" cap="none" dirty="0" err="1">
+                <a:solidFill>
+                  <a:schemeClr val="dk1"/>
+                </a:solidFill>
+                <a:latin typeface="Calibri"/>
+                <a:ea typeface="Calibri"/>
+                <a:cs typeface="Calibri"/>
+                <a:sym typeface="Calibri"/>
+              </a:rPr>
+              <a:t>an</a:t>
+            </a:r>
+            <a:r>
+              <a:rPr lang="es-ES" sz="1800" b="0" i="0" u="none" strike="noStrike" cap="none" dirty="0">
+                <a:solidFill>
+                  <a:schemeClr val="dk1"/>
+                </a:solidFill>
+                <a:latin typeface="Calibri"/>
+                <a:ea typeface="Calibri"/>
+                <a:cs typeface="Calibri"/>
+                <a:sym typeface="Calibri"/>
+              </a:rPr>
+              <a:t> ensemble </a:t>
+            </a:r>
+            <a:r>
+              <a:rPr lang="es-ES" sz="1800" b="0" i="0" u="none" strike="noStrike" cap="none" dirty="0" err="1">
+                <a:solidFill>
+                  <a:schemeClr val="dk1"/>
+                </a:solidFill>
+                <a:latin typeface="Calibri"/>
+                <a:ea typeface="Calibri"/>
+                <a:cs typeface="Calibri"/>
+                <a:sym typeface="Calibri"/>
+              </a:rPr>
+              <a:t>of</a:t>
+            </a:r>
+            <a:r>
+              <a:rPr lang="es-ES" sz="1800" b="0" i="0" u="none" strike="noStrike" cap="none" dirty="0">
+                <a:solidFill>
+                  <a:schemeClr val="dk1"/>
+                </a:solidFill>
+                <a:latin typeface="Calibri"/>
+                <a:ea typeface="Calibri"/>
+                <a:cs typeface="Calibri"/>
+                <a:sym typeface="Calibri"/>
+              </a:rPr>
+              <a:t> </a:t>
+            </a:r>
+            <a:r>
+              <a:rPr lang="es-ES" sz="1800" b="0" i="0" u="none" strike="noStrike" cap="none" dirty="0" err="1">
+                <a:solidFill>
+                  <a:schemeClr val="dk1"/>
+                </a:solidFill>
+                <a:latin typeface="Calibri"/>
+                <a:ea typeface="Calibri"/>
+                <a:cs typeface="Calibri"/>
+                <a:sym typeface="Calibri"/>
+              </a:rPr>
+              <a:t>classifiers</a:t>
+            </a:r>
+            <a:r>
+              <a:rPr lang="es-ES" sz="1800" b="0" i="0" u="none" strike="noStrike" cap="none" dirty="0">
+                <a:solidFill>
+                  <a:schemeClr val="dk1"/>
+                </a:solidFill>
+                <a:latin typeface="Calibri"/>
+                <a:ea typeface="Calibri"/>
+                <a:cs typeface="Calibri"/>
+                <a:sym typeface="Calibri"/>
+              </a:rPr>
+              <a:t> and </a:t>
+            </a:r>
+            <a:r>
+              <a:rPr lang="es-ES" sz="1800" b="0" i="0" u="none" strike="noStrike" cap="none" dirty="0" err="1">
+                <a:solidFill>
+                  <a:schemeClr val="dk1"/>
+                </a:solidFill>
+                <a:latin typeface="Calibri"/>
+                <a:ea typeface="Calibri"/>
+                <a:cs typeface="Calibri"/>
+                <a:sym typeface="Calibri"/>
+              </a:rPr>
+              <a:t>pre-trained</a:t>
+            </a:r>
+            <a:r>
+              <a:rPr lang="es-ES" sz="1800" b="0" i="0" u="none" strike="noStrike" cap="none" dirty="0">
+                <a:solidFill>
+                  <a:schemeClr val="dk1"/>
+                </a:solidFill>
+                <a:latin typeface="Calibri"/>
+                <a:ea typeface="Calibri"/>
+                <a:cs typeface="Calibri"/>
+                <a:sym typeface="Calibri"/>
+              </a:rPr>
+              <a:t> </a:t>
+            </a:r>
+            <a:r>
+              <a:rPr lang="es-ES" sz="1800" b="0" i="0" u="none" strike="noStrike" cap="none" dirty="0" err="1">
+                <a:solidFill>
+                  <a:schemeClr val="dk1"/>
+                </a:solidFill>
+                <a:latin typeface="Calibri"/>
+                <a:ea typeface="Calibri"/>
+                <a:cs typeface="Calibri"/>
+                <a:sym typeface="Calibri"/>
+              </a:rPr>
+              <a:t>convolutional</a:t>
+            </a:r>
+            <a:r>
+              <a:rPr lang="es-ES" sz="1800" b="0" i="0" u="none" strike="noStrike" cap="none" dirty="0">
+                <a:solidFill>
+                  <a:schemeClr val="dk1"/>
+                </a:solidFill>
+                <a:latin typeface="Calibri"/>
+                <a:ea typeface="Calibri"/>
+                <a:cs typeface="Calibri"/>
+                <a:sym typeface="Calibri"/>
+              </a:rPr>
+              <a:t> neural </a:t>
+            </a:r>
+            <a:r>
+              <a:rPr lang="es-ES" sz="1800" b="0" i="0" u="none" strike="noStrike" cap="none" dirty="0" err="1">
+                <a:solidFill>
+                  <a:schemeClr val="dk1"/>
+                </a:solidFill>
+                <a:latin typeface="Calibri"/>
+                <a:ea typeface="Calibri"/>
+                <a:cs typeface="Calibri"/>
+                <a:sym typeface="Calibri"/>
+              </a:rPr>
+              <a:t>networks</a:t>
+            </a:r>
+            <a:r>
+              <a:rPr lang="es-ES" sz="1800" b="0" i="0" u="none" strike="noStrike" cap="none" dirty="0">
+                <a:solidFill>
+                  <a:schemeClr val="dk1"/>
+                </a:solidFill>
+                <a:latin typeface="Calibri"/>
+                <a:ea typeface="Calibri"/>
+                <a:cs typeface="Calibri"/>
+                <a:sym typeface="Calibri"/>
+              </a:rPr>
+              <a:t>[3].</a:t>
+            </a:r>
+          </a:p>
+        </p:txBody>
+      </p:sp>
+    </p:spTree>
+  </p:cSld>
+  <p:clrMapOvr>
+    <a:masterClrMapping/>
+  </p:clrMapOvr>
+</p:sld>
+</file>
+
+<file path=ppt/slides/slide3.xml><?xml version="1.0" encoding="utf-8"?>
 <p:sld xmlns:a="http://schemas.openxmlformats.org/drawingml/2006/main" xmlns:r="http://schemas.openxmlformats.org/officeDocument/2006/relationships" xmlns:p="http://schemas.openxmlformats.org/presentationml/2006/main">
   <p:cSld>
     <p:spTree>
@@ -17790,7 +17606,7 @@
               <a:buNone/>
             </a:pPr>
             <a:r>
-              <a:rPr lang="es-CO" sz="4290">
+              <a:rPr lang="es-CO" sz="4290" dirty="0">
                 <a:solidFill>
                   <a:schemeClr val="dk1"/>
                 </a:solidFill>
@@ -17799,9 +17615,9 @@
                 <a:cs typeface="Calibri"/>
                 <a:sym typeface="Calibri"/>
               </a:rPr>
-              <a:t>Resultados, Líneas Futuras</a:t>
+              <a:t>Resultados parciales, Líneas Futuras</a:t>
             </a:r>
-            <a:endParaRPr sz="4290" b="0" i="0" u="none" strike="noStrike" cap="none">
+            <a:endParaRPr sz="4290" b="0" i="0" u="none" strike="noStrike" cap="none" dirty="0">
               <a:solidFill>
                 <a:schemeClr val="dk1"/>
               </a:solidFill>
@@ -17821,8 +17637,8 @@
         </p:nvSpPr>
         <p:spPr>
           <a:xfrm>
-            <a:off x="1115616" y="4653136"/>
-            <a:ext cx="6579292" cy="1754326"/>
+            <a:off x="609600" y="4531084"/>
+            <a:ext cx="6579292" cy="2204864"/>
           </a:xfrm>
           <a:prstGeom prst="rect">
             <a:avLst/>
@@ -17903,7 +17719,7 @@
                 <a:cs typeface="Calibri"/>
                 <a:sym typeface="Calibri"/>
               </a:rPr>
-              <a:t>	Mejorar el modelo con un </a:t>
+              <a:t>Mejorar el modelo con un </a:t>
             </a:r>
             <a:r>
               <a:rPr lang="es-ES" sz="1800" b="0" i="0" u="none" strike="noStrike" cap="none" dirty="0" err="1">
@@ -17946,7 +17762,7 @@
               <a:buChar char="➢"/>
             </a:pPr>
             <a:r>
-              <a:rPr lang="es-CO" sz="1800" b="0" i="0" u="none" strike="noStrike" cap="none" dirty="0">
+              <a:rPr lang="es-CO" sz="1800" dirty="0">
                 <a:solidFill>
                   <a:schemeClr val="dk1"/>
                 </a:solidFill>
@@ -17955,7 +17771,19 @@
                 <a:cs typeface="Calibri"/>
                 <a:sym typeface="Calibri"/>
               </a:rPr>
-              <a:t>	</a:t>
+              <a:t>Implementar otras arquitecturas de redes CNN, tales como </a:t>
+            </a:r>
+            <a:r>
+              <a:rPr lang="es-CO" sz="1800" dirty="0" err="1">
+                <a:solidFill>
+                  <a:schemeClr val="dk1"/>
+                </a:solidFill>
+                <a:latin typeface="Calibri"/>
+                <a:ea typeface="Calibri"/>
+                <a:cs typeface="Calibri"/>
+                <a:sym typeface="Calibri"/>
+              </a:rPr>
+              <a:t>VGGNet</a:t>
             </a:r>
             <a:r>
               <a:rPr lang="es-CO" sz="1800" dirty="0">
@@ -17967,8 +17795,70 @@
                 <a:cs typeface="Calibri"/>
                 <a:sym typeface="Calibri"/>
               </a:rPr>
-              <a:t>Mejorar la interfaz grafica de usuario</a:t>
+              <a:t> o </a:t>
             </a:r>
+            <a:r>
+              <a:rPr lang="es-CO" sz="1800" dirty="0" err="1">
+                <a:solidFill>
+                  <a:schemeClr val="dk1"/>
+                </a:solidFill>
+                <a:latin typeface="Calibri"/>
+                <a:ea typeface="Calibri"/>
+                <a:cs typeface="Calibri"/>
+                <a:sym typeface="Calibri"/>
+              </a:rPr>
+              <a:t>AlexNet</a:t>
+            </a:r>
+            <a:r>
+              <a:rPr lang="es-CO" sz="1800" dirty="0">
+                <a:solidFill>
+                  <a:schemeClr val="dk1"/>
+                </a:solidFill>
+                <a:latin typeface="Calibri"/>
+                <a:ea typeface="Calibri"/>
+                <a:cs typeface="Calibri"/>
+                <a:sym typeface="Calibri"/>
+              </a:rPr>
+              <a:t> </a:t>
+            </a:r>
+          </a:p>
+          <a:p>
+            <a:pPr marL="1200150" marR="0" lvl="2" indent="-285750" algn="l" rtl="0">
+              <a:spcBef>
+                <a:spcPts val="0"/>
+              </a:spcBef>
+              <a:spcAft>
+                <a:spcPts val="0"/>
+              </a:spcAft>
+              <a:buClr>
+                <a:schemeClr val="dk1"/>
+              </a:buClr>
+              <a:buSzPts val="1800"/>
+              <a:buFont typeface="Noto Sans Symbols"/>
+              <a:buChar char="➢"/>
+            </a:pPr>
+            <a:r>
+              <a:rPr lang="es-CO" sz="1800" dirty="0">
+                <a:solidFill>
+                  <a:schemeClr val="dk1"/>
+                </a:solidFill>
+                <a:latin typeface="Calibri"/>
+                <a:ea typeface="Calibri"/>
+                <a:cs typeface="Calibri"/>
+                <a:sym typeface="Calibri"/>
+              </a:rPr>
+              <a:t>Extraer los filtros que utiliza la CNN para conocer que parámetros utiliza para identificar la imagen.</a:t>
+            </a:r>
+          </a:p>
+          <a:p>
+            <a:pPr marL="1200150" lvl="3" indent="-285750">
+              <a:buClr>
+                <a:schemeClr val="dk1"/>
+              </a:buClr>
+              <a:buSzPts val="1800"/>
+              <a:buFont typeface="Noto Sans Symbols"/>
+              <a:buChar char="➢"/>
+            </a:pPr>
             <a:endParaRPr sz="1800" b="0" i="0" u="none" strike="noStrike" cap="none" dirty="0">
               <a:solidFill>
                 <a:schemeClr val="dk1"/>
@@ -18008,10 +17898,10 @@
       </p:sp>
       <p:pic>
         <p:nvPicPr>
-          <p:cNvPr id="4" name="Imagen 3" descr="Imagen que contiene Texto&#10;&#10;Descripción generada automáticamente">
+          <p:cNvPr id="3" name="Imagen 2" descr="Interfaz de usuario gráfica, Aplicación&#10;&#10;Descripción generada automáticamente">
             <a:extLst>
               <a:ext uri="{FF2B5EF4-FFF2-40B4-BE49-F238E27FC236}">
-                <a16:creationId xmlns:a16="http://schemas.microsoft.com/office/drawing/2014/main" id="{BE51C4D5-AA99-45A4-948D-1ACB7609A865}"/>
+                <a16:creationId xmlns:a16="http://schemas.microsoft.com/office/drawing/2014/main" id="{73F543EA-0348-4B84-AEF1-9AB7893BE36C}"/>
               </a:ext>
             </a:extLst>
           </p:cNvPr>
@@ -18028,8 +17918,8 @@
         </p:blipFill>
         <p:spPr>
           <a:xfrm>
-            <a:off x="6116369" y="2003487"/>
-            <a:ext cx="2722831" cy="1563023"/>
+            <a:off x="430670" y="1692089"/>
+            <a:ext cx="3974592" cy="2838995"/>
           </a:xfrm>
           <a:prstGeom prst="rect">
             <a:avLst/>
@@ -18038,10 +17928,10 @@
       </p:pic>
       <p:pic>
         <p:nvPicPr>
-          <p:cNvPr id="6" name="Imagen 5" descr="Imagen que contiene Patrón de fondo&#10;&#10;Descripción generada automáticamente">
+          <p:cNvPr id="11" name="Imagen 10" descr="Gráfico&#10;&#10;Descripción generada automáticamente">
             <a:extLst>
               <a:ext uri="{FF2B5EF4-FFF2-40B4-BE49-F238E27FC236}">
-                <a16:creationId xmlns:a16="http://schemas.microsoft.com/office/drawing/2014/main" id="{0384D06C-DD7C-40F8-A9A5-1741C2F2B766}"/>
+                <a16:creationId xmlns:a16="http://schemas.microsoft.com/office/drawing/2014/main" id="{0A8C9173-4AF9-43DE-B359-40589508B7CE}"/>
               </a:ext>
             </a:extLst>
           </p:cNvPr>
@@ -18058,20 +17948,400 @@
         </p:blipFill>
         <p:spPr>
           <a:xfrm>
-            <a:off x="3150787" y="2049612"/>
-            <a:ext cx="2656123" cy="1519127"/>
+            <a:off x="4572000" y="1540996"/>
+            <a:ext cx="3488436" cy="2990088"/>
           </a:xfrm>
           <a:prstGeom prst="rect">
             <a:avLst/>
           </a:prstGeom>
         </p:spPr>
       </p:pic>
+    </p:spTree>
+  </p:cSld>
+  <p:clrMapOvr>
+    <a:masterClrMapping/>
+  </p:clrMapOvr>
+</p:sld>
+</file>
+
+<file path=ppt/slides/slide4.xml><?xml version="1.0" encoding="utf-8"?>
+<p:sld xmlns:a="http://schemas.openxmlformats.org/drawingml/2006/main" xmlns:r="http://schemas.openxmlformats.org/officeDocument/2006/relationships" xmlns:p="http://schemas.openxmlformats.org/presentationml/2006/main">
+  <p:cSld>
+    <p:spTree>
+      <p:nvGrpSpPr>
+        <p:cNvPr id="1" name="Shape 100"/>
+        <p:cNvGrpSpPr/>
+        <p:nvPr/>
+      </p:nvGrpSpPr>
+      <p:grpSpPr>
+        <a:xfrm>
+          <a:off x="0" y="0"/>
+          <a:ext cx="0" cy="0"/>
+          <a:chOff x="0" y="0"/>
+          <a:chExt cx="0" cy="0"/>
+        </a:xfrm>
+      </p:grpSpPr>
+      <p:sp>
+        <p:nvSpPr>
+          <p:cNvPr id="101" name="Google Shape;101;p14"/>
+          <p:cNvSpPr txBox="1"/>
+          <p:nvPr/>
+        </p:nvSpPr>
+        <p:spPr>
+          <a:xfrm>
+            <a:off x="609600" y="427038"/>
+            <a:ext cx="8229600" cy="1143000"/>
+          </a:xfrm>
+          <a:prstGeom prst="rect">
+            <a:avLst/>
+          </a:prstGeom>
+          <a:noFill/>
+          <a:ln>
+            <a:noFill/>
+          </a:ln>
+        </p:spPr>
+        <p:txBody>
+          <a:bodyPr spcFirstLastPara="1" wrap="square" lIns="91425" tIns="45700" rIns="91425" bIns="45700" anchor="ctr" anchorCtr="0">
+            <a:noAutofit/>
+          </a:bodyPr>
+          <a:lstStyle/>
+          <a:p>
+            <a:pPr marL="0" marR="0" lvl="0" indent="0" algn="ctr" rtl="0">
+              <a:lnSpc>
+                <a:spcPct val="100000"/>
+              </a:lnSpc>
+              <a:spcBef>
+                <a:spcPts val="0"/>
+              </a:spcBef>
+              <a:spcAft>
+                <a:spcPts val="0"/>
+              </a:spcAft>
+              <a:buClr>
+                <a:schemeClr val="dk1"/>
+              </a:buClr>
+              <a:buSzPts val="4290"/>
+              <a:buFont typeface="Calibri"/>
+              <a:buNone/>
+            </a:pPr>
+            <a:r>
+              <a:rPr lang="es-CO" sz="4290" b="0" i="0" u="none" strike="noStrike" cap="none" dirty="0">
+                <a:solidFill>
+                  <a:schemeClr val="dk1"/>
+                </a:solidFill>
+                <a:latin typeface="Calibri"/>
+                <a:ea typeface="Calibri"/>
+                <a:cs typeface="Calibri"/>
+                <a:sym typeface="Calibri"/>
+              </a:rPr>
+              <a:t>Descripción del Problema #2</a:t>
+            </a:r>
+            <a:endParaRPr sz="4290" b="0" i="0" u="none" strike="noStrike" cap="none" dirty="0">
+              <a:solidFill>
+                <a:schemeClr val="dk1"/>
+              </a:solidFill>
+              <a:latin typeface="Calibri"/>
+              <a:ea typeface="Calibri"/>
+              <a:cs typeface="Calibri"/>
+              <a:sym typeface="Calibri"/>
+            </a:endParaRPr>
+          </a:p>
+        </p:txBody>
+      </p:sp>
+      <p:sp>
+        <p:nvSpPr>
+          <p:cNvPr id="102" name="Google Shape;102;p14"/>
+          <p:cNvSpPr txBox="1"/>
+          <p:nvPr/>
+        </p:nvSpPr>
+        <p:spPr>
+          <a:xfrm>
+            <a:off x="842154" y="1975391"/>
+            <a:ext cx="7290009" cy="4035152"/>
+          </a:xfrm>
+          <a:prstGeom prst="rect">
+            <a:avLst/>
+          </a:prstGeom>
+          <a:noFill/>
+          <a:ln>
+            <a:noFill/>
+          </a:ln>
+        </p:spPr>
+        <p:txBody>
+          <a:bodyPr spcFirstLastPara="1" wrap="square" lIns="91425" tIns="45700" rIns="91425" bIns="45700" anchor="t" anchorCtr="0">
+            <a:noAutofit/>
+          </a:bodyPr>
+          <a:lstStyle/>
+          <a:p>
+            <a:pPr marL="285750" marR="0" lvl="0" indent="-285750" algn="l" rtl="0">
+              <a:spcBef>
+                <a:spcPts val="0"/>
+              </a:spcBef>
+              <a:spcAft>
+                <a:spcPts val="0"/>
+              </a:spcAft>
+              <a:buClr>
+                <a:schemeClr val="dk1"/>
+              </a:buClr>
+              <a:buSzPts val="1800"/>
+              <a:buFont typeface="Arial"/>
+              <a:buChar char="•"/>
+            </a:pPr>
+            <a:r>
+              <a:rPr lang="es-CO" sz="1800" b="0" i="0" u="none" strike="noStrike" cap="none" dirty="0">
+                <a:solidFill>
+                  <a:schemeClr val="dk1"/>
+                </a:solidFill>
+                <a:latin typeface="Calibri"/>
+                <a:ea typeface="Calibri"/>
+                <a:cs typeface="Calibri"/>
+                <a:sym typeface="Calibri"/>
+              </a:rPr>
+              <a:t>Determinar cuando un canal sufre de interferencia </a:t>
+            </a:r>
+            <a:r>
+              <a:rPr lang="es-CO" sz="1800" dirty="0" err="1">
+                <a:solidFill>
+                  <a:schemeClr val="dk1"/>
+                </a:solidFill>
+                <a:latin typeface="Calibri"/>
+                <a:ea typeface="Calibri"/>
+                <a:cs typeface="Calibri"/>
+                <a:sym typeface="Calibri"/>
+              </a:rPr>
+              <a:t>I</a:t>
+            </a:r>
+            <a:r>
+              <a:rPr lang="es-CO" sz="1800" b="0" i="0" u="none" strike="noStrike" cap="none" dirty="0" err="1">
+                <a:solidFill>
+                  <a:schemeClr val="dk1"/>
+                </a:solidFill>
+                <a:latin typeface="Calibri"/>
+                <a:ea typeface="Calibri"/>
+                <a:cs typeface="Calibri"/>
+                <a:sym typeface="Calibri"/>
+              </a:rPr>
+              <a:t>ntercanal</a:t>
+            </a:r>
+            <a:r>
+              <a:rPr lang="es-CO" sz="1800" b="0" i="0" u="none" strike="noStrike" cap="none" dirty="0">
+                <a:solidFill>
+                  <a:schemeClr val="dk1"/>
+                </a:solidFill>
+                <a:latin typeface="Calibri"/>
+                <a:ea typeface="Calibri"/>
+                <a:cs typeface="Calibri"/>
+                <a:sym typeface="Calibri"/>
+              </a:rPr>
+              <a:t> o perturbación por ruido.</a:t>
+            </a:r>
+            <a:endParaRPr dirty="0"/>
+          </a:p>
+          <a:p>
+            <a:pPr marL="285750" marR="0" lvl="0" indent="-171450" algn="l" rtl="0">
+              <a:spcBef>
+                <a:spcPts val="0"/>
+              </a:spcBef>
+              <a:spcAft>
+                <a:spcPts val="0"/>
+              </a:spcAft>
+              <a:buClr>
+                <a:schemeClr val="dk1"/>
+              </a:buClr>
+              <a:buSzPts val="1800"/>
+              <a:buFont typeface="Arial"/>
+              <a:buNone/>
+            </a:pPr>
+            <a:endParaRPr sz="1800" b="0" i="0" u="none" strike="noStrike" cap="none" dirty="0">
+              <a:solidFill>
+                <a:schemeClr val="dk1"/>
+              </a:solidFill>
+              <a:latin typeface="Calibri"/>
+              <a:ea typeface="Calibri"/>
+              <a:cs typeface="Calibri"/>
+              <a:sym typeface="Calibri"/>
+            </a:endParaRPr>
+          </a:p>
+          <a:p>
+            <a:pPr marL="285750" marR="0" lvl="0" indent="-285750" algn="l" rtl="0">
+              <a:spcBef>
+                <a:spcPts val="0"/>
+              </a:spcBef>
+              <a:spcAft>
+                <a:spcPts val="0"/>
+              </a:spcAft>
+              <a:buClr>
+                <a:schemeClr val="dk1"/>
+              </a:buClr>
+              <a:buSzPts val="1800"/>
+              <a:buFont typeface="Arial"/>
+              <a:buChar char="•"/>
+            </a:pPr>
+            <a:r>
+              <a:rPr lang="es-CO" sz="1800" b="0" i="0" u="none" strike="noStrike" cap="none" dirty="0">
+                <a:solidFill>
+                  <a:schemeClr val="dk1"/>
+                </a:solidFill>
+                <a:latin typeface="Calibri"/>
+                <a:ea typeface="Calibri"/>
+                <a:cs typeface="Calibri"/>
+                <a:sym typeface="Calibri"/>
+              </a:rPr>
+              <a:t>Diseñar un clasificador capaz de diferenciar entre un canal sin </a:t>
+            </a:r>
+            <a:r>
+              <a:rPr lang="es-CO" sz="1800" b="0" i="0" u="none" strike="noStrike" cap="none" dirty="0" err="1">
+                <a:solidFill>
+                  <a:schemeClr val="dk1"/>
+                </a:solidFill>
+                <a:latin typeface="Calibri"/>
+                <a:ea typeface="Calibri"/>
+                <a:cs typeface="Calibri"/>
+                <a:sym typeface="Calibri"/>
+              </a:rPr>
+              <a:t>pertubacion</a:t>
+            </a:r>
+            <a:r>
+              <a:rPr lang="es-CO" sz="1800" b="0" i="0" u="none" strike="noStrike" cap="none" dirty="0">
+                <a:solidFill>
+                  <a:schemeClr val="dk1"/>
+                </a:solidFill>
+                <a:latin typeface="Calibri"/>
+                <a:ea typeface="Calibri"/>
+                <a:cs typeface="Calibri"/>
+                <a:sym typeface="Calibri"/>
+              </a:rPr>
+              <a:t> por ruido, interferencia </a:t>
+            </a:r>
+            <a:r>
+              <a:rPr lang="es-CO" sz="1800" b="0" i="0" u="none" strike="noStrike" cap="none" dirty="0" err="1">
+                <a:solidFill>
+                  <a:schemeClr val="dk1"/>
+                </a:solidFill>
+                <a:latin typeface="Calibri"/>
+                <a:ea typeface="Calibri"/>
+                <a:cs typeface="Calibri"/>
+                <a:sym typeface="Calibri"/>
+              </a:rPr>
+              <a:t>intercanal</a:t>
+            </a:r>
+            <a:r>
+              <a:rPr lang="es-CO" sz="1800" b="0" i="0" u="none" strike="noStrike" cap="none" dirty="0">
+                <a:solidFill>
+                  <a:schemeClr val="dk1"/>
+                </a:solidFill>
+                <a:latin typeface="Calibri"/>
+                <a:ea typeface="Calibri"/>
+                <a:cs typeface="Calibri"/>
+                <a:sym typeface="Calibri"/>
+              </a:rPr>
+              <a:t> o uno afectado.</a:t>
+            </a:r>
+            <a:endParaRPr dirty="0"/>
+          </a:p>
+        </p:txBody>
+      </p:sp>
+    </p:spTree>
+    <p:extLst>
+      <p:ext uri="{BB962C8B-B14F-4D97-AF65-F5344CB8AC3E}">
+        <p14:creationId xmlns:p14="http://schemas.microsoft.com/office/powerpoint/2010/main" val="3250378591"/>
+      </p:ext>
+    </p:extLst>
+  </p:cSld>
+  <p:clrMapOvr>
+    <a:masterClrMapping/>
+  </p:clrMapOvr>
+</p:sld>
+</file>
+
+<file path=ppt/slides/slide5.xml><?xml version="1.0" encoding="utf-8"?>
+<p:sld xmlns:a="http://schemas.openxmlformats.org/drawingml/2006/main" xmlns:r="http://schemas.openxmlformats.org/officeDocument/2006/relationships" xmlns:p="http://schemas.openxmlformats.org/presentationml/2006/main">
+  <p:cSld>
+    <p:spTree>
+      <p:nvGrpSpPr>
+        <p:cNvPr id="1" name="Shape 175"/>
+        <p:cNvGrpSpPr/>
+        <p:nvPr/>
+      </p:nvGrpSpPr>
+      <p:grpSpPr>
+        <a:xfrm>
+          <a:off x="0" y="0"/>
+          <a:ext cx="0" cy="0"/>
+          <a:chOff x="0" y="0"/>
+          <a:chExt cx="0" cy="0"/>
+        </a:xfrm>
+      </p:grpSpPr>
+      <p:sp>
+        <p:nvSpPr>
+          <p:cNvPr id="176" name="Google Shape;176;p20"/>
+          <p:cNvSpPr txBox="1"/>
+          <p:nvPr/>
+        </p:nvSpPr>
+        <p:spPr>
+          <a:xfrm>
+            <a:off x="609600" y="427038"/>
+            <a:ext cx="8229600" cy="1143000"/>
+          </a:xfrm>
+          <a:prstGeom prst="rect">
+            <a:avLst/>
+          </a:prstGeom>
+          <a:noFill/>
+          <a:ln>
+            <a:noFill/>
+          </a:ln>
+        </p:spPr>
+        <p:txBody>
+          <a:bodyPr spcFirstLastPara="1" wrap="square" lIns="91425" tIns="45700" rIns="91425" bIns="45700" anchor="ctr" anchorCtr="0">
+            <a:noAutofit/>
+          </a:bodyPr>
+          <a:lstStyle/>
+          <a:p>
+            <a:pPr marL="0" marR="0" lvl="0" indent="0" algn="ctr" rtl="0">
+              <a:lnSpc>
+                <a:spcPct val="100000"/>
+              </a:lnSpc>
+              <a:spcBef>
+                <a:spcPts val="0"/>
+              </a:spcBef>
+              <a:spcAft>
+                <a:spcPts val="0"/>
+              </a:spcAft>
+              <a:buClr>
+                <a:schemeClr val="dk1"/>
+              </a:buClr>
+              <a:buSzPts val="4290"/>
+              <a:buFont typeface="Calibri"/>
+              <a:buNone/>
+            </a:pPr>
+            <a:r>
+              <a:rPr lang="es-CO" sz="4290" dirty="0">
+                <a:solidFill>
+                  <a:schemeClr val="dk1"/>
+                </a:solidFill>
+                <a:latin typeface="Calibri"/>
+                <a:ea typeface="Calibri"/>
+                <a:cs typeface="Calibri"/>
+                <a:sym typeface="Calibri"/>
+              </a:rPr>
+              <a:t>Resultados parciales</a:t>
+            </a:r>
+            <a:endParaRPr sz="4290" b="0" i="0" u="none" strike="noStrike" cap="none" dirty="0">
+              <a:solidFill>
+                <a:schemeClr val="dk1"/>
+              </a:solidFill>
+              <a:latin typeface="Calibri"/>
+              <a:ea typeface="Calibri"/>
+              <a:cs typeface="Calibri"/>
+              <a:sym typeface="Calibri"/>
+            </a:endParaRPr>
+          </a:p>
+        </p:txBody>
+      </p:sp>
       <p:pic>
         <p:nvPicPr>
-          <p:cNvPr id="7" name="Imagen 6">
+          <p:cNvPr id="4" name="Imagen 3" descr="Interfaz de usuario gráfica&#10;&#10;Descripción generada automáticamente con confianza baja">
             <a:extLst>
               <a:ext uri="{FF2B5EF4-FFF2-40B4-BE49-F238E27FC236}">
-                <a16:creationId xmlns:a16="http://schemas.microsoft.com/office/drawing/2014/main" id="{041E2C4F-8270-4A19-B119-7C000A3D245A}"/>
+                <a16:creationId xmlns:a16="http://schemas.microsoft.com/office/drawing/2014/main" id="{427624CA-4974-4807-9F35-74D716DE5257}"/>
               </a:ext>
             </a:extLst>
           </p:cNvPr>
@@ -18081,130 +18351,27 @@
           <p:nvPr/>
         </p:nvPicPr>
         <p:blipFill>
-          <a:blip r:embed="rId5"/>
+          <a:blip r:embed="rId3"/>
           <a:stretch>
             <a:fillRect/>
           </a:stretch>
         </p:blipFill>
         <p:spPr>
           <a:xfrm>
-            <a:off x="257894" y="2003486"/>
-            <a:ext cx="2738164" cy="1563023"/>
+            <a:off x="1255776" y="1574392"/>
+            <a:ext cx="6412992" cy="4580709"/>
           </a:xfrm>
           <a:prstGeom prst="rect">
             <a:avLst/>
           </a:prstGeom>
         </p:spPr>
       </p:pic>
-      <p:sp>
-        <p:nvSpPr>
-          <p:cNvPr id="8" name="CuadroTexto 7">
-            <a:extLst>
-              <a:ext uri="{FF2B5EF4-FFF2-40B4-BE49-F238E27FC236}">
-                <a16:creationId xmlns:a16="http://schemas.microsoft.com/office/drawing/2014/main" id="{0B0A7DEE-C6FE-4D35-83ED-5322FD725E71}"/>
-              </a:ext>
-            </a:extLst>
-          </p:cNvPr>
-          <p:cNvSpPr txBox="1"/>
-          <p:nvPr/>
-        </p:nvSpPr>
-        <p:spPr>
-          <a:xfrm>
-            <a:off x="923097" y="3648157"/>
-            <a:ext cx="1407758" cy="307777"/>
-          </a:xfrm>
-          <a:prstGeom prst="rect">
-            <a:avLst/>
-          </a:prstGeom>
-          <a:noFill/>
-        </p:spPr>
-        <p:txBody>
-          <a:bodyPr wrap="none" rtlCol="0">
-            <a:spAutoFit/>
-          </a:bodyPr>
-          <a:lstStyle/>
-          <a:p>
-            <a:r>
-              <a:rPr lang="es-ES" dirty="0"/>
-              <a:t>Imagen original</a:t>
-            </a:r>
-            <a:endParaRPr lang="es-CO" dirty="0"/>
-          </a:p>
-        </p:txBody>
-      </p:sp>
-      <p:sp>
-        <p:nvSpPr>
-          <p:cNvPr id="9" name="CuadroTexto 8">
-            <a:extLst>
-              <a:ext uri="{FF2B5EF4-FFF2-40B4-BE49-F238E27FC236}">
-                <a16:creationId xmlns:a16="http://schemas.microsoft.com/office/drawing/2014/main" id="{97925987-FD34-4093-B02D-47C999F5B47D}"/>
-              </a:ext>
-            </a:extLst>
-          </p:cNvPr>
-          <p:cNvSpPr txBox="1"/>
-          <p:nvPr/>
-        </p:nvSpPr>
-        <p:spPr>
-          <a:xfrm>
-            <a:off x="3986743" y="3648157"/>
-            <a:ext cx="1170513" cy="307777"/>
-          </a:xfrm>
-          <a:prstGeom prst="rect">
-            <a:avLst/>
-          </a:prstGeom>
-          <a:noFill/>
-        </p:spPr>
-        <p:txBody>
-          <a:bodyPr wrap="none" rtlCol="0">
-            <a:spAutoFit/>
-          </a:bodyPr>
-          <a:lstStyle/>
-          <a:p>
-            <a:r>
-              <a:rPr lang="es-ES" dirty="0"/>
-              <a:t>Convolución</a:t>
-            </a:r>
-            <a:endParaRPr lang="es-CO" dirty="0"/>
-          </a:p>
-        </p:txBody>
-      </p:sp>
-      <p:sp>
-        <p:nvSpPr>
-          <p:cNvPr id="10" name="CuadroTexto 9">
-            <a:extLst>
-              <a:ext uri="{FF2B5EF4-FFF2-40B4-BE49-F238E27FC236}">
-                <a16:creationId xmlns:a16="http://schemas.microsoft.com/office/drawing/2014/main" id="{94265BB0-135C-4CEA-9682-23E6B8DA9280}"/>
-              </a:ext>
-            </a:extLst>
-          </p:cNvPr>
-          <p:cNvSpPr txBox="1"/>
-          <p:nvPr/>
-        </p:nvSpPr>
-        <p:spPr>
-          <a:xfrm>
-            <a:off x="7096910" y="3648156"/>
-            <a:ext cx="761747" cy="307777"/>
-          </a:xfrm>
-          <a:prstGeom prst="rect">
-            <a:avLst/>
-          </a:prstGeom>
-          <a:noFill/>
-        </p:spPr>
-        <p:txBody>
-          <a:bodyPr wrap="none" rtlCol="0">
-            <a:spAutoFit/>
-          </a:bodyPr>
-          <a:lstStyle/>
-          <a:p>
-            <a:r>
-              <a:rPr lang="es-ES" dirty="0"/>
-              <a:t>pooling</a:t>
-            </a:r>
-            <a:endParaRPr lang="es-CO" dirty="0"/>
-          </a:p>
-        </p:txBody>
-      </p:sp>
     </p:spTree>
+    <p:extLst>
+      <p:ext uri="{BB962C8B-B14F-4D97-AF65-F5344CB8AC3E}">
+        <p14:creationId xmlns:p14="http://schemas.microsoft.com/office/powerpoint/2010/main" val="4016705259"/>
+      </p:ext>
+    </p:extLst>
   </p:cSld>
   <p:clrMapOvr>
     <a:masterClrMapping/>
@@ -18212,7 +18379,179 @@
 </p:sld>
 </file>
 
-<file path=ppt/slides/slide11.xml><?xml version="1.0" encoding="utf-8"?>
+<file path=ppt/slides/slide6.xml><?xml version="1.0" encoding="utf-8"?>
+<p:sld xmlns:a="http://schemas.openxmlformats.org/drawingml/2006/main" xmlns:r="http://schemas.openxmlformats.org/officeDocument/2006/relationships" xmlns:p="http://schemas.openxmlformats.org/presentationml/2006/main">
+  <p:cSld>
+    <p:bg>
+      <p:bgPr>
+        <a:solidFill>
+          <a:schemeClr val="bg1"/>
+        </a:solidFill>
+        <a:effectLst/>
+      </p:bgPr>
+    </p:bg>
+    <p:spTree>
+      <p:nvGrpSpPr>
+        <p:cNvPr id="1" name=""/>
+        <p:cNvGrpSpPr/>
+        <p:nvPr/>
+      </p:nvGrpSpPr>
+      <p:grpSpPr>
+        <a:xfrm>
+          <a:off x="0" y="0"/>
+          <a:ext cx="0" cy="0"/>
+          <a:chOff x="0" y="0"/>
+          <a:chExt cx="0" cy="0"/>
+        </a:xfrm>
+      </p:grpSpPr>
+      <p:sp>
+        <p:nvSpPr>
+          <p:cNvPr id="9" name="Rectangle 8">
+            <a:extLst>
+              <a:ext uri="{FF2B5EF4-FFF2-40B4-BE49-F238E27FC236}">
+                <a16:creationId xmlns:a16="http://schemas.microsoft.com/office/drawing/2014/main" id="{1707FC24-6981-43D9-B525-C7832BA22463}"/>
+              </a:ext>
+              <a:ext uri="{C183D7F6-B498-43B3-948B-1728B52AA6E4}">
+                <adec:decorative xmlns:adec="http://schemas.microsoft.com/office/drawing/2017/decorative" val="1"/>
+              </a:ext>
+            </a:extLst>
+          </p:cNvPr>
+          <p:cNvSpPr>
+            <a:spLocks noGrp="1" noRot="1" noChangeAspect="1" noMove="1" noResize="1" noEditPoints="1" noAdjustHandles="1" noChangeArrowheads="1" noChangeShapeType="1" noTextEdit="1"/>
+          </p:cNvSpPr>
+          <p:nvPr>
+            <p:extLst>
+              <p:ext uri="{386F3935-93C4-4BCD-93E2-E3B085C9AB24}">
+                <p16:designElem xmlns:p16="http://schemas.microsoft.com/office/powerpoint/2015/main" val="1"/>
+              </p:ext>
+            </p:extLst>
+          </p:nvPr>
+        </p:nvSpPr>
+        <p:spPr bwMode="ltGray">
+          <a:xfrm>
+            <a:off x="252663" y="311449"/>
+            <a:ext cx="3249230" cy="6179552"/>
+          </a:xfrm>
+          <a:prstGeom prst="rect">
+            <a:avLst/>
+          </a:prstGeom>
+          <a:solidFill>
+            <a:srgbClr val="404040"/>
+          </a:solidFill>
+          <a:ln w="127000" cap="sq" cmpd="thinThick">
+            <a:solidFill>
+              <a:srgbClr val="404040"/>
+            </a:solidFill>
+          </a:ln>
+        </p:spPr>
+        <p:style>
+          <a:lnRef idx="2">
+            <a:schemeClr val="accent1">
+              <a:shade val="50000"/>
+            </a:schemeClr>
+          </a:lnRef>
+          <a:fillRef idx="1">
+            <a:schemeClr val="accent1"/>
+          </a:fillRef>
+          <a:effectRef idx="0">
+            <a:schemeClr val="accent1"/>
+          </a:effectRef>
+          <a:fontRef idx="minor">
+            <a:schemeClr val="lt1"/>
+          </a:fontRef>
+        </p:style>
+        <p:txBody>
+          <a:bodyPr rtlCol="0" anchor="ctr"/>
+          <a:lstStyle/>
+          <a:p>
+            <a:pPr algn="ctr"/>
+            <a:endParaRPr lang="en-US"/>
+          </a:p>
+        </p:txBody>
+      </p:sp>
+      <p:sp>
+        <p:nvSpPr>
+          <p:cNvPr id="2" name="Título 1">
+            <a:extLst>
+              <a:ext uri="{FF2B5EF4-FFF2-40B4-BE49-F238E27FC236}">
+                <a16:creationId xmlns:a16="http://schemas.microsoft.com/office/drawing/2014/main" id="{6D909953-EEBA-4560-BA68-1D9EBBA69CEF}"/>
+              </a:ext>
+            </a:extLst>
+          </p:cNvPr>
+          <p:cNvSpPr>
+            <a:spLocks noGrp="1"/>
+          </p:cNvSpPr>
+          <p:nvPr>
+            <p:ph type="title"/>
+          </p:nvPr>
+        </p:nvSpPr>
+        <p:spPr>
+          <a:xfrm>
+            <a:off x="557212" y="742951"/>
+            <a:ext cx="2607469" cy="4962524"/>
+          </a:xfrm>
+        </p:spPr>
+        <p:txBody>
+          <a:bodyPr>
+            <a:normAutofit/>
+          </a:bodyPr>
+          <a:lstStyle/>
+          <a:p>
+            <a:r>
+              <a:rPr lang="es-CO" sz="3600">
+                <a:solidFill>
+                  <a:srgbClr val="FFFFFF"/>
+                </a:solidFill>
+              </a:rPr>
+              <a:t>Arquitectura CNN</a:t>
+            </a:r>
+          </a:p>
+        </p:txBody>
+      </p:sp>
+      <p:pic>
+        <p:nvPicPr>
+          <p:cNvPr id="4" name="Imagen 3" descr="Tabla&#10;&#10;Descripción generada automáticamente">
+            <a:extLst>
+              <a:ext uri="{FF2B5EF4-FFF2-40B4-BE49-F238E27FC236}">
+                <a16:creationId xmlns:a16="http://schemas.microsoft.com/office/drawing/2014/main" id="{51E68912-F379-4EE6-86B3-F5D57301E82F}"/>
+              </a:ext>
+            </a:extLst>
+          </p:cNvPr>
+          <p:cNvPicPr>
+            <a:picLocks noChangeAspect="1"/>
+          </p:cNvPicPr>
+          <p:nvPr/>
+        </p:nvPicPr>
+        <p:blipFill>
+          <a:blip r:embed="rId2"/>
+          <a:stretch>
+            <a:fillRect/>
+          </a:stretch>
+        </p:blipFill>
+        <p:spPr>
+          <a:xfrm>
+            <a:off x="3865366" y="809032"/>
+            <a:ext cx="4915159" cy="5247877"/>
+          </a:xfrm>
+          <a:prstGeom prst="rect">
+            <a:avLst/>
+          </a:prstGeom>
+        </p:spPr>
+      </p:pic>
+    </p:spTree>
+    <p:extLst>
+      <p:ext uri="{BB962C8B-B14F-4D97-AF65-F5344CB8AC3E}">
+        <p14:creationId xmlns:p14="http://schemas.microsoft.com/office/powerpoint/2010/main" val="2566619863"/>
+      </p:ext>
+    </p:extLst>
+  </p:cSld>
+  <p:clrMapOvr>
+    <a:masterClrMapping/>
+  </p:clrMapOvr>
+</p:sld>
+</file>
+
+<file path=ppt/slides/slide7.xml><?xml version="1.0" encoding="utf-8"?>
 <p:sld xmlns:a="http://schemas.openxmlformats.org/drawingml/2006/main" xmlns:r="http://schemas.openxmlformats.org/officeDocument/2006/relationships" xmlns:p="http://schemas.openxmlformats.org/presentationml/2006/main">
   <p:cSld>
     <p:spTree>
@@ -19497,7 +19836,7 @@
 </p:sld>
 </file>
 
-<file path=ppt/slides/slide12.xml><?xml version="1.0" encoding="utf-8"?>
+<file path=ppt/slides/slide8.xml><?xml version="1.0" encoding="utf-8"?>
 <p:sld xmlns:a="http://schemas.openxmlformats.org/drawingml/2006/main" xmlns:r="http://schemas.openxmlformats.org/officeDocument/2006/relationships" xmlns:p="http://schemas.openxmlformats.org/presentationml/2006/main">
   <p:cSld>
     <p:spTree>
@@ -19721,2811 +20060,6 @@
         </p:txBody>
       </p:sp>
     </p:spTree>
-  </p:cSld>
-  <p:clrMapOvr>
-    <a:masterClrMapping/>
-  </p:clrMapOvr>
-</p:sld>
-</file>
-
-<file path=ppt/slides/slide2.xml><?xml version="1.0" encoding="utf-8"?>
-<p:sld xmlns:a="http://schemas.openxmlformats.org/drawingml/2006/main" xmlns:r="http://schemas.openxmlformats.org/officeDocument/2006/relationships" xmlns:p="http://schemas.openxmlformats.org/presentationml/2006/main">
-  <p:cSld>
-    <p:spTree>
-      <p:nvGrpSpPr>
-        <p:cNvPr id="1" name="Shape 100"/>
-        <p:cNvGrpSpPr/>
-        <p:nvPr/>
-      </p:nvGrpSpPr>
-      <p:grpSpPr>
-        <a:xfrm>
-          <a:off x="0" y="0"/>
-          <a:ext cx="0" cy="0"/>
-          <a:chOff x="0" y="0"/>
-          <a:chExt cx="0" cy="0"/>
-        </a:xfrm>
-      </p:grpSpPr>
-      <p:sp>
-        <p:nvSpPr>
-          <p:cNvPr id="101" name="Google Shape;101;p14"/>
-          <p:cNvSpPr txBox="1"/>
-          <p:nvPr/>
-        </p:nvSpPr>
-        <p:spPr>
-          <a:xfrm>
-            <a:off x="609600" y="427038"/>
-            <a:ext cx="8229600" cy="1143000"/>
-          </a:xfrm>
-          <a:prstGeom prst="rect">
-            <a:avLst/>
-          </a:prstGeom>
-          <a:noFill/>
-          <a:ln>
-            <a:noFill/>
-          </a:ln>
-        </p:spPr>
-        <p:txBody>
-          <a:bodyPr spcFirstLastPara="1" wrap="square" lIns="91425" tIns="45700" rIns="91425" bIns="45700" anchor="ctr" anchorCtr="0">
-            <a:noAutofit/>
-          </a:bodyPr>
-          <a:lstStyle/>
-          <a:p>
-            <a:pPr marL="0" marR="0" lvl="0" indent="0" algn="ctr" rtl="0">
-              <a:lnSpc>
-                <a:spcPct val="100000"/>
-              </a:lnSpc>
-              <a:spcBef>
-                <a:spcPts val="0"/>
-              </a:spcBef>
-              <a:spcAft>
-                <a:spcPts val="0"/>
-              </a:spcAft>
-              <a:buClr>
-                <a:schemeClr val="dk1"/>
-              </a:buClr>
-              <a:buSzPts val="4290"/>
-              <a:buFont typeface="Calibri"/>
-              <a:buNone/>
-            </a:pPr>
-            <a:r>
-              <a:rPr lang="es-CO" sz="4290" b="0" i="0" u="none" strike="noStrike" cap="none">
-                <a:solidFill>
-                  <a:schemeClr val="dk1"/>
-                </a:solidFill>
-                <a:latin typeface="Calibri"/>
-                <a:ea typeface="Calibri"/>
-                <a:cs typeface="Calibri"/>
-                <a:sym typeface="Calibri"/>
-              </a:rPr>
-              <a:t>Descripción del Problema</a:t>
-            </a:r>
-            <a:endParaRPr sz="4290" b="0" i="0" u="none" strike="noStrike" cap="none">
-              <a:solidFill>
-                <a:schemeClr val="dk1"/>
-              </a:solidFill>
-              <a:latin typeface="Calibri"/>
-              <a:ea typeface="Calibri"/>
-              <a:cs typeface="Calibri"/>
-              <a:sym typeface="Calibri"/>
-            </a:endParaRPr>
-          </a:p>
-        </p:txBody>
-      </p:sp>
-      <p:sp>
-        <p:nvSpPr>
-          <p:cNvPr id="102" name="Google Shape;102;p14"/>
-          <p:cNvSpPr txBox="1"/>
-          <p:nvPr/>
-        </p:nvSpPr>
-        <p:spPr>
-          <a:xfrm>
-            <a:off x="842154" y="1975391"/>
-            <a:ext cx="7290009" cy="4035152"/>
-          </a:xfrm>
-          <a:prstGeom prst="rect">
-            <a:avLst/>
-          </a:prstGeom>
-          <a:noFill/>
-          <a:ln>
-            <a:noFill/>
-          </a:ln>
-        </p:spPr>
-        <p:txBody>
-          <a:bodyPr spcFirstLastPara="1" wrap="square" lIns="91425" tIns="45700" rIns="91425" bIns="45700" anchor="t" anchorCtr="0">
-            <a:noAutofit/>
-          </a:bodyPr>
-          <a:lstStyle/>
-          <a:p>
-            <a:pPr marL="285750" marR="0" lvl="0" indent="-285750" algn="l" rtl="0">
-              <a:spcBef>
-                <a:spcPts val="0"/>
-              </a:spcBef>
-              <a:spcAft>
-                <a:spcPts val="0"/>
-              </a:spcAft>
-              <a:buClr>
-                <a:schemeClr val="dk1"/>
-              </a:buClr>
-              <a:buSzPts val="1800"/>
-              <a:buFont typeface="Arial"/>
-              <a:buChar char="•"/>
-            </a:pPr>
-            <a:r>
-              <a:rPr lang="es-CO" sz="1800" b="0" i="0" u="none" strike="noStrike" cap="none" dirty="0">
-                <a:solidFill>
-                  <a:schemeClr val="dk1"/>
-                </a:solidFill>
-                <a:latin typeface="Calibri"/>
-                <a:ea typeface="Calibri"/>
-                <a:cs typeface="Calibri"/>
-                <a:sym typeface="Calibri"/>
-              </a:rPr>
-              <a:t>Facilitar la identificación en muestras de sangre de células cancerígenas, específicamente células mieloides.</a:t>
-            </a:r>
-            <a:endParaRPr dirty="0"/>
-          </a:p>
-          <a:p>
-            <a:pPr marL="285750" marR="0" lvl="0" indent="-171450" algn="l" rtl="0">
-              <a:spcBef>
-                <a:spcPts val="0"/>
-              </a:spcBef>
-              <a:spcAft>
-                <a:spcPts val="0"/>
-              </a:spcAft>
-              <a:buClr>
-                <a:schemeClr val="dk1"/>
-              </a:buClr>
-              <a:buSzPts val="1800"/>
-              <a:buFont typeface="Arial"/>
-              <a:buNone/>
-            </a:pPr>
-            <a:endParaRPr sz="1800" b="0" i="0" u="none" strike="noStrike" cap="none" dirty="0">
-              <a:solidFill>
-                <a:schemeClr val="dk1"/>
-              </a:solidFill>
-              <a:latin typeface="Calibri"/>
-              <a:ea typeface="Calibri"/>
-              <a:cs typeface="Calibri"/>
-              <a:sym typeface="Calibri"/>
-            </a:endParaRPr>
-          </a:p>
-          <a:p>
-            <a:pPr marL="285750" marR="0" lvl="0" indent="-285750" algn="l" rtl="0">
-              <a:spcBef>
-                <a:spcPts val="0"/>
-              </a:spcBef>
-              <a:spcAft>
-                <a:spcPts val="0"/>
-              </a:spcAft>
-              <a:buClr>
-                <a:schemeClr val="dk1"/>
-              </a:buClr>
-              <a:buSzPts val="1800"/>
-              <a:buFont typeface="Arial"/>
-              <a:buChar char="•"/>
-            </a:pPr>
-            <a:r>
-              <a:rPr lang="es-CO" sz="1800" b="0" i="0" u="none" strike="noStrike" cap="none" dirty="0">
-                <a:solidFill>
-                  <a:schemeClr val="dk1"/>
-                </a:solidFill>
-                <a:latin typeface="Calibri"/>
-                <a:ea typeface="Calibri"/>
-                <a:cs typeface="Calibri"/>
-                <a:sym typeface="Calibri"/>
-              </a:rPr>
-              <a:t>Diseñar un clasificador capaz de diferenciar células blancas sanas, de células de leucemia mieloide, mediante aprendizaje de maquina.</a:t>
-            </a:r>
-            <a:endParaRPr dirty="0"/>
-          </a:p>
-          <a:p>
-            <a:pPr marL="285750" marR="0" lvl="0" indent="-171450" algn="l" rtl="0">
-              <a:spcBef>
-                <a:spcPts val="0"/>
-              </a:spcBef>
-              <a:spcAft>
-                <a:spcPts val="0"/>
-              </a:spcAft>
-              <a:buClr>
-                <a:schemeClr val="dk1"/>
-              </a:buClr>
-              <a:buSzPts val="1800"/>
-              <a:buFont typeface="Arial"/>
-              <a:buNone/>
-            </a:pPr>
-            <a:endParaRPr sz="1800" b="0" i="0" u="none" strike="noStrike" cap="none" dirty="0">
-              <a:solidFill>
-                <a:schemeClr val="dk1"/>
-              </a:solidFill>
-              <a:latin typeface="Calibri"/>
-              <a:ea typeface="Calibri"/>
-              <a:cs typeface="Calibri"/>
-              <a:sym typeface="Calibri"/>
-            </a:endParaRPr>
-          </a:p>
-          <a:p>
-            <a:pPr marL="285750" marR="0" lvl="0" indent="-285750" algn="l" rtl="0">
-              <a:spcBef>
-                <a:spcPts val="0"/>
-              </a:spcBef>
-              <a:spcAft>
-                <a:spcPts val="0"/>
-              </a:spcAft>
-              <a:buClr>
-                <a:schemeClr val="dk1"/>
-              </a:buClr>
-              <a:buSzPts val="1800"/>
-              <a:buFont typeface="Arial"/>
-              <a:buChar char="•"/>
-            </a:pPr>
-            <a:r>
-              <a:rPr lang="es-CO" sz="1800" b="0" i="0" u="none" strike="noStrike" cap="none" dirty="0">
-                <a:solidFill>
-                  <a:schemeClr val="dk1"/>
-                </a:solidFill>
-                <a:latin typeface="Calibri"/>
-                <a:ea typeface="Calibri"/>
-                <a:cs typeface="Calibri"/>
-                <a:sym typeface="Calibri"/>
-              </a:rPr>
-              <a:t>Trabajos similares </a:t>
-            </a:r>
-            <a:endParaRPr dirty="0"/>
-          </a:p>
-          <a:p>
-            <a:pPr marL="1200150" marR="0" lvl="2" indent="-285750" algn="l" rtl="0">
-              <a:spcBef>
-                <a:spcPts val="0"/>
-              </a:spcBef>
-              <a:spcAft>
-                <a:spcPts val="0"/>
-              </a:spcAft>
-              <a:buClr>
-                <a:schemeClr val="dk1"/>
-              </a:buClr>
-              <a:buSzPts val="1800"/>
-              <a:buFont typeface="Noto Sans Symbols"/>
-              <a:buChar char="➢"/>
-            </a:pPr>
-            <a:r>
-              <a:rPr lang="es-CO" sz="1800" b="0" i="0" u="none" strike="noStrike" cap="none" dirty="0">
-                <a:solidFill>
-                  <a:schemeClr val="dk1"/>
-                </a:solidFill>
-                <a:latin typeface="Calibri"/>
-                <a:ea typeface="Calibri"/>
-                <a:cs typeface="Calibri"/>
-                <a:sym typeface="Calibri"/>
-              </a:rPr>
-              <a:t>Deep Transfer Learning in </a:t>
-            </a:r>
-            <a:r>
-              <a:rPr lang="es-CO" sz="1800" b="0" i="0" u="none" strike="noStrike" cap="none" dirty="0" err="1">
-                <a:solidFill>
-                  <a:schemeClr val="dk1"/>
-                </a:solidFill>
-                <a:latin typeface="Calibri"/>
-                <a:ea typeface="Calibri"/>
-                <a:cs typeface="Calibri"/>
-                <a:sym typeface="Calibri"/>
-              </a:rPr>
-              <a:t>Diagnosing</a:t>
-            </a:r>
-            <a:r>
-              <a:rPr lang="es-CO" sz="1800" b="0" i="0" u="none" strike="noStrike" cap="none" dirty="0">
-                <a:solidFill>
-                  <a:schemeClr val="dk1"/>
-                </a:solidFill>
-                <a:latin typeface="Calibri"/>
-                <a:ea typeface="Calibri"/>
-                <a:cs typeface="Calibri"/>
-                <a:sym typeface="Calibri"/>
-              </a:rPr>
-              <a:t> </a:t>
-            </a:r>
-            <a:r>
-              <a:rPr lang="es-CO" sz="1800" b="0" i="0" u="none" strike="noStrike" cap="none" dirty="0" err="1">
-                <a:solidFill>
-                  <a:schemeClr val="dk1"/>
-                </a:solidFill>
-                <a:latin typeface="Calibri"/>
-                <a:ea typeface="Calibri"/>
-                <a:cs typeface="Calibri"/>
-                <a:sym typeface="Calibri"/>
-              </a:rPr>
-              <a:t>Leukemia</a:t>
-            </a:r>
-            <a:r>
-              <a:rPr lang="es-CO" sz="1800" b="0" i="0" u="none" strike="noStrike" cap="none" dirty="0">
-                <a:solidFill>
-                  <a:schemeClr val="dk1"/>
-                </a:solidFill>
-                <a:latin typeface="Calibri"/>
-                <a:ea typeface="Calibri"/>
-                <a:cs typeface="Calibri"/>
-                <a:sym typeface="Calibri"/>
-              </a:rPr>
-              <a:t> in </a:t>
-            </a:r>
-            <a:r>
-              <a:rPr lang="es-CO" sz="1800" b="0" i="0" u="none" strike="noStrike" cap="none" dirty="0" err="1">
-                <a:solidFill>
-                  <a:schemeClr val="dk1"/>
-                </a:solidFill>
-                <a:latin typeface="Calibri"/>
-                <a:ea typeface="Calibri"/>
-                <a:cs typeface="Calibri"/>
-                <a:sym typeface="Calibri"/>
-              </a:rPr>
-              <a:t>Blood</a:t>
-            </a:r>
-            <a:r>
-              <a:rPr lang="es-CO" sz="1800" b="0" i="0" u="none" strike="noStrike" cap="none" dirty="0">
-                <a:solidFill>
-                  <a:schemeClr val="dk1"/>
-                </a:solidFill>
-                <a:latin typeface="Calibri"/>
-                <a:ea typeface="Calibri"/>
-                <a:cs typeface="Calibri"/>
-                <a:sym typeface="Calibri"/>
-              </a:rPr>
-              <a:t> </a:t>
-            </a:r>
-            <a:r>
-              <a:rPr lang="es-CO" sz="1800" b="0" i="0" u="none" strike="noStrike" cap="none" dirty="0" err="1">
-                <a:solidFill>
-                  <a:schemeClr val="dk1"/>
-                </a:solidFill>
-                <a:latin typeface="Calibri"/>
-                <a:ea typeface="Calibri"/>
-                <a:cs typeface="Calibri"/>
-                <a:sym typeface="Calibri"/>
-              </a:rPr>
-              <a:t>cell</a:t>
-            </a:r>
-            <a:r>
-              <a:rPr lang="es-CO" sz="1800" b="0" i="0" u="none" strike="noStrike" cap="none" dirty="0">
-                <a:solidFill>
-                  <a:schemeClr val="dk1"/>
-                </a:solidFill>
-                <a:latin typeface="Calibri"/>
-                <a:ea typeface="Calibri"/>
-                <a:cs typeface="Calibri"/>
-                <a:sym typeface="Calibri"/>
-              </a:rPr>
-              <a:t> [1]</a:t>
-            </a:r>
-            <a:r>
-              <a:rPr lang="en-US" sz="1800" dirty="0">
-                <a:solidFill>
-                  <a:schemeClr val="dk1"/>
-                </a:solidFill>
-                <a:latin typeface="Calibri"/>
-                <a:ea typeface="Calibri"/>
-                <a:cs typeface="Calibri"/>
-                <a:sym typeface="Calibri"/>
-              </a:rPr>
-              <a:t>.</a:t>
-            </a:r>
-            <a:endParaRPr lang="es-CO" dirty="0"/>
-          </a:p>
-          <a:p>
-            <a:pPr marL="1200150" marR="0" lvl="2" indent="-285750" algn="l" rtl="0">
-              <a:spcBef>
-                <a:spcPts val="0"/>
-              </a:spcBef>
-              <a:spcAft>
-                <a:spcPts val="0"/>
-              </a:spcAft>
-              <a:buClr>
-                <a:schemeClr val="dk1"/>
-              </a:buClr>
-              <a:buSzPts val="1800"/>
-              <a:buFont typeface="Noto Sans Symbols"/>
-              <a:buChar char="➢"/>
-            </a:pPr>
-            <a:r>
-              <a:rPr lang="es-ES" sz="1800" b="0" i="0" u="none" strike="noStrike" cap="none" dirty="0">
-                <a:solidFill>
-                  <a:schemeClr val="dk1"/>
-                </a:solidFill>
-                <a:latin typeface="Calibri"/>
-                <a:ea typeface="Calibri"/>
-                <a:cs typeface="Calibri"/>
-                <a:sym typeface="Calibri"/>
-              </a:rPr>
-              <a:t>Deep </a:t>
-            </a:r>
-            <a:r>
-              <a:rPr lang="es-ES" sz="1800" b="0" i="0" u="none" strike="noStrike" cap="none" dirty="0" err="1">
-                <a:solidFill>
-                  <a:schemeClr val="dk1"/>
-                </a:solidFill>
-                <a:latin typeface="Calibri"/>
-                <a:ea typeface="Calibri"/>
-                <a:cs typeface="Calibri"/>
-                <a:sym typeface="Calibri"/>
-              </a:rPr>
-              <a:t>Learning</a:t>
-            </a:r>
-            <a:r>
-              <a:rPr lang="es-ES" sz="1800" b="0" i="0" u="none" strike="noStrike" cap="none" dirty="0">
-                <a:solidFill>
-                  <a:schemeClr val="dk1"/>
-                </a:solidFill>
-                <a:latin typeface="Calibri"/>
-                <a:ea typeface="Calibri"/>
-                <a:cs typeface="Calibri"/>
-                <a:sym typeface="Calibri"/>
-              </a:rPr>
-              <a:t> </a:t>
-            </a:r>
-            <a:r>
-              <a:rPr lang="es-ES" sz="1800" b="0" i="0" u="none" strike="noStrike" cap="none" dirty="0" err="1">
-                <a:solidFill>
-                  <a:schemeClr val="dk1"/>
-                </a:solidFill>
-                <a:latin typeface="Calibri"/>
-                <a:ea typeface="Calibri"/>
-                <a:cs typeface="Calibri"/>
-                <a:sym typeface="Calibri"/>
-              </a:rPr>
-              <a:t>for</a:t>
-            </a:r>
-            <a:r>
-              <a:rPr lang="es-ES" sz="1800" b="0" i="0" u="none" strike="noStrike" cap="none" dirty="0">
-                <a:solidFill>
-                  <a:schemeClr val="dk1"/>
-                </a:solidFill>
-                <a:latin typeface="Calibri"/>
-                <a:ea typeface="Calibri"/>
-                <a:cs typeface="Calibri"/>
-                <a:sym typeface="Calibri"/>
-              </a:rPr>
-              <a:t> </a:t>
-            </a:r>
-            <a:r>
-              <a:rPr lang="es-ES" sz="1800" b="0" i="0" u="none" strike="noStrike" cap="none" dirty="0" err="1">
-                <a:solidFill>
-                  <a:schemeClr val="dk1"/>
-                </a:solidFill>
-                <a:latin typeface="Calibri"/>
-                <a:ea typeface="Calibri"/>
-                <a:cs typeface="Calibri"/>
-                <a:sym typeface="Calibri"/>
-              </a:rPr>
-              <a:t>Identifying</a:t>
-            </a:r>
-            <a:r>
-              <a:rPr lang="es-ES" sz="1800" b="0" i="0" u="none" strike="noStrike" cap="none" dirty="0">
-                <a:solidFill>
-                  <a:schemeClr val="dk1"/>
-                </a:solidFill>
-                <a:latin typeface="Calibri"/>
-                <a:ea typeface="Calibri"/>
-                <a:cs typeface="Calibri"/>
-                <a:sym typeface="Calibri"/>
-              </a:rPr>
-              <a:t> </a:t>
-            </a:r>
-            <a:r>
-              <a:rPr lang="es-ES" sz="1800" b="0" i="0" u="none" strike="noStrike" cap="none" dirty="0" err="1">
-                <a:solidFill>
-                  <a:schemeClr val="dk1"/>
-                </a:solidFill>
-                <a:latin typeface="Calibri"/>
-                <a:ea typeface="Calibri"/>
-                <a:cs typeface="Calibri"/>
-                <a:sym typeface="Calibri"/>
-              </a:rPr>
-              <a:t>Metastatic</a:t>
-            </a:r>
-            <a:r>
-              <a:rPr lang="es-ES" sz="1800" b="0" i="0" u="none" strike="noStrike" cap="none" dirty="0">
-                <a:solidFill>
-                  <a:schemeClr val="dk1"/>
-                </a:solidFill>
-                <a:latin typeface="Calibri"/>
-                <a:ea typeface="Calibri"/>
-                <a:cs typeface="Calibri"/>
-                <a:sym typeface="Calibri"/>
-              </a:rPr>
-              <a:t> </a:t>
-            </a:r>
-            <a:r>
-              <a:rPr lang="es-ES" sz="1800" b="0" i="0" u="none" strike="noStrike" cap="none" dirty="0" err="1">
-                <a:solidFill>
-                  <a:schemeClr val="dk1"/>
-                </a:solidFill>
-                <a:latin typeface="Calibri"/>
-                <a:ea typeface="Calibri"/>
-                <a:cs typeface="Calibri"/>
-                <a:sym typeface="Calibri"/>
-              </a:rPr>
-              <a:t>Breast</a:t>
-            </a:r>
-            <a:r>
-              <a:rPr lang="es-ES" sz="1800" b="0" i="0" u="none" strike="noStrike" cap="none" dirty="0">
-                <a:solidFill>
-                  <a:schemeClr val="dk1"/>
-                </a:solidFill>
-                <a:latin typeface="Calibri"/>
-                <a:ea typeface="Calibri"/>
-                <a:cs typeface="Calibri"/>
-                <a:sym typeface="Calibri"/>
-              </a:rPr>
-              <a:t> </a:t>
-            </a:r>
-            <a:r>
-              <a:rPr lang="es-ES" sz="1800" b="0" i="0" u="none" strike="noStrike" cap="none" dirty="0" err="1">
-                <a:solidFill>
-                  <a:schemeClr val="dk1"/>
-                </a:solidFill>
-                <a:latin typeface="Calibri"/>
-                <a:ea typeface="Calibri"/>
-                <a:cs typeface="Calibri"/>
-                <a:sym typeface="Calibri"/>
-              </a:rPr>
-              <a:t>Cancer</a:t>
-            </a:r>
-            <a:r>
-              <a:rPr lang="es-ES" sz="1800" b="0" i="0" u="none" strike="noStrike" cap="none" dirty="0">
-                <a:solidFill>
-                  <a:schemeClr val="dk1"/>
-                </a:solidFill>
-                <a:latin typeface="Calibri"/>
-                <a:ea typeface="Calibri"/>
-                <a:cs typeface="Calibri"/>
-                <a:sym typeface="Calibri"/>
-              </a:rPr>
-              <a:t> [2]</a:t>
-            </a:r>
-            <a:r>
-              <a:rPr lang="es-ES" sz="1800" dirty="0">
-                <a:solidFill>
-                  <a:schemeClr val="dk1"/>
-                </a:solidFill>
-                <a:latin typeface="Calibri"/>
-                <a:ea typeface="Calibri"/>
-                <a:cs typeface="Calibri"/>
-                <a:sym typeface="Calibri"/>
-              </a:rPr>
-              <a:t>.</a:t>
-            </a:r>
-            <a:endParaRPr lang="es-ES" sz="1800" b="0" i="0" u="none" strike="noStrike" cap="none" dirty="0">
-              <a:solidFill>
-                <a:schemeClr val="dk1"/>
-              </a:solidFill>
-              <a:latin typeface="Calibri"/>
-              <a:ea typeface="Calibri"/>
-              <a:cs typeface="Calibri"/>
-              <a:sym typeface="Calibri"/>
-            </a:endParaRPr>
-          </a:p>
-          <a:p>
-            <a:pPr marL="1200150" marR="0" lvl="2" indent="-285750" algn="l" rtl="0">
-              <a:spcBef>
-                <a:spcPts val="0"/>
-              </a:spcBef>
-              <a:spcAft>
-                <a:spcPts val="0"/>
-              </a:spcAft>
-              <a:buClr>
-                <a:schemeClr val="dk1"/>
-              </a:buClr>
-              <a:buSzPts val="1800"/>
-              <a:buFont typeface="Noto Sans Symbols"/>
-              <a:buChar char="➢"/>
-            </a:pPr>
-            <a:r>
-              <a:rPr lang="es-ES" sz="1800" b="0" i="0" u="none" strike="noStrike" cap="none" dirty="0" err="1">
-                <a:solidFill>
-                  <a:schemeClr val="dk1"/>
-                </a:solidFill>
-                <a:latin typeface="Calibri"/>
-                <a:ea typeface="Calibri"/>
-                <a:cs typeface="Calibri"/>
-                <a:sym typeface="Calibri"/>
-              </a:rPr>
-              <a:t>Diagnosing</a:t>
-            </a:r>
-            <a:r>
-              <a:rPr lang="es-ES" sz="1800" b="0" i="0" u="none" strike="noStrike" cap="none" dirty="0">
-                <a:solidFill>
-                  <a:schemeClr val="dk1"/>
-                </a:solidFill>
-                <a:latin typeface="Calibri"/>
-                <a:ea typeface="Calibri"/>
-                <a:cs typeface="Calibri"/>
-                <a:sym typeface="Calibri"/>
-              </a:rPr>
-              <a:t> </a:t>
-            </a:r>
-            <a:r>
-              <a:rPr lang="es-ES" sz="1800" b="0" i="0" u="none" strike="noStrike" cap="none" dirty="0" err="1">
-                <a:solidFill>
-                  <a:schemeClr val="dk1"/>
-                </a:solidFill>
-                <a:latin typeface="Calibri"/>
-                <a:ea typeface="Calibri"/>
-                <a:cs typeface="Calibri"/>
-                <a:sym typeface="Calibri"/>
-              </a:rPr>
-              <a:t>leukemia</a:t>
-            </a:r>
-            <a:r>
-              <a:rPr lang="es-ES" sz="1800" b="0" i="0" u="none" strike="noStrike" cap="none" dirty="0">
-                <a:solidFill>
-                  <a:schemeClr val="dk1"/>
-                </a:solidFill>
-                <a:latin typeface="Calibri"/>
-                <a:ea typeface="Calibri"/>
-                <a:cs typeface="Calibri"/>
-                <a:sym typeface="Calibri"/>
-              </a:rPr>
-              <a:t> in </a:t>
-            </a:r>
-            <a:r>
-              <a:rPr lang="es-ES" sz="1800" b="0" i="0" u="none" strike="noStrike" cap="none" dirty="0" err="1">
-                <a:solidFill>
-                  <a:schemeClr val="dk1"/>
-                </a:solidFill>
-                <a:latin typeface="Calibri"/>
-                <a:ea typeface="Calibri"/>
-                <a:cs typeface="Calibri"/>
-                <a:sym typeface="Calibri"/>
-              </a:rPr>
-              <a:t>blood</a:t>
-            </a:r>
-            <a:r>
-              <a:rPr lang="es-ES" sz="1800" b="0" i="0" u="none" strike="noStrike" cap="none" dirty="0">
-                <a:solidFill>
-                  <a:schemeClr val="dk1"/>
-                </a:solidFill>
-                <a:latin typeface="Calibri"/>
-                <a:ea typeface="Calibri"/>
-                <a:cs typeface="Calibri"/>
-                <a:sym typeface="Calibri"/>
-              </a:rPr>
-              <a:t> </a:t>
-            </a:r>
-            <a:r>
-              <a:rPr lang="es-ES" sz="1800" b="0" i="0" u="none" strike="noStrike" cap="none" dirty="0" err="1">
-                <a:solidFill>
-                  <a:schemeClr val="dk1"/>
-                </a:solidFill>
-                <a:latin typeface="Calibri"/>
-                <a:ea typeface="Calibri"/>
-                <a:cs typeface="Calibri"/>
-                <a:sym typeface="Calibri"/>
-              </a:rPr>
-              <a:t>smear</a:t>
-            </a:r>
-            <a:r>
-              <a:rPr lang="es-ES" sz="1800" b="0" i="0" u="none" strike="noStrike" cap="none" dirty="0">
-                <a:solidFill>
-                  <a:schemeClr val="dk1"/>
-                </a:solidFill>
-                <a:latin typeface="Calibri"/>
-                <a:ea typeface="Calibri"/>
-                <a:cs typeface="Calibri"/>
-                <a:sym typeface="Calibri"/>
-              </a:rPr>
-              <a:t> </a:t>
-            </a:r>
-            <a:r>
-              <a:rPr lang="es-ES" sz="1800" b="0" i="0" u="none" strike="noStrike" cap="none" dirty="0" err="1">
-                <a:solidFill>
-                  <a:schemeClr val="dk1"/>
-                </a:solidFill>
-                <a:latin typeface="Calibri"/>
-                <a:ea typeface="Calibri"/>
-                <a:cs typeface="Calibri"/>
-                <a:sym typeface="Calibri"/>
-              </a:rPr>
-              <a:t>images</a:t>
-            </a:r>
-            <a:r>
-              <a:rPr lang="es-ES" sz="1800" b="0" i="0" u="none" strike="noStrike" cap="none" dirty="0">
-                <a:solidFill>
-                  <a:schemeClr val="dk1"/>
-                </a:solidFill>
-                <a:latin typeface="Calibri"/>
-                <a:ea typeface="Calibri"/>
-                <a:cs typeface="Calibri"/>
-                <a:sym typeface="Calibri"/>
-              </a:rPr>
-              <a:t> </a:t>
-            </a:r>
-            <a:r>
-              <a:rPr lang="es-ES" sz="1800" b="0" i="0" u="none" strike="noStrike" cap="none" dirty="0" err="1">
-                <a:solidFill>
-                  <a:schemeClr val="dk1"/>
-                </a:solidFill>
-                <a:latin typeface="Calibri"/>
-                <a:ea typeface="Calibri"/>
-                <a:cs typeface="Calibri"/>
-                <a:sym typeface="Calibri"/>
-              </a:rPr>
-              <a:t>using</a:t>
-            </a:r>
-            <a:r>
-              <a:rPr lang="es-ES" sz="1800" b="0" i="0" u="none" strike="noStrike" cap="none" dirty="0">
-                <a:solidFill>
-                  <a:schemeClr val="dk1"/>
-                </a:solidFill>
-                <a:latin typeface="Calibri"/>
-                <a:ea typeface="Calibri"/>
-                <a:cs typeface="Calibri"/>
-                <a:sym typeface="Calibri"/>
-              </a:rPr>
-              <a:t> </a:t>
-            </a:r>
-            <a:r>
-              <a:rPr lang="es-ES" sz="1800" b="0" i="0" u="none" strike="noStrike" cap="none" dirty="0" err="1">
-                <a:solidFill>
-                  <a:schemeClr val="dk1"/>
-                </a:solidFill>
-                <a:latin typeface="Calibri"/>
-                <a:ea typeface="Calibri"/>
-                <a:cs typeface="Calibri"/>
-                <a:sym typeface="Calibri"/>
-              </a:rPr>
-              <a:t>an</a:t>
-            </a:r>
-            <a:r>
-              <a:rPr lang="es-ES" sz="1800" b="0" i="0" u="none" strike="noStrike" cap="none" dirty="0">
-                <a:solidFill>
-                  <a:schemeClr val="dk1"/>
-                </a:solidFill>
-                <a:latin typeface="Calibri"/>
-                <a:ea typeface="Calibri"/>
-                <a:cs typeface="Calibri"/>
-                <a:sym typeface="Calibri"/>
-              </a:rPr>
-              <a:t> ensemble </a:t>
-            </a:r>
-            <a:r>
-              <a:rPr lang="es-ES" sz="1800" b="0" i="0" u="none" strike="noStrike" cap="none" dirty="0" err="1">
-                <a:solidFill>
-                  <a:schemeClr val="dk1"/>
-                </a:solidFill>
-                <a:latin typeface="Calibri"/>
-                <a:ea typeface="Calibri"/>
-                <a:cs typeface="Calibri"/>
-                <a:sym typeface="Calibri"/>
-              </a:rPr>
-              <a:t>of</a:t>
-            </a:r>
-            <a:r>
-              <a:rPr lang="es-ES" sz="1800" b="0" i="0" u="none" strike="noStrike" cap="none" dirty="0">
-                <a:solidFill>
-                  <a:schemeClr val="dk1"/>
-                </a:solidFill>
-                <a:latin typeface="Calibri"/>
-                <a:ea typeface="Calibri"/>
-                <a:cs typeface="Calibri"/>
-                <a:sym typeface="Calibri"/>
-              </a:rPr>
-              <a:t> </a:t>
-            </a:r>
-            <a:r>
-              <a:rPr lang="es-ES" sz="1800" b="0" i="0" u="none" strike="noStrike" cap="none" dirty="0" err="1">
-                <a:solidFill>
-                  <a:schemeClr val="dk1"/>
-                </a:solidFill>
-                <a:latin typeface="Calibri"/>
-                <a:ea typeface="Calibri"/>
-                <a:cs typeface="Calibri"/>
-                <a:sym typeface="Calibri"/>
-              </a:rPr>
-              <a:t>classifiers</a:t>
-            </a:r>
-            <a:r>
-              <a:rPr lang="es-ES" sz="1800" b="0" i="0" u="none" strike="noStrike" cap="none" dirty="0">
-                <a:solidFill>
-                  <a:schemeClr val="dk1"/>
-                </a:solidFill>
-                <a:latin typeface="Calibri"/>
-                <a:ea typeface="Calibri"/>
-                <a:cs typeface="Calibri"/>
-                <a:sym typeface="Calibri"/>
-              </a:rPr>
-              <a:t> and </a:t>
-            </a:r>
-            <a:r>
-              <a:rPr lang="es-ES" sz="1800" b="0" i="0" u="none" strike="noStrike" cap="none" dirty="0" err="1">
-                <a:solidFill>
-                  <a:schemeClr val="dk1"/>
-                </a:solidFill>
-                <a:latin typeface="Calibri"/>
-                <a:ea typeface="Calibri"/>
-                <a:cs typeface="Calibri"/>
-                <a:sym typeface="Calibri"/>
-              </a:rPr>
-              <a:t>pre-trained</a:t>
-            </a:r>
-            <a:r>
-              <a:rPr lang="es-ES" sz="1800" b="0" i="0" u="none" strike="noStrike" cap="none" dirty="0">
-                <a:solidFill>
-                  <a:schemeClr val="dk1"/>
-                </a:solidFill>
-                <a:latin typeface="Calibri"/>
-                <a:ea typeface="Calibri"/>
-                <a:cs typeface="Calibri"/>
-                <a:sym typeface="Calibri"/>
-              </a:rPr>
-              <a:t> </a:t>
-            </a:r>
-            <a:r>
-              <a:rPr lang="es-ES" sz="1800" b="0" i="0" u="none" strike="noStrike" cap="none" dirty="0" err="1">
-                <a:solidFill>
-                  <a:schemeClr val="dk1"/>
-                </a:solidFill>
-                <a:latin typeface="Calibri"/>
-                <a:ea typeface="Calibri"/>
-                <a:cs typeface="Calibri"/>
-                <a:sym typeface="Calibri"/>
-              </a:rPr>
-              <a:t>convolutional</a:t>
-            </a:r>
-            <a:r>
-              <a:rPr lang="es-ES" sz="1800" b="0" i="0" u="none" strike="noStrike" cap="none" dirty="0">
-                <a:solidFill>
-                  <a:schemeClr val="dk1"/>
-                </a:solidFill>
-                <a:latin typeface="Calibri"/>
-                <a:ea typeface="Calibri"/>
-                <a:cs typeface="Calibri"/>
-                <a:sym typeface="Calibri"/>
-              </a:rPr>
-              <a:t> neural </a:t>
-            </a:r>
-            <a:r>
-              <a:rPr lang="es-ES" sz="1800" b="0" i="0" u="none" strike="noStrike" cap="none" dirty="0" err="1">
-                <a:solidFill>
-                  <a:schemeClr val="dk1"/>
-                </a:solidFill>
-                <a:latin typeface="Calibri"/>
-                <a:ea typeface="Calibri"/>
-                <a:cs typeface="Calibri"/>
-                <a:sym typeface="Calibri"/>
-              </a:rPr>
-              <a:t>networks</a:t>
-            </a:r>
-            <a:r>
-              <a:rPr lang="es-ES" sz="1800" b="0" i="0" u="none" strike="noStrike" cap="none" dirty="0">
-                <a:solidFill>
-                  <a:schemeClr val="dk1"/>
-                </a:solidFill>
-                <a:latin typeface="Calibri"/>
-                <a:ea typeface="Calibri"/>
-                <a:cs typeface="Calibri"/>
-                <a:sym typeface="Calibri"/>
-              </a:rPr>
-              <a:t>[3].</a:t>
-            </a:r>
-          </a:p>
-        </p:txBody>
-      </p:sp>
-    </p:spTree>
-  </p:cSld>
-  <p:clrMapOvr>
-    <a:masterClrMapping/>
-  </p:clrMapOvr>
-</p:sld>
-</file>
-
-<file path=ppt/slides/slide3.xml><?xml version="1.0" encoding="utf-8"?>
-<p:sld xmlns:a="http://schemas.openxmlformats.org/drawingml/2006/main" xmlns:r="http://schemas.openxmlformats.org/officeDocument/2006/relationships" xmlns:p="http://schemas.openxmlformats.org/presentationml/2006/main">
-  <p:cSld>
-    <p:spTree>
-      <p:nvGrpSpPr>
-        <p:cNvPr id="1" name="Shape 109"/>
-        <p:cNvGrpSpPr/>
-        <p:nvPr/>
-      </p:nvGrpSpPr>
-      <p:grpSpPr>
-        <a:xfrm>
-          <a:off x="0" y="0"/>
-          <a:ext cx="0" cy="0"/>
-          <a:chOff x="0" y="0"/>
-          <a:chExt cx="0" cy="0"/>
-        </a:xfrm>
-      </p:grpSpPr>
-      <p:sp>
-        <p:nvSpPr>
-          <p:cNvPr id="110" name="Google Shape;110;p15"/>
-          <p:cNvSpPr txBox="1"/>
-          <p:nvPr/>
-        </p:nvSpPr>
-        <p:spPr>
-          <a:xfrm>
-            <a:off x="395536" y="332656"/>
-            <a:ext cx="8229600" cy="1143000"/>
-          </a:xfrm>
-          <a:prstGeom prst="rect">
-            <a:avLst/>
-          </a:prstGeom>
-          <a:noFill/>
-          <a:ln>
-            <a:noFill/>
-          </a:ln>
-        </p:spPr>
-        <p:txBody>
-          <a:bodyPr spcFirstLastPara="1" wrap="square" lIns="91425" tIns="45700" rIns="91425" bIns="45700" anchor="ctr" anchorCtr="0">
-            <a:noAutofit/>
-          </a:bodyPr>
-          <a:lstStyle/>
-          <a:p>
-            <a:pPr marL="0" marR="0" lvl="0" indent="0" algn="ctr" rtl="0">
-              <a:lnSpc>
-                <a:spcPct val="100000"/>
-              </a:lnSpc>
-              <a:spcBef>
-                <a:spcPts val="0"/>
-              </a:spcBef>
-              <a:spcAft>
-                <a:spcPts val="0"/>
-              </a:spcAft>
-              <a:buClr>
-                <a:schemeClr val="dk1"/>
-              </a:buClr>
-              <a:buSzPts val="4290"/>
-              <a:buFont typeface="Calibri"/>
-              <a:buNone/>
-            </a:pPr>
-            <a:r>
-              <a:rPr lang="es-CO" sz="4190" b="0" i="0" u="none" strike="noStrike" cap="none">
-                <a:solidFill>
-                  <a:schemeClr val="dk1"/>
-                </a:solidFill>
-                <a:latin typeface="Calibri"/>
-                <a:ea typeface="Calibri"/>
-                <a:cs typeface="Calibri"/>
-                <a:sym typeface="Calibri"/>
-              </a:rPr>
-              <a:t>Propuesta de Solución: Ruta a seguir</a:t>
-            </a:r>
-            <a:endParaRPr sz="4190" b="0" i="0" u="none" strike="noStrike" cap="none">
-              <a:solidFill>
-                <a:schemeClr val="dk1"/>
-              </a:solidFill>
-              <a:latin typeface="Calibri"/>
-              <a:ea typeface="Calibri"/>
-              <a:cs typeface="Calibri"/>
-              <a:sym typeface="Calibri"/>
-            </a:endParaRPr>
-          </a:p>
-        </p:txBody>
-      </p:sp>
-      <p:sp>
-        <p:nvSpPr>
-          <p:cNvPr id="111" name="Google Shape;111;p15"/>
-          <p:cNvSpPr txBox="1"/>
-          <p:nvPr/>
-        </p:nvSpPr>
-        <p:spPr>
-          <a:xfrm>
-            <a:off x="1043608" y="1747120"/>
-            <a:ext cx="7416823" cy="1200329"/>
-          </a:xfrm>
-          <a:prstGeom prst="rect">
-            <a:avLst/>
-          </a:prstGeom>
-          <a:noFill/>
-          <a:ln>
-            <a:noFill/>
-          </a:ln>
-        </p:spPr>
-        <p:txBody>
-          <a:bodyPr spcFirstLastPara="1" wrap="square" lIns="91425" tIns="45700" rIns="91425" bIns="45700" anchor="t" anchorCtr="0">
-            <a:noAutofit/>
-          </a:bodyPr>
-          <a:lstStyle/>
-          <a:p>
-            <a:pPr marL="0" marR="0" lvl="0" indent="0" algn="l" rtl="0">
-              <a:spcBef>
-                <a:spcPts val="0"/>
-              </a:spcBef>
-              <a:spcAft>
-                <a:spcPts val="0"/>
-              </a:spcAft>
-              <a:buNone/>
-            </a:pPr>
-            <a:r>
-              <a:rPr lang="es-ES" sz="1800" dirty="0">
-                <a:solidFill>
-                  <a:schemeClr val="dk1"/>
-                </a:solidFill>
-                <a:latin typeface="Calibri"/>
-                <a:ea typeface="Calibri"/>
-                <a:cs typeface="Calibri"/>
-                <a:sym typeface="Calibri"/>
-              </a:rPr>
-              <a:t>La propuesta implementada es utilizar una base de datos de imágenes ya clasificadas para entrenar un modelo CNN capaza de detectar la presencia de células mieloides en muestras de sangre.</a:t>
-            </a:r>
-          </a:p>
-        </p:txBody>
-      </p:sp>
-      <p:pic>
-        <p:nvPicPr>
-          <p:cNvPr id="2" name="Imagen 1">
-            <a:extLst>
-              <a:ext uri="{FF2B5EF4-FFF2-40B4-BE49-F238E27FC236}">
-                <a16:creationId xmlns:a16="http://schemas.microsoft.com/office/drawing/2014/main" id="{B72BB210-C09C-432D-A790-FA938B1AF890}"/>
-              </a:ext>
-            </a:extLst>
-          </p:cNvPr>
-          <p:cNvPicPr>
-            <a:picLocks noChangeAspect="1"/>
-          </p:cNvPicPr>
-          <p:nvPr/>
-        </p:nvPicPr>
-        <p:blipFill>
-          <a:blip r:embed="rId3"/>
-          <a:stretch>
-            <a:fillRect/>
-          </a:stretch>
-        </p:blipFill>
-        <p:spPr>
-          <a:xfrm>
-            <a:off x="565197" y="3136617"/>
-            <a:ext cx="8373644" cy="1657581"/>
-          </a:xfrm>
-          <a:prstGeom prst="rect">
-            <a:avLst/>
-          </a:prstGeom>
-        </p:spPr>
-      </p:pic>
-    </p:spTree>
-  </p:cSld>
-  <p:clrMapOvr>
-    <a:masterClrMapping/>
-  </p:clrMapOvr>
-</p:sld>
-</file>
-
-<file path=ppt/slides/slide4.xml><?xml version="1.0" encoding="utf-8"?>
-<p:sld xmlns:a="http://schemas.openxmlformats.org/drawingml/2006/main" xmlns:r="http://schemas.openxmlformats.org/officeDocument/2006/relationships" xmlns:p="http://schemas.openxmlformats.org/presentationml/2006/main">
-  <p:cSld>
-    <p:spTree>
-      <p:nvGrpSpPr>
-        <p:cNvPr id="1" name="Shape 143"/>
-        <p:cNvGrpSpPr/>
-        <p:nvPr/>
-      </p:nvGrpSpPr>
-      <p:grpSpPr>
-        <a:xfrm>
-          <a:off x="0" y="0"/>
-          <a:ext cx="0" cy="0"/>
-          <a:chOff x="0" y="0"/>
-          <a:chExt cx="0" cy="0"/>
-        </a:xfrm>
-      </p:grpSpPr>
-      <p:sp>
-        <p:nvSpPr>
-          <p:cNvPr id="144" name="Google Shape;144;p17"/>
-          <p:cNvSpPr txBox="1"/>
-          <p:nvPr/>
-        </p:nvSpPr>
-        <p:spPr>
-          <a:xfrm>
-            <a:off x="116075" y="1666800"/>
-            <a:ext cx="8137200" cy="695400"/>
-          </a:xfrm>
-          <a:prstGeom prst="rect">
-            <a:avLst/>
-          </a:prstGeom>
-          <a:noFill/>
-          <a:ln>
-            <a:noFill/>
-          </a:ln>
-        </p:spPr>
-        <p:txBody>
-          <a:bodyPr spcFirstLastPara="1" wrap="square" lIns="91425" tIns="91425" rIns="91425" bIns="91425" anchor="ctr" anchorCtr="0">
-            <a:noAutofit/>
-          </a:bodyPr>
-          <a:lstStyle/>
-          <a:p>
-            <a:pPr marL="457200" lvl="0" indent="-342900" algn="l" rtl="0">
-              <a:spcBef>
-                <a:spcPts val="0"/>
-              </a:spcBef>
-              <a:spcAft>
-                <a:spcPts val="0"/>
-              </a:spcAft>
-              <a:buClr>
-                <a:schemeClr val="dk1"/>
-              </a:buClr>
-              <a:buSzPts val="1800"/>
-              <a:buFont typeface="Calibri"/>
-              <a:buChar char="●"/>
-            </a:pPr>
-            <a:r>
-              <a:rPr lang="es-CO" sz="3000" dirty="0" err="1">
-                <a:solidFill>
-                  <a:schemeClr val="dk1"/>
-                </a:solidFill>
-                <a:latin typeface="Calibri"/>
-                <a:ea typeface="Calibri"/>
-                <a:cs typeface="Calibri"/>
-                <a:sym typeface="Calibri"/>
-              </a:rPr>
-              <a:t>Convolution</a:t>
-            </a:r>
-            <a:r>
-              <a:rPr lang="es-CO" sz="3000" dirty="0">
-                <a:solidFill>
-                  <a:schemeClr val="dk1"/>
-                </a:solidFill>
-                <a:latin typeface="Calibri"/>
-                <a:ea typeface="Calibri"/>
-                <a:cs typeface="Calibri"/>
-                <a:sym typeface="Calibri"/>
-              </a:rPr>
-              <a:t> </a:t>
-            </a:r>
-            <a:r>
-              <a:rPr lang="es-CO" sz="3000" dirty="0" err="1">
-                <a:solidFill>
-                  <a:schemeClr val="dk1"/>
-                </a:solidFill>
-                <a:latin typeface="Calibri"/>
-                <a:ea typeface="Calibri"/>
-                <a:cs typeface="Calibri"/>
-                <a:sym typeface="Calibri"/>
-              </a:rPr>
-              <a:t>layer</a:t>
-            </a:r>
-            <a:endParaRPr sz="3000" dirty="0"/>
-          </a:p>
-        </p:txBody>
-      </p:sp>
-      <p:sp>
-        <p:nvSpPr>
-          <p:cNvPr id="147" name="Google Shape;147;p17"/>
-          <p:cNvSpPr txBox="1"/>
-          <p:nvPr/>
-        </p:nvSpPr>
-        <p:spPr>
-          <a:xfrm>
-            <a:off x="609600" y="235863"/>
-            <a:ext cx="8229600" cy="1143000"/>
-          </a:xfrm>
-          <a:prstGeom prst="rect">
-            <a:avLst/>
-          </a:prstGeom>
-          <a:noFill/>
-          <a:ln>
-            <a:noFill/>
-          </a:ln>
-        </p:spPr>
-        <p:txBody>
-          <a:bodyPr spcFirstLastPara="1" wrap="square" lIns="91425" tIns="45700" rIns="91425" bIns="45700" anchor="ctr" anchorCtr="0">
-            <a:noAutofit/>
-          </a:bodyPr>
-          <a:lstStyle/>
-          <a:p>
-            <a:pPr marL="0" marR="0" lvl="0" indent="0" algn="ctr" rtl="0">
-              <a:lnSpc>
-                <a:spcPct val="100000"/>
-              </a:lnSpc>
-              <a:spcBef>
-                <a:spcPts val="0"/>
-              </a:spcBef>
-              <a:spcAft>
-                <a:spcPts val="0"/>
-              </a:spcAft>
-              <a:buClr>
-                <a:schemeClr val="dk1"/>
-              </a:buClr>
-              <a:buSzPts val="4290"/>
-              <a:buFont typeface="Calibri"/>
-              <a:buNone/>
-            </a:pPr>
-            <a:r>
-              <a:rPr lang="es-CO" sz="3600" dirty="0">
-                <a:solidFill>
-                  <a:schemeClr val="dk1"/>
-                </a:solidFill>
-                <a:latin typeface="Calibri"/>
-                <a:ea typeface="Calibri"/>
-                <a:cs typeface="Calibri"/>
-                <a:sym typeface="Calibri"/>
-              </a:rPr>
-              <a:t>Obtención de características</a:t>
-            </a:r>
-            <a:endParaRPr sz="3600" dirty="0">
-              <a:solidFill>
-                <a:schemeClr val="dk1"/>
-              </a:solidFill>
-              <a:latin typeface="Calibri"/>
-              <a:ea typeface="Calibri"/>
-              <a:cs typeface="Calibri"/>
-              <a:sym typeface="Calibri"/>
-            </a:endParaRPr>
-          </a:p>
-        </p:txBody>
-      </p:sp>
-      <p:pic>
-        <p:nvPicPr>
-          <p:cNvPr id="1026" name="Picture 2" descr="PDI-3.2| Convolución en 2D (Filtrado espacial) – Bryan Medina –  Procesamiento digital de imágenes e Inteligencia Artificial.">
-            <a:extLst>
-              <a:ext uri="{FF2B5EF4-FFF2-40B4-BE49-F238E27FC236}">
-                <a16:creationId xmlns:a16="http://schemas.microsoft.com/office/drawing/2014/main" id="{59ED4C84-5E70-4CCA-9D8C-FBB3D05E88B1}"/>
-              </a:ext>
-            </a:extLst>
-          </p:cNvPr>
-          <p:cNvPicPr>
-            <a:picLocks noChangeAspect="1" noChangeArrowheads="1"/>
-          </p:cNvPicPr>
-          <p:nvPr/>
-        </p:nvPicPr>
-        <p:blipFill>
-          <a:blip r:embed="rId3">
-            <a:extLst>
-              <a:ext uri="{28A0092B-C50C-407E-A947-70E740481C1C}">
-                <a14:useLocalDpi xmlns:a14="http://schemas.microsoft.com/office/drawing/2010/main" val="0"/>
-              </a:ext>
-            </a:extLst>
-          </a:blip>
-          <a:srcRect/>
-          <a:stretch>
-            <a:fillRect/>
-          </a:stretch>
-        </p:blipFill>
-        <p:spPr bwMode="auto">
-          <a:xfrm>
-            <a:off x="2516737" y="2204889"/>
-            <a:ext cx="3931321" cy="2236621"/>
-          </a:xfrm>
-          <a:prstGeom prst="rect">
-            <a:avLst/>
-          </a:prstGeom>
-          <a:noFill/>
-          <a:extLst>
-            <a:ext uri="{909E8E84-426E-40DD-AFC4-6F175D3DCCD1}">
-              <a14:hiddenFill xmlns:a14="http://schemas.microsoft.com/office/drawing/2010/main">
-                <a:solidFill>
-                  <a:srgbClr val="FFFFFF"/>
-                </a:solidFill>
-              </a14:hiddenFill>
-            </a:ext>
-          </a:extLst>
-        </p:spPr>
-      </p:pic>
-      <p:sp>
-        <p:nvSpPr>
-          <p:cNvPr id="2" name="Rectángulo: esquinas redondeadas 1">
-            <a:extLst>
-              <a:ext uri="{FF2B5EF4-FFF2-40B4-BE49-F238E27FC236}">
-                <a16:creationId xmlns:a16="http://schemas.microsoft.com/office/drawing/2014/main" id="{E49DE90A-01A8-4647-AA12-40BC4CBC13F7}"/>
-              </a:ext>
-            </a:extLst>
-          </p:cNvPr>
-          <p:cNvSpPr/>
-          <p:nvPr/>
-        </p:nvSpPr>
-        <p:spPr>
-          <a:xfrm>
-            <a:off x="2436625" y="3703237"/>
-            <a:ext cx="1923068" cy="944139"/>
-          </a:xfrm>
-          <a:prstGeom prst="roundRect">
-            <a:avLst/>
-          </a:prstGeom>
-          <a:solidFill>
-            <a:schemeClr val="bg1"/>
-          </a:solidFill>
-          <a:ln>
-            <a:solidFill>
-              <a:schemeClr val="bg1"/>
-            </a:solidFill>
-          </a:ln>
-        </p:spPr>
-        <p:style>
-          <a:lnRef idx="2">
-            <a:schemeClr val="accent1">
-              <a:shade val="50000"/>
-            </a:schemeClr>
-          </a:lnRef>
-          <a:fillRef idx="1">
-            <a:schemeClr val="accent1"/>
-          </a:fillRef>
-          <a:effectRef idx="0">
-            <a:schemeClr val="accent1"/>
-          </a:effectRef>
-          <a:fontRef idx="minor">
-            <a:schemeClr val="lt1"/>
-          </a:fontRef>
-        </p:style>
-        <p:txBody>
-          <a:bodyPr rtlCol="0" anchor="ctr"/>
-          <a:lstStyle/>
-          <a:p>
-            <a:pPr algn="ctr"/>
-            <a:endParaRPr lang="es-CO" dirty="0"/>
-          </a:p>
-        </p:txBody>
-      </p:sp>
-      <p:sp>
-        <p:nvSpPr>
-          <p:cNvPr id="3" name="Elipse 2">
-            <a:extLst>
-              <a:ext uri="{FF2B5EF4-FFF2-40B4-BE49-F238E27FC236}">
-                <a16:creationId xmlns:a16="http://schemas.microsoft.com/office/drawing/2014/main" id="{82A11A55-445C-4252-9BDD-E885986FA89B}"/>
-              </a:ext>
-            </a:extLst>
-          </p:cNvPr>
-          <p:cNvSpPr/>
-          <p:nvPr/>
-        </p:nvSpPr>
-        <p:spPr>
-          <a:xfrm>
-            <a:off x="3720799" y="3392950"/>
-            <a:ext cx="414779" cy="348792"/>
-          </a:xfrm>
-          <a:prstGeom prst="ellipse">
-            <a:avLst/>
-          </a:prstGeom>
-          <a:solidFill>
-            <a:schemeClr val="bg1"/>
-          </a:solidFill>
-          <a:ln>
-            <a:noFill/>
-          </a:ln>
-        </p:spPr>
-        <p:style>
-          <a:lnRef idx="2">
-            <a:schemeClr val="accent1">
-              <a:shade val="50000"/>
-            </a:schemeClr>
-          </a:lnRef>
-          <a:fillRef idx="1">
-            <a:schemeClr val="accent1"/>
-          </a:fillRef>
-          <a:effectRef idx="0">
-            <a:schemeClr val="accent1"/>
-          </a:effectRef>
-          <a:fontRef idx="minor">
-            <a:schemeClr val="lt1"/>
-          </a:fontRef>
-        </p:style>
-        <p:txBody>
-          <a:bodyPr rtlCol="0" anchor="ctr"/>
-          <a:lstStyle/>
-          <a:p>
-            <a:pPr algn="ctr"/>
-            <a:endParaRPr lang="es-CO"/>
-          </a:p>
-        </p:txBody>
-      </p:sp>
-      <p:pic>
-        <p:nvPicPr>
-          <p:cNvPr id="5" name="Imagen 4">
-            <a:extLst>
-              <a:ext uri="{FF2B5EF4-FFF2-40B4-BE49-F238E27FC236}">
-                <a16:creationId xmlns:a16="http://schemas.microsoft.com/office/drawing/2014/main" id="{587A8474-0C26-4845-91F2-AAC3D793F3C8}"/>
-              </a:ext>
-            </a:extLst>
-          </p:cNvPr>
-          <p:cNvPicPr>
-            <a:picLocks noChangeAspect="1"/>
-          </p:cNvPicPr>
-          <p:nvPr/>
-        </p:nvPicPr>
-        <p:blipFill>
-          <a:blip r:embed="rId4"/>
-          <a:stretch>
-            <a:fillRect/>
-          </a:stretch>
-        </p:blipFill>
-        <p:spPr>
-          <a:xfrm>
-            <a:off x="1435442" y="4577006"/>
-            <a:ext cx="1540859" cy="1505751"/>
-          </a:xfrm>
-          <a:prstGeom prst="rect">
-            <a:avLst/>
-          </a:prstGeom>
-        </p:spPr>
-      </p:pic>
-      <p:pic>
-        <p:nvPicPr>
-          <p:cNvPr id="6" name="Imagen 5">
-            <a:extLst>
-              <a:ext uri="{FF2B5EF4-FFF2-40B4-BE49-F238E27FC236}">
-                <a16:creationId xmlns:a16="http://schemas.microsoft.com/office/drawing/2014/main" id="{ADDDD7F1-E9AC-4E5F-86F8-49864B52BFD7}"/>
-              </a:ext>
-            </a:extLst>
-          </p:cNvPr>
-          <p:cNvPicPr>
-            <a:picLocks noChangeAspect="1"/>
-          </p:cNvPicPr>
-          <p:nvPr/>
-        </p:nvPicPr>
-        <p:blipFill>
-          <a:blip r:embed="rId5"/>
-          <a:stretch>
-            <a:fillRect/>
-          </a:stretch>
-        </p:blipFill>
-        <p:spPr>
-          <a:xfrm>
-            <a:off x="3720799" y="4777879"/>
-            <a:ext cx="851201" cy="700001"/>
-          </a:xfrm>
-          <a:prstGeom prst="rect">
-            <a:avLst/>
-          </a:prstGeom>
-        </p:spPr>
-      </p:pic>
-      <p:pic>
-        <p:nvPicPr>
-          <p:cNvPr id="7" name="Imagen 6">
-            <a:extLst>
-              <a:ext uri="{FF2B5EF4-FFF2-40B4-BE49-F238E27FC236}">
-                <a16:creationId xmlns:a16="http://schemas.microsoft.com/office/drawing/2014/main" id="{00F1775D-C331-4B4E-879C-ECD8192044BA}"/>
-              </a:ext>
-            </a:extLst>
-          </p:cNvPr>
-          <p:cNvPicPr>
-            <a:picLocks noChangeAspect="1"/>
-          </p:cNvPicPr>
-          <p:nvPr/>
-        </p:nvPicPr>
-        <p:blipFill>
-          <a:blip r:embed="rId6"/>
-          <a:stretch>
-            <a:fillRect/>
-          </a:stretch>
-        </p:blipFill>
-        <p:spPr>
-          <a:xfrm>
-            <a:off x="5203376" y="4441510"/>
-            <a:ext cx="1649557" cy="1641247"/>
-          </a:xfrm>
-          <a:prstGeom prst="rect">
-            <a:avLst/>
-          </a:prstGeom>
-        </p:spPr>
-      </p:pic>
-      <p:sp>
-        <p:nvSpPr>
-          <p:cNvPr id="8" name="Flecha: a la derecha 7">
-            <a:extLst>
-              <a:ext uri="{FF2B5EF4-FFF2-40B4-BE49-F238E27FC236}">
-                <a16:creationId xmlns:a16="http://schemas.microsoft.com/office/drawing/2014/main" id="{0A86B44D-46A8-40E3-879E-B599CBA893D0}"/>
-              </a:ext>
-            </a:extLst>
-          </p:cNvPr>
-          <p:cNvSpPr/>
-          <p:nvPr/>
-        </p:nvSpPr>
-        <p:spPr>
-          <a:xfrm>
-            <a:off x="3582186" y="5646656"/>
-            <a:ext cx="1150070" cy="197963"/>
-          </a:xfrm>
-          <a:prstGeom prst="rightArrow">
-            <a:avLst/>
-          </a:prstGeom>
-        </p:spPr>
-        <p:style>
-          <a:lnRef idx="2">
-            <a:schemeClr val="dk1">
-              <a:shade val="50000"/>
-            </a:schemeClr>
-          </a:lnRef>
-          <a:fillRef idx="1">
-            <a:schemeClr val="dk1"/>
-          </a:fillRef>
-          <a:effectRef idx="0">
-            <a:schemeClr val="dk1"/>
-          </a:effectRef>
-          <a:fontRef idx="minor">
-            <a:schemeClr val="lt1"/>
-          </a:fontRef>
-        </p:style>
-        <p:txBody>
-          <a:bodyPr rtlCol="0" anchor="ctr"/>
-          <a:lstStyle/>
-          <a:p>
-            <a:pPr algn="ctr"/>
-            <a:endParaRPr lang="es-CO"/>
-          </a:p>
-        </p:txBody>
-      </p:sp>
-    </p:spTree>
-  </p:cSld>
-  <p:clrMapOvr>
-    <a:masterClrMapping/>
-  </p:clrMapOvr>
-</p:sld>
-</file>
-
-<file path=ppt/slides/slide5.xml><?xml version="1.0" encoding="utf-8"?>
-<p:sld xmlns:a="http://schemas.openxmlformats.org/drawingml/2006/main" xmlns:r="http://schemas.openxmlformats.org/officeDocument/2006/relationships" xmlns:p="http://schemas.openxmlformats.org/presentationml/2006/main">
-  <p:cSld>
-    <p:spTree>
-      <p:nvGrpSpPr>
-        <p:cNvPr id="1" name="Shape 143"/>
-        <p:cNvGrpSpPr/>
-        <p:nvPr/>
-      </p:nvGrpSpPr>
-      <p:grpSpPr>
-        <a:xfrm>
-          <a:off x="0" y="0"/>
-          <a:ext cx="0" cy="0"/>
-          <a:chOff x="0" y="0"/>
-          <a:chExt cx="0" cy="0"/>
-        </a:xfrm>
-      </p:grpSpPr>
-      <p:sp>
-        <p:nvSpPr>
-          <p:cNvPr id="144" name="Google Shape;144;p17"/>
-          <p:cNvSpPr txBox="1"/>
-          <p:nvPr/>
-        </p:nvSpPr>
-        <p:spPr>
-          <a:xfrm>
-            <a:off x="116075" y="1666800"/>
-            <a:ext cx="8137200" cy="695400"/>
-          </a:xfrm>
-          <a:prstGeom prst="rect">
-            <a:avLst/>
-          </a:prstGeom>
-          <a:noFill/>
-          <a:ln>
-            <a:noFill/>
-          </a:ln>
-        </p:spPr>
-        <p:txBody>
-          <a:bodyPr spcFirstLastPara="1" wrap="square" lIns="91425" tIns="91425" rIns="91425" bIns="91425" anchor="ctr" anchorCtr="0">
-            <a:noAutofit/>
-          </a:bodyPr>
-          <a:lstStyle/>
-          <a:p>
-            <a:pPr marL="457200" lvl="0" indent="-342900" algn="l" rtl="0">
-              <a:spcBef>
-                <a:spcPts val="0"/>
-              </a:spcBef>
-              <a:spcAft>
-                <a:spcPts val="0"/>
-              </a:spcAft>
-              <a:buClr>
-                <a:schemeClr val="dk1"/>
-              </a:buClr>
-              <a:buSzPts val="1800"/>
-              <a:buFont typeface="Calibri"/>
-              <a:buChar char="●"/>
-            </a:pPr>
-            <a:r>
-              <a:rPr lang="es-CO" sz="3000" dirty="0" err="1">
-                <a:solidFill>
-                  <a:schemeClr val="dk1"/>
-                </a:solidFill>
-                <a:latin typeface="Calibri"/>
-                <a:ea typeface="Calibri"/>
-                <a:cs typeface="Calibri"/>
-                <a:sym typeface="Calibri"/>
-              </a:rPr>
-              <a:t>Pooling</a:t>
-            </a:r>
-            <a:r>
-              <a:rPr lang="es-CO" sz="3000" dirty="0">
-                <a:solidFill>
-                  <a:schemeClr val="dk1"/>
-                </a:solidFill>
-                <a:latin typeface="Calibri"/>
-                <a:ea typeface="Calibri"/>
-                <a:cs typeface="Calibri"/>
-                <a:sym typeface="Calibri"/>
-              </a:rPr>
-              <a:t> </a:t>
-            </a:r>
-            <a:r>
-              <a:rPr lang="es-CO" sz="3000" dirty="0" err="1">
-                <a:solidFill>
-                  <a:schemeClr val="dk1"/>
-                </a:solidFill>
-                <a:latin typeface="Calibri"/>
-                <a:ea typeface="Calibri"/>
-                <a:cs typeface="Calibri"/>
-                <a:sym typeface="Calibri"/>
-              </a:rPr>
-              <a:t>layer</a:t>
-            </a:r>
-            <a:endParaRPr sz="3000" dirty="0"/>
-          </a:p>
-        </p:txBody>
-      </p:sp>
-      <p:sp>
-        <p:nvSpPr>
-          <p:cNvPr id="147" name="Google Shape;147;p17"/>
-          <p:cNvSpPr txBox="1"/>
-          <p:nvPr/>
-        </p:nvSpPr>
-        <p:spPr>
-          <a:xfrm>
-            <a:off x="609600" y="235863"/>
-            <a:ext cx="8229600" cy="1143000"/>
-          </a:xfrm>
-          <a:prstGeom prst="rect">
-            <a:avLst/>
-          </a:prstGeom>
-          <a:noFill/>
-          <a:ln>
-            <a:noFill/>
-          </a:ln>
-        </p:spPr>
-        <p:txBody>
-          <a:bodyPr spcFirstLastPara="1" wrap="square" lIns="91425" tIns="45700" rIns="91425" bIns="45700" anchor="ctr" anchorCtr="0">
-            <a:noAutofit/>
-          </a:bodyPr>
-          <a:lstStyle/>
-          <a:p>
-            <a:pPr marL="0" marR="0" lvl="0" indent="0" algn="ctr" rtl="0">
-              <a:lnSpc>
-                <a:spcPct val="100000"/>
-              </a:lnSpc>
-              <a:spcBef>
-                <a:spcPts val="0"/>
-              </a:spcBef>
-              <a:spcAft>
-                <a:spcPts val="0"/>
-              </a:spcAft>
-              <a:buClr>
-                <a:schemeClr val="dk1"/>
-              </a:buClr>
-              <a:buSzPts val="4290"/>
-              <a:buFont typeface="Calibri"/>
-              <a:buNone/>
-            </a:pPr>
-            <a:r>
-              <a:rPr lang="es-CO" sz="3600" dirty="0">
-                <a:solidFill>
-                  <a:schemeClr val="dk1"/>
-                </a:solidFill>
-                <a:latin typeface="Calibri"/>
-                <a:ea typeface="Calibri"/>
-                <a:cs typeface="Calibri"/>
-                <a:sym typeface="Calibri"/>
-              </a:rPr>
-              <a:t>Obtención de características</a:t>
-            </a:r>
-            <a:endParaRPr sz="3600" dirty="0">
-              <a:solidFill>
-                <a:schemeClr val="dk1"/>
-              </a:solidFill>
-              <a:latin typeface="Calibri"/>
-              <a:ea typeface="Calibri"/>
-              <a:cs typeface="Calibri"/>
-              <a:sym typeface="Calibri"/>
-            </a:endParaRPr>
-          </a:p>
-        </p:txBody>
-      </p:sp>
-      <p:sp>
-        <p:nvSpPr>
-          <p:cNvPr id="2" name="Rectángulo: esquinas redondeadas 1">
-            <a:extLst>
-              <a:ext uri="{FF2B5EF4-FFF2-40B4-BE49-F238E27FC236}">
-                <a16:creationId xmlns:a16="http://schemas.microsoft.com/office/drawing/2014/main" id="{E49DE90A-01A8-4647-AA12-40BC4CBC13F7}"/>
-              </a:ext>
-            </a:extLst>
-          </p:cNvPr>
-          <p:cNvSpPr/>
-          <p:nvPr/>
-        </p:nvSpPr>
-        <p:spPr>
-          <a:xfrm>
-            <a:off x="282804" y="3846136"/>
-            <a:ext cx="1923068" cy="944139"/>
-          </a:xfrm>
-          <a:prstGeom prst="roundRect">
-            <a:avLst/>
-          </a:prstGeom>
-          <a:solidFill>
-            <a:schemeClr val="bg1"/>
-          </a:solidFill>
-          <a:ln>
-            <a:solidFill>
-              <a:schemeClr val="bg1"/>
-            </a:solidFill>
-          </a:ln>
-        </p:spPr>
-        <p:style>
-          <a:lnRef idx="2">
-            <a:schemeClr val="accent1">
-              <a:shade val="50000"/>
-            </a:schemeClr>
-          </a:lnRef>
-          <a:fillRef idx="1">
-            <a:schemeClr val="accent1"/>
-          </a:fillRef>
-          <a:effectRef idx="0">
-            <a:schemeClr val="accent1"/>
-          </a:effectRef>
-          <a:fontRef idx="minor">
-            <a:schemeClr val="lt1"/>
-          </a:fontRef>
-        </p:style>
-        <p:txBody>
-          <a:bodyPr rtlCol="0" anchor="ctr"/>
-          <a:lstStyle/>
-          <a:p>
-            <a:pPr algn="ctr"/>
-            <a:endParaRPr lang="es-CO"/>
-          </a:p>
-        </p:txBody>
-      </p:sp>
-      <p:sp>
-        <p:nvSpPr>
-          <p:cNvPr id="3" name="Elipse 2">
-            <a:extLst>
-              <a:ext uri="{FF2B5EF4-FFF2-40B4-BE49-F238E27FC236}">
-                <a16:creationId xmlns:a16="http://schemas.microsoft.com/office/drawing/2014/main" id="{82A11A55-445C-4252-9BDD-E885986FA89B}"/>
-              </a:ext>
-            </a:extLst>
-          </p:cNvPr>
-          <p:cNvSpPr/>
-          <p:nvPr/>
-        </p:nvSpPr>
-        <p:spPr>
-          <a:xfrm>
-            <a:off x="1508289" y="3648173"/>
-            <a:ext cx="414779" cy="348792"/>
-          </a:xfrm>
-          <a:prstGeom prst="ellipse">
-            <a:avLst/>
-          </a:prstGeom>
-          <a:solidFill>
-            <a:schemeClr val="bg1"/>
-          </a:solidFill>
-          <a:ln>
-            <a:noFill/>
-          </a:ln>
-        </p:spPr>
-        <p:style>
-          <a:lnRef idx="2">
-            <a:schemeClr val="accent1">
-              <a:shade val="50000"/>
-            </a:schemeClr>
-          </a:lnRef>
-          <a:fillRef idx="1">
-            <a:schemeClr val="accent1"/>
-          </a:fillRef>
-          <a:effectRef idx="0">
-            <a:schemeClr val="accent1"/>
-          </a:effectRef>
-          <a:fontRef idx="minor">
-            <a:schemeClr val="lt1"/>
-          </a:fontRef>
-        </p:style>
-        <p:txBody>
-          <a:bodyPr rtlCol="0" anchor="ctr"/>
-          <a:lstStyle/>
-          <a:p>
-            <a:pPr algn="ctr"/>
-            <a:endParaRPr lang="es-CO"/>
-          </a:p>
-        </p:txBody>
-      </p:sp>
-      <p:pic>
-        <p:nvPicPr>
-          <p:cNvPr id="2050" name="Picture 2" descr="Max-pooling / Pooling - Computer Science Wiki">
-            <a:extLst>
-              <a:ext uri="{FF2B5EF4-FFF2-40B4-BE49-F238E27FC236}">
-                <a16:creationId xmlns:a16="http://schemas.microsoft.com/office/drawing/2014/main" id="{7033E51F-A8F8-4639-878D-981F35851B16}"/>
-              </a:ext>
-            </a:extLst>
-          </p:cNvPr>
-          <p:cNvPicPr>
-            <a:picLocks noChangeAspect="1" noChangeArrowheads="1"/>
-          </p:cNvPicPr>
-          <p:nvPr/>
-        </p:nvPicPr>
-        <p:blipFill>
-          <a:blip r:embed="rId3">
-            <a:extLst>
-              <a:ext uri="{28A0092B-C50C-407E-A947-70E740481C1C}">
-                <a14:useLocalDpi xmlns:a14="http://schemas.microsoft.com/office/drawing/2010/main" val="0"/>
-              </a:ext>
-            </a:extLst>
-          </a:blip>
-          <a:srcRect/>
-          <a:stretch>
-            <a:fillRect/>
-          </a:stretch>
-        </p:blipFill>
-        <p:spPr bwMode="auto">
-          <a:xfrm>
-            <a:off x="833247" y="2650137"/>
-            <a:ext cx="3738753" cy="2459085"/>
-          </a:xfrm>
-          <a:prstGeom prst="rect">
-            <a:avLst/>
-          </a:prstGeom>
-          <a:noFill/>
-          <a:extLst>
-            <a:ext uri="{909E8E84-426E-40DD-AFC4-6F175D3DCCD1}">
-              <a14:hiddenFill xmlns:a14="http://schemas.microsoft.com/office/drawing/2010/main">
-                <a:solidFill>
-                  <a:srgbClr val="FFFFFF"/>
-                </a:solidFill>
-              </a14:hiddenFill>
-            </a:ext>
-          </a:extLst>
-        </p:spPr>
-      </p:pic>
-      <p:pic>
-        <p:nvPicPr>
-          <p:cNvPr id="2052" name="Picture 4" descr="Schematic representation of a convolution-and pooling layer in a CNN. |  Download Scientific Diagram">
-            <a:extLst>
-              <a:ext uri="{FF2B5EF4-FFF2-40B4-BE49-F238E27FC236}">
-                <a16:creationId xmlns:a16="http://schemas.microsoft.com/office/drawing/2014/main" id="{FFD71C30-CF8B-48A0-A956-F3DB0A118C9C}"/>
-              </a:ext>
-            </a:extLst>
-          </p:cNvPr>
-          <p:cNvPicPr>
-            <a:picLocks noChangeAspect="1" noChangeArrowheads="1"/>
-          </p:cNvPicPr>
-          <p:nvPr/>
-        </p:nvPicPr>
-        <p:blipFill>
-          <a:blip r:embed="rId4">
-            <a:extLst>
-              <a:ext uri="{28A0092B-C50C-407E-A947-70E740481C1C}">
-                <a14:useLocalDpi xmlns:a14="http://schemas.microsoft.com/office/drawing/2010/main" val="0"/>
-              </a:ext>
-            </a:extLst>
-          </a:blip>
-          <a:srcRect/>
-          <a:stretch>
-            <a:fillRect/>
-          </a:stretch>
-        </p:blipFill>
-        <p:spPr bwMode="auto">
-          <a:xfrm>
-            <a:off x="4467123" y="2770799"/>
-            <a:ext cx="4042894" cy="2216458"/>
-          </a:xfrm>
-          <a:prstGeom prst="rect">
-            <a:avLst/>
-          </a:prstGeom>
-          <a:noFill/>
-          <a:extLst>
-            <a:ext uri="{909E8E84-426E-40DD-AFC4-6F175D3DCCD1}">
-              <a14:hiddenFill xmlns:a14="http://schemas.microsoft.com/office/drawing/2010/main">
-                <a:solidFill>
-                  <a:srgbClr val="FFFFFF"/>
-                </a:solidFill>
-              </a14:hiddenFill>
-            </a:ext>
-          </a:extLst>
-        </p:spPr>
-      </p:pic>
-    </p:spTree>
-    <p:extLst>
-      <p:ext uri="{BB962C8B-B14F-4D97-AF65-F5344CB8AC3E}">
-        <p14:creationId xmlns:p14="http://schemas.microsoft.com/office/powerpoint/2010/main" val="1249892577"/>
-      </p:ext>
-    </p:extLst>
-  </p:cSld>
-  <p:clrMapOvr>
-    <a:masterClrMapping/>
-  </p:clrMapOvr>
-</p:sld>
-</file>
-
-<file path=ppt/slides/slide6.xml><?xml version="1.0" encoding="utf-8"?>
-<p:sld xmlns:a="http://schemas.openxmlformats.org/drawingml/2006/main" xmlns:r="http://schemas.openxmlformats.org/officeDocument/2006/relationships" xmlns:p="http://schemas.openxmlformats.org/presentationml/2006/main">
-  <p:cSld>
-    <p:spTree>
-      <p:nvGrpSpPr>
-        <p:cNvPr id="1" name="Shape 154"/>
-        <p:cNvGrpSpPr/>
-        <p:nvPr/>
-      </p:nvGrpSpPr>
-      <p:grpSpPr>
-        <a:xfrm>
-          <a:off x="0" y="0"/>
-          <a:ext cx="0" cy="0"/>
-          <a:chOff x="0" y="0"/>
-          <a:chExt cx="0" cy="0"/>
-        </a:xfrm>
-      </p:grpSpPr>
-      <p:sp>
-        <p:nvSpPr>
-          <p:cNvPr id="155" name="Google Shape;155;p18"/>
-          <p:cNvSpPr txBox="1"/>
-          <p:nvPr/>
-        </p:nvSpPr>
-        <p:spPr>
-          <a:xfrm>
-            <a:off x="960475" y="363238"/>
-            <a:ext cx="8229600" cy="1143000"/>
-          </a:xfrm>
-          <a:prstGeom prst="rect">
-            <a:avLst/>
-          </a:prstGeom>
-          <a:noFill/>
-          <a:ln>
-            <a:noFill/>
-          </a:ln>
-        </p:spPr>
-        <p:txBody>
-          <a:bodyPr spcFirstLastPara="1" wrap="square" lIns="91425" tIns="45700" rIns="91425" bIns="45700" anchor="ctr" anchorCtr="0">
-            <a:noAutofit/>
-          </a:bodyPr>
-          <a:lstStyle/>
-          <a:p>
-            <a:pPr marL="0" marR="0" lvl="0" indent="0" algn="ctr" rtl="0">
-              <a:lnSpc>
-                <a:spcPct val="100000"/>
-              </a:lnSpc>
-              <a:spcBef>
-                <a:spcPts val="0"/>
-              </a:spcBef>
-              <a:spcAft>
-                <a:spcPts val="0"/>
-              </a:spcAft>
-              <a:buClr>
-                <a:schemeClr val="dk1"/>
-              </a:buClr>
-              <a:buSzPts val="4290"/>
-              <a:buFont typeface="Calibri"/>
-              <a:buNone/>
-            </a:pPr>
-            <a:r>
-              <a:rPr lang="es-CO" sz="3600" dirty="0">
-                <a:solidFill>
-                  <a:schemeClr val="dk1"/>
-                </a:solidFill>
-                <a:latin typeface="Calibri"/>
-                <a:ea typeface="Calibri"/>
-                <a:cs typeface="Calibri"/>
-                <a:sym typeface="Calibri"/>
-              </a:rPr>
-              <a:t>Clasificación </a:t>
-            </a:r>
-            <a:endParaRPr sz="3600" dirty="0">
-              <a:solidFill>
-                <a:schemeClr val="dk1"/>
-              </a:solidFill>
-              <a:latin typeface="Calibri"/>
-              <a:ea typeface="Calibri"/>
-              <a:cs typeface="Calibri"/>
-              <a:sym typeface="Calibri"/>
-            </a:endParaRPr>
-          </a:p>
-        </p:txBody>
-      </p:sp>
-      <p:sp>
-        <p:nvSpPr>
-          <p:cNvPr id="156" name="Google Shape;156;p18"/>
-          <p:cNvSpPr txBox="1"/>
-          <p:nvPr/>
-        </p:nvSpPr>
-        <p:spPr>
-          <a:xfrm>
-            <a:off x="116075" y="1666800"/>
-            <a:ext cx="8794200" cy="695400"/>
-          </a:xfrm>
-          <a:prstGeom prst="rect">
-            <a:avLst/>
-          </a:prstGeom>
-          <a:noFill/>
-          <a:ln>
-            <a:noFill/>
-          </a:ln>
-        </p:spPr>
-        <p:txBody>
-          <a:bodyPr spcFirstLastPara="1" wrap="square" lIns="91425" tIns="91425" rIns="91425" bIns="91425" anchor="ctr" anchorCtr="0">
-            <a:noAutofit/>
-          </a:bodyPr>
-          <a:lstStyle/>
-          <a:p>
-            <a:pPr marL="457200" lvl="0" indent="-342900" algn="l" rtl="0">
-              <a:spcBef>
-                <a:spcPts val="0"/>
-              </a:spcBef>
-              <a:spcAft>
-                <a:spcPts val="0"/>
-              </a:spcAft>
-              <a:buClr>
-                <a:schemeClr val="dk1"/>
-              </a:buClr>
-              <a:buSzPts val="1800"/>
-              <a:buFont typeface="Calibri"/>
-              <a:buChar char="●"/>
-            </a:pPr>
-            <a:r>
-              <a:rPr lang="es-CO" sz="3000" dirty="0" err="1">
-                <a:solidFill>
-                  <a:schemeClr val="dk1"/>
-                </a:solidFill>
-                <a:latin typeface="Calibri"/>
-                <a:ea typeface="Calibri"/>
-                <a:cs typeface="Calibri"/>
-                <a:sym typeface="Calibri"/>
-              </a:rPr>
-              <a:t>Fully</a:t>
-            </a:r>
-            <a:r>
-              <a:rPr lang="es-CO" sz="3000" dirty="0">
-                <a:solidFill>
-                  <a:schemeClr val="dk1"/>
-                </a:solidFill>
-                <a:latin typeface="Calibri"/>
-                <a:ea typeface="Calibri"/>
-                <a:cs typeface="Calibri"/>
-                <a:sym typeface="Calibri"/>
-              </a:rPr>
-              <a:t> </a:t>
-            </a:r>
-            <a:r>
-              <a:rPr lang="es-CO" sz="3000" dirty="0" err="1">
-                <a:solidFill>
-                  <a:schemeClr val="dk1"/>
-                </a:solidFill>
-                <a:latin typeface="Calibri"/>
-                <a:ea typeface="Calibri"/>
-                <a:cs typeface="Calibri"/>
-                <a:sym typeface="Calibri"/>
-              </a:rPr>
-              <a:t>Connected</a:t>
-            </a:r>
-            <a:r>
-              <a:rPr lang="es-CO" sz="3000" dirty="0">
-                <a:solidFill>
-                  <a:schemeClr val="dk1"/>
-                </a:solidFill>
-                <a:latin typeface="Calibri"/>
-                <a:ea typeface="Calibri"/>
-                <a:cs typeface="Calibri"/>
-                <a:sym typeface="Calibri"/>
-              </a:rPr>
-              <a:t> </a:t>
-            </a:r>
-            <a:r>
-              <a:rPr lang="es-CO" sz="3000" dirty="0" err="1">
-                <a:solidFill>
-                  <a:schemeClr val="dk1"/>
-                </a:solidFill>
-                <a:latin typeface="Calibri"/>
-                <a:ea typeface="Calibri"/>
-                <a:cs typeface="Calibri"/>
-                <a:sym typeface="Calibri"/>
-              </a:rPr>
-              <a:t>Layer</a:t>
-            </a:r>
-            <a:r>
-              <a:rPr lang="es-CO" sz="3000" dirty="0">
-                <a:solidFill>
-                  <a:schemeClr val="dk1"/>
-                </a:solidFill>
-                <a:latin typeface="Calibri"/>
-                <a:ea typeface="Calibri"/>
-                <a:cs typeface="Calibri"/>
-                <a:sym typeface="Calibri"/>
-              </a:rPr>
-              <a:t> </a:t>
-            </a:r>
-            <a:r>
-              <a:rPr lang="es-CO" sz="3000" dirty="0" err="1">
-                <a:solidFill>
-                  <a:schemeClr val="dk1"/>
-                </a:solidFill>
-                <a:latin typeface="Calibri"/>
-                <a:ea typeface="Calibri"/>
-                <a:cs typeface="Calibri"/>
-                <a:sym typeface="Calibri"/>
-              </a:rPr>
-              <a:t>or</a:t>
-            </a:r>
-            <a:r>
-              <a:rPr lang="es-CO" sz="3000" dirty="0">
-                <a:solidFill>
-                  <a:schemeClr val="dk1"/>
-                </a:solidFill>
-                <a:latin typeface="Calibri"/>
-                <a:ea typeface="Calibri"/>
-                <a:cs typeface="Calibri"/>
-                <a:sym typeface="Calibri"/>
-              </a:rPr>
-              <a:t> ANN</a:t>
-            </a:r>
-            <a:endParaRPr sz="3000" dirty="0"/>
-          </a:p>
-        </p:txBody>
-      </p:sp>
-      <p:pic>
-        <p:nvPicPr>
-          <p:cNvPr id="3074" name="Picture 2" descr="DeepXplore: Automated Whitebox Testing of Deep Learning Systems | November  2019 | Communications of the ACM">
-            <a:extLst>
-              <a:ext uri="{FF2B5EF4-FFF2-40B4-BE49-F238E27FC236}">
-                <a16:creationId xmlns:a16="http://schemas.microsoft.com/office/drawing/2014/main" id="{8122A6EE-2497-4F4B-BAA1-6B15C4C4CACD}"/>
-              </a:ext>
-            </a:extLst>
-          </p:cNvPr>
-          <p:cNvPicPr>
-            <a:picLocks noChangeAspect="1" noChangeArrowheads="1"/>
-          </p:cNvPicPr>
-          <p:nvPr/>
-        </p:nvPicPr>
-        <p:blipFill>
-          <a:blip r:embed="rId3">
-            <a:extLst>
-              <a:ext uri="{28A0092B-C50C-407E-A947-70E740481C1C}">
-                <a14:useLocalDpi xmlns:a14="http://schemas.microsoft.com/office/drawing/2010/main" val="0"/>
-              </a:ext>
-            </a:extLst>
-          </a:blip>
-          <a:srcRect/>
-          <a:stretch>
-            <a:fillRect/>
-          </a:stretch>
-        </p:blipFill>
-        <p:spPr bwMode="auto">
-          <a:xfrm>
-            <a:off x="1055600" y="2295600"/>
-            <a:ext cx="6915150" cy="2895600"/>
-          </a:xfrm>
-          <a:prstGeom prst="rect">
-            <a:avLst/>
-          </a:prstGeom>
-          <a:noFill/>
-          <a:extLst>
-            <a:ext uri="{909E8E84-426E-40DD-AFC4-6F175D3DCCD1}">
-              <a14:hiddenFill xmlns:a14="http://schemas.microsoft.com/office/drawing/2010/main">
-                <a:solidFill>
-                  <a:srgbClr val="FFFFFF"/>
-                </a:solidFill>
-              </a14:hiddenFill>
-            </a:ext>
-          </a:extLst>
-        </p:spPr>
-      </p:pic>
-      <p:pic>
-        <p:nvPicPr>
-          <p:cNvPr id="3076" name="Picture 4" descr="Aprendizaje profundo: una introducción - Turingnianos">
-            <a:extLst>
-              <a:ext uri="{FF2B5EF4-FFF2-40B4-BE49-F238E27FC236}">
-                <a16:creationId xmlns:a16="http://schemas.microsoft.com/office/drawing/2014/main" id="{0330F242-FBF9-4533-9EB4-E6CE892F32D9}"/>
-              </a:ext>
-            </a:extLst>
-          </p:cNvPr>
-          <p:cNvPicPr>
-            <a:picLocks noChangeAspect="1" noChangeArrowheads="1"/>
-          </p:cNvPicPr>
-          <p:nvPr/>
-        </p:nvPicPr>
-        <p:blipFill>
-          <a:blip r:embed="rId4">
-            <a:extLst>
-              <a:ext uri="{28A0092B-C50C-407E-A947-70E740481C1C}">
-                <a14:useLocalDpi xmlns:a14="http://schemas.microsoft.com/office/drawing/2010/main" val="0"/>
-              </a:ext>
-            </a:extLst>
-          </a:blip>
-          <a:srcRect/>
-          <a:stretch>
-            <a:fillRect/>
-          </a:stretch>
-        </p:blipFill>
-        <p:spPr bwMode="auto">
-          <a:xfrm>
-            <a:off x="5608948" y="5191200"/>
-            <a:ext cx="1989056" cy="1069118"/>
-          </a:xfrm>
-          <a:prstGeom prst="rect">
-            <a:avLst/>
-          </a:prstGeom>
-          <a:noFill/>
-          <a:extLst>
-            <a:ext uri="{909E8E84-426E-40DD-AFC4-6F175D3DCCD1}">
-              <a14:hiddenFill xmlns:a14="http://schemas.microsoft.com/office/drawing/2010/main">
-                <a:solidFill>
-                  <a:srgbClr val="FFFFFF"/>
-                </a:solidFill>
-              </a14:hiddenFill>
-            </a:ext>
-          </a:extLst>
-        </p:spPr>
-      </p:pic>
-    </p:spTree>
-  </p:cSld>
-  <p:clrMapOvr>
-    <a:masterClrMapping/>
-  </p:clrMapOvr>
-</p:sld>
-</file>
-
-<file path=ppt/slides/slide7.xml><?xml version="1.0" encoding="utf-8"?>
-<p:sld xmlns:a="http://schemas.openxmlformats.org/drawingml/2006/main" xmlns:r="http://schemas.openxmlformats.org/officeDocument/2006/relationships" xmlns:p="http://schemas.openxmlformats.org/presentationml/2006/main">
-  <p:cSld>
-    <p:spTree>
-      <p:nvGrpSpPr>
-        <p:cNvPr id="1" name="Shape 165"/>
-        <p:cNvGrpSpPr/>
-        <p:nvPr/>
-      </p:nvGrpSpPr>
-      <p:grpSpPr>
-        <a:xfrm>
-          <a:off x="0" y="0"/>
-          <a:ext cx="0" cy="0"/>
-          <a:chOff x="0" y="0"/>
-          <a:chExt cx="0" cy="0"/>
-        </a:xfrm>
-      </p:grpSpPr>
-      <p:sp>
-        <p:nvSpPr>
-          <p:cNvPr id="166" name="Google Shape;166;p19"/>
-          <p:cNvSpPr txBox="1"/>
-          <p:nvPr/>
-        </p:nvSpPr>
-        <p:spPr>
-          <a:xfrm>
-            <a:off x="505536" y="100362"/>
-            <a:ext cx="8229600" cy="1143000"/>
-          </a:xfrm>
-          <a:prstGeom prst="rect">
-            <a:avLst/>
-          </a:prstGeom>
-          <a:noFill/>
-          <a:ln>
-            <a:noFill/>
-          </a:ln>
-        </p:spPr>
-        <p:txBody>
-          <a:bodyPr spcFirstLastPara="1" wrap="square" lIns="91425" tIns="45700" rIns="91425" bIns="45700" anchor="ctr" anchorCtr="0">
-            <a:noAutofit/>
-          </a:bodyPr>
-          <a:lstStyle/>
-          <a:p>
-            <a:pPr marL="0" marR="0" lvl="0" indent="0" algn="ctr" rtl="0">
-              <a:lnSpc>
-                <a:spcPct val="100000"/>
-              </a:lnSpc>
-              <a:spcBef>
-                <a:spcPts val="0"/>
-              </a:spcBef>
-              <a:spcAft>
-                <a:spcPts val="0"/>
-              </a:spcAft>
-              <a:buClr>
-                <a:schemeClr val="dk1"/>
-              </a:buClr>
-              <a:buSzPts val="4290"/>
-              <a:buFont typeface="Calibri"/>
-              <a:buNone/>
-            </a:pPr>
-            <a:r>
-              <a:rPr lang="es-CO" sz="4290" b="0" i="0" u="none" strike="noStrike" cap="none" dirty="0">
-                <a:solidFill>
-                  <a:schemeClr val="dk1"/>
-                </a:solidFill>
-                <a:latin typeface="Calibri"/>
-                <a:ea typeface="Calibri"/>
-                <a:cs typeface="Calibri"/>
-                <a:sym typeface="Calibri"/>
-              </a:rPr>
-              <a:t>Propuesta de Solución</a:t>
-            </a:r>
-          </a:p>
-          <a:p>
-            <a:pPr marL="0" marR="0" lvl="0" indent="0" algn="ctr" rtl="0">
-              <a:lnSpc>
-                <a:spcPct val="100000"/>
-              </a:lnSpc>
-              <a:spcBef>
-                <a:spcPts val="0"/>
-              </a:spcBef>
-              <a:spcAft>
-                <a:spcPts val="0"/>
-              </a:spcAft>
-              <a:buClr>
-                <a:schemeClr val="dk1"/>
-              </a:buClr>
-              <a:buSzPts val="4290"/>
-              <a:buFont typeface="Calibri"/>
-              <a:buNone/>
-            </a:pPr>
-            <a:r>
-              <a:rPr lang="es-CO" sz="4290" dirty="0">
-                <a:solidFill>
-                  <a:schemeClr val="dk1"/>
-                </a:solidFill>
-                <a:latin typeface="Calibri"/>
-                <a:ea typeface="Calibri"/>
-                <a:cs typeface="Calibri"/>
-                <a:sym typeface="Calibri"/>
-              </a:rPr>
-              <a:t>Interfaz de usuario </a:t>
-            </a:r>
-            <a:endParaRPr sz="4290" b="0" i="0" u="none" strike="noStrike" cap="none" dirty="0">
-              <a:solidFill>
-                <a:schemeClr val="dk1"/>
-              </a:solidFill>
-              <a:latin typeface="Calibri"/>
-              <a:ea typeface="Calibri"/>
-              <a:cs typeface="Calibri"/>
-              <a:sym typeface="Calibri"/>
-            </a:endParaRPr>
-          </a:p>
-        </p:txBody>
-      </p:sp>
-      <p:sp>
-        <p:nvSpPr>
-          <p:cNvPr id="2" name="Rectángulo: esquinas redondeadas 1">
-            <a:extLst>
-              <a:ext uri="{FF2B5EF4-FFF2-40B4-BE49-F238E27FC236}">
-                <a16:creationId xmlns:a16="http://schemas.microsoft.com/office/drawing/2014/main" id="{763A702F-1A4C-4ADB-9C08-6A15964BAF95}"/>
-              </a:ext>
-            </a:extLst>
-          </p:cNvPr>
-          <p:cNvSpPr/>
-          <p:nvPr/>
-        </p:nvSpPr>
-        <p:spPr>
-          <a:xfrm>
-            <a:off x="7447175" y="4308049"/>
-            <a:ext cx="575035" cy="169683"/>
-          </a:xfrm>
-          <a:prstGeom prst="roundRect">
-            <a:avLst/>
-          </a:prstGeom>
-          <a:solidFill>
-            <a:schemeClr val="bg1"/>
-          </a:solidFill>
-          <a:ln>
-            <a:noFill/>
-          </a:ln>
-        </p:spPr>
-        <p:style>
-          <a:lnRef idx="2">
-            <a:schemeClr val="accent1">
-              <a:shade val="50000"/>
-            </a:schemeClr>
-          </a:lnRef>
-          <a:fillRef idx="1">
-            <a:schemeClr val="accent1"/>
-          </a:fillRef>
-          <a:effectRef idx="0">
-            <a:schemeClr val="accent1"/>
-          </a:effectRef>
-          <a:fontRef idx="minor">
-            <a:schemeClr val="lt1"/>
-          </a:fontRef>
-        </p:style>
-        <p:txBody>
-          <a:bodyPr rtlCol="0" anchor="ctr"/>
-          <a:lstStyle/>
-          <a:p>
-            <a:pPr algn="ctr"/>
-            <a:endParaRPr lang="es-CO"/>
-          </a:p>
-        </p:txBody>
-      </p:sp>
-      <p:pic>
-        <p:nvPicPr>
-          <p:cNvPr id="4" name="Imagen 3">
-            <a:extLst>
-              <a:ext uri="{FF2B5EF4-FFF2-40B4-BE49-F238E27FC236}">
-                <a16:creationId xmlns:a16="http://schemas.microsoft.com/office/drawing/2014/main" id="{73A71FB7-24F9-4949-9C5E-8C33440F412E}"/>
-              </a:ext>
-            </a:extLst>
-          </p:cNvPr>
-          <p:cNvPicPr>
-            <a:picLocks noChangeAspect="1"/>
-          </p:cNvPicPr>
-          <p:nvPr/>
-        </p:nvPicPr>
-        <p:blipFill>
-          <a:blip r:embed="rId3"/>
-          <a:stretch>
-            <a:fillRect/>
-          </a:stretch>
-        </p:blipFill>
-        <p:spPr>
-          <a:xfrm>
-            <a:off x="1589300" y="1981642"/>
-            <a:ext cx="5857875" cy="3724275"/>
-          </a:xfrm>
-          <a:prstGeom prst="rect">
-            <a:avLst/>
-          </a:prstGeom>
-        </p:spPr>
-      </p:pic>
-    </p:spTree>
-  </p:cSld>
-  <p:clrMapOvr>
-    <a:masterClrMapping/>
-  </p:clrMapOvr>
-</p:sld>
-</file>
-
-<file path=ppt/slides/slide8.xml><?xml version="1.0" encoding="utf-8"?>
-<p:sld xmlns:a="http://schemas.openxmlformats.org/drawingml/2006/main" xmlns:r="http://schemas.openxmlformats.org/officeDocument/2006/relationships" xmlns:p="http://schemas.openxmlformats.org/presentationml/2006/main">
-  <p:cSld>
-    <p:spTree>
-      <p:nvGrpSpPr>
-        <p:cNvPr id="1" name="Shape 157"/>
-        <p:cNvGrpSpPr/>
-        <p:nvPr/>
-      </p:nvGrpSpPr>
-      <p:grpSpPr>
-        <a:xfrm>
-          <a:off x="0" y="0"/>
-          <a:ext cx="0" cy="0"/>
-          <a:chOff x="0" y="0"/>
-          <a:chExt cx="0" cy="0"/>
-        </a:xfrm>
-      </p:grpSpPr>
-      <p:sp>
-        <p:nvSpPr>
-          <p:cNvPr id="158" name="Google Shape;158;p20"/>
-          <p:cNvSpPr txBox="1"/>
-          <p:nvPr/>
-        </p:nvSpPr>
-        <p:spPr>
-          <a:xfrm>
-            <a:off x="395536" y="328387"/>
-            <a:ext cx="8229600" cy="1143000"/>
-          </a:xfrm>
-          <a:prstGeom prst="rect">
-            <a:avLst/>
-          </a:prstGeom>
-          <a:noFill/>
-          <a:ln>
-            <a:noFill/>
-          </a:ln>
-        </p:spPr>
-        <p:txBody>
-          <a:bodyPr spcFirstLastPara="1" wrap="square" lIns="91425" tIns="45700" rIns="91425" bIns="45700" anchor="ctr" anchorCtr="0">
-            <a:noAutofit/>
-          </a:bodyPr>
-          <a:lstStyle/>
-          <a:p>
-            <a:pPr marL="0" marR="0" lvl="0" indent="0" algn="ctr" rtl="0">
-              <a:lnSpc>
-                <a:spcPct val="100000"/>
-              </a:lnSpc>
-              <a:spcBef>
-                <a:spcPts val="0"/>
-              </a:spcBef>
-              <a:spcAft>
-                <a:spcPts val="0"/>
-              </a:spcAft>
-              <a:buClr>
-                <a:schemeClr val="dk1"/>
-              </a:buClr>
-              <a:buSzPts val="4290"/>
-              <a:buFont typeface="Calibri"/>
-              <a:buNone/>
-            </a:pPr>
-            <a:r>
-              <a:rPr lang="es-CO" sz="4290" b="0" i="0" u="none" strike="noStrike" cap="none">
-                <a:solidFill>
-                  <a:schemeClr val="dk1"/>
-                </a:solidFill>
-                <a:latin typeface="Calibri"/>
-                <a:ea typeface="Calibri"/>
-                <a:cs typeface="Calibri"/>
-                <a:sym typeface="Calibri"/>
-              </a:rPr>
-              <a:t>Estructura del Código</a:t>
-            </a:r>
-            <a:endParaRPr sz="4290" b="0" i="0" u="none" strike="noStrike" cap="none">
-              <a:solidFill>
-                <a:schemeClr val="dk1"/>
-              </a:solidFill>
-              <a:latin typeface="Calibri"/>
-              <a:ea typeface="Calibri"/>
-              <a:cs typeface="Calibri"/>
-              <a:sym typeface="Calibri"/>
-            </a:endParaRPr>
-          </a:p>
-        </p:txBody>
-      </p:sp>
-      <p:pic>
-        <p:nvPicPr>
-          <p:cNvPr id="3" name="Imagen 2">
-            <a:extLst>
-              <a:ext uri="{FF2B5EF4-FFF2-40B4-BE49-F238E27FC236}">
-                <a16:creationId xmlns:a16="http://schemas.microsoft.com/office/drawing/2014/main" id="{ABF449C3-CEE0-4C04-B0FB-D61D7F2E5860}"/>
-              </a:ext>
-            </a:extLst>
-          </p:cNvPr>
-          <p:cNvPicPr>
-            <a:picLocks noChangeAspect="1"/>
-          </p:cNvPicPr>
-          <p:nvPr/>
-        </p:nvPicPr>
-        <p:blipFill>
-          <a:blip r:embed="rId3"/>
-          <a:stretch>
-            <a:fillRect/>
-          </a:stretch>
-        </p:blipFill>
-        <p:spPr>
-          <a:xfrm>
-            <a:off x="287049" y="1471387"/>
-            <a:ext cx="3415622" cy="2790226"/>
-          </a:xfrm>
-          <a:prstGeom prst="rect">
-            <a:avLst/>
-          </a:prstGeom>
-        </p:spPr>
-      </p:pic>
-      <p:pic>
-        <p:nvPicPr>
-          <p:cNvPr id="5" name="Imagen 4">
-            <a:extLst>
-              <a:ext uri="{FF2B5EF4-FFF2-40B4-BE49-F238E27FC236}">
-                <a16:creationId xmlns:a16="http://schemas.microsoft.com/office/drawing/2014/main" id="{9526FBD1-E9C4-4C12-B0F0-E35B74D4584E}"/>
-              </a:ext>
-            </a:extLst>
-          </p:cNvPr>
-          <p:cNvPicPr>
-            <a:picLocks noChangeAspect="1"/>
-          </p:cNvPicPr>
-          <p:nvPr/>
-        </p:nvPicPr>
-        <p:blipFill>
-          <a:blip r:embed="rId4"/>
-          <a:stretch>
-            <a:fillRect/>
-          </a:stretch>
-        </p:blipFill>
-        <p:spPr>
-          <a:xfrm>
-            <a:off x="3702671" y="1466420"/>
-            <a:ext cx="5453978" cy="2295934"/>
-          </a:xfrm>
-          <a:prstGeom prst="rect">
-            <a:avLst/>
-          </a:prstGeom>
-        </p:spPr>
-      </p:pic>
-      <p:pic>
-        <p:nvPicPr>
-          <p:cNvPr id="4" name="Imagen 3">
-            <a:extLst>
-              <a:ext uri="{FF2B5EF4-FFF2-40B4-BE49-F238E27FC236}">
-                <a16:creationId xmlns:a16="http://schemas.microsoft.com/office/drawing/2014/main" id="{D4C559D7-C3D1-42B1-A1A7-5EF853E61FF5}"/>
-              </a:ext>
-            </a:extLst>
-          </p:cNvPr>
-          <p:cNvPicPr>
-            <a:picLocks noChangeAspect="1"/>
-          </p:cNvPicPr>
-          <p:nvPr/>
-        </p:nvPicPr>
-        <p:blipFill>
-          <a:blip r:embed="rId5"/>
-          <a:stretch>
-            <a:fillRect/>
-          </a:stretch>
-        </p:blipFill>
-        <p:spPr>
-          <a:xfrm>
-            <a:off x="4088632" y="3839557"/>
-            <a:ext cx="4150542" cy="2296178"/>
-          </a:xfrm>
-          <a:prstGeom prst="rect">
-            <a:avLst/>
-          </a:prstGeom>
-        </p:spPr>
-      </p:pic>
-    </p:spTree>
-    <p:extLst>
-      <p:ext uri="{BB962C8B-B14F-4D97-AF65-F5344CB8AC3E}">
-        <p14:creationId xmlns:p14="http://schemas.microsoft.com/office/powerpoint/2010/main" val="551064779"/>
-      </p:ext>
-    </p:extLst>
-  </p:cSld>
-  <p:clrMapOvr>
-    <a:masterClrMapping/>
-  </p:clrMapOvr>
-</p:sld>
-</file>
-
-<file path=ppt/slides/slide9.xml><?xml version="1.0" encoding="utf-8"?>
-<p:sld xmlns:a="http://schemas.openxmlformats.org/drawingml/2006/main" xmlns:r="http://schemas.openxmlformats.org/officeDocument/2006/relationships" xmlns:p="http://schemas.openxmlformats.org/presentationml/2006/main">
-  <p:cSld>
-    <p:spTree>
-      <p:nvGrpSpPr>
-        <p:cNvPr id="1" name="Shape 165"/>
-        <p:cNvGrpSpPr/>
-        <p:nvPr/>
-      </p:nvGrpSpPr>
-      <p:grpSpPr>
-        <a:xfrm>
-          <a:off x="0" y="0"/>
-          <a:ext cx="0" cy="0"/>
-          <a:chOff x="0" y="0"/>
-          <a:chExt cx="0" cy="0"/>
-        </a:xfrm>
-      </p:grpSpPr>
-      <p:sp>
-        <p:nvSpPr>
-          <p:cNvPr id="166" name="Google Shape;166;p19"/>
-          <p:cNvSpPr txBox="1"/>
-          <p:nvPr/>
-        </p:nvSpPr>
-        <p:spPr>
-          <a:xfrm>
-            <a:off x="505536" y="100362"/>
-            <a:ext cx="8229600" cy="1143000"/>
-          </a:xfrm>
-          <a:prstGeom prst="rect">
-            <a:avLst/>
-          </a:prstGeom>
-          <a:noFill/>
-          <a:ln>
-            <a:noFill/>
-          </a:ln>
-        </p:spPr>
-        <p:txBody>
-          <a:bodyPr spcFirstLastPara="1" wrap="square" lIns="91425" tIns="45700" rIns="91425" bIns="45700" anchor="ctr" anchorCtr="0">
-            <a:noAutofit/>
-          </a:bodyPr>
-          <a:lstStyle/>
-          <a:p>
-            <a:pPr marL="0" marR="0" lvl="0" indent="0" algn="ctr" rtl="0">
-              <a:lnSpc>
-                <a:spcPct val="100000"/>
-              </a:lnSpc>
-              <a:spcBef>
-                <a:spcPts val="0"/>
-              </a:spcBef>
-              <a:spcAft>
-                <a:spcPts val="0"/>
-              </a:spcAft>
-              <a:buClr>
-                <a:schemeClr val="dk1"/>
-              </a:buClr>
-              <a:buSzPts val="4290"/>
-              <a:buFont typeface="Calibri"/>
-              <a:buNone/>
-            </a:pPr>
-            <a:r>
-              <a:rPr lang="es-CO" sz="4290" b="0" i="0" u="none" strike="noStrike" cap="none" dirty="0">
-                <a:solidFill>
-                  <a:schemeClr val="dk1"/>
-                </a:solidFill>
-                <a:latin typeface="Calibri"/>
-                <a:ea typeface="Calibri"/>
-                <a:cs typeface="Calibri"/>
-                <a:sym typeface="Calibri"/>
-              </a:rPr>
-              <a:t>Solución final</a:t>
-            </a:r>
-          </a:p>
-        </p:txBody>
-      </p:sp>
-      <p:sp>
-        <p:nvSpPr>
-          <p:cNvPr id="2" name="Rectángulo: esquinas redondeadas 1">
-            <a:extLst>
-              <a:ext uri="{FF2B5EF4-FFF2-40B4-BE49-F238E27FC236}">
-                <a16:creationId xmlns:a16="http://schemas.microsoft.com/office/drawing/2014/main" id="{763A702F-1A4C-4ADB-9C08-6A15964BAF95}"/>
-              </a:ext>
-            </a:extLst>
-          </p:cNvPr>
-          <p:cNvSpPr/>
-          <p:nvPr/>
-        </p:nvSpPr>
-        <p:spPr>
-          <a:xfrm>
-            <a:off x="7447175" y="4308049"/>
-            <a:ext cx="575035" cy="169683"/>
-          </a:xfrm>
-          <a:prstGeom prst="roundRect">
-            <a:avLst/>
-          </a:prstGeom>
-          <a:solidFill>
-            <a:schemeClr val="bg1"/>
-          </a:solidFill>
-          <a:ln>
-            <a:noFill/>
-          </a:ln>
-        </p:spPr>
-        <p:style>
-          <a:lnRef idx="2">
-            <a:schemeClr val="accent1">
-              <a:shade val="50000"/>
-            </a:schemeClr>
-          </a:lnRef>
-          <a:fillRef idx="1">
-            <a:schemeClr val="accent1"/>
-          </a:fillRef>
-          <a:effectRef idx="0">
-            <a:schemeClr val="accent1"/>
-          </a:effectRef>
-          <a:fontRef idx="minor">
-            <a:schemeClr val="lt1"/>
-          </a:fontRef>
-        </p:style>
-        <p:txBody>
-          <a:bodyPr rtlCol="0" anchor="ctr"/>
-          <a:lstStyle/>
-          <a:p>
-            <a:pPr algn="ctr"/>
-            <a:endParaRPr lang="es-CO"/>
-          </a:p>
-        </p:txBody>
-      </p:sp>
-      <p:pic>
-        <p:nvPicPr>
-          <p:cNvPr id="5" name="Imagen 4">
-            <a:extLst>
-              <a:ext uri="{FF2B5EF4-FFF2-40B4-BE49-F238E27FC236}">
-                <a16:creationId xmlns:a16="http://schemas.microsoft.com/office/drawing/2014/main" id="{940194B0-5F24-41B8-8427-3D8F6DE7BBC3}"/>
-              </a:ext>
-            </a:extLst>
-          </p:cNvPr>
-          <p:cNvPicPr>
-            <a:picLocks noChangeAspect="1"/>
-          </p:cNvPicPr>
-          <p:nvPr/>
-        </p:nvPicPr>
-        <p:blipFill>
-          <a:blip r:embed="rId3"/>
-          <a:stretch>
-            <a:fillRect/>
-          </a:stretch>
-        </p:blipFill>
-        <p:spPr>
-          <a:xfrm>
-            <a:off x="505536" y="1763241"/>
-            <a:ext cx="4514942" cy="4054388"/>
-          </a:xfrm>
-          <a:prstGeom prst="rect">
-            <a:avLst/>
-          </a:prstGeom>
-        </p:spPr>
-      </p:pic>
-      <p:pic>
-        <p:nvPicPr>
-          <p:cNvPr id="7" name="Imagen 6">
-            <a:extLst>
-              <a:ext uri="{FF2B5EF4-FFF2-40B4-BE49-F238E27FC236}">
-                <a16:creationId xmlns:a16="http://schemas.microsoft.com/office/drawing/2014/main" id="{A8BA8868-6DC4-4982-9A79-834BEC45ED2F}"/>
-              </a:ext>
-            </a:extLst>
-          </p:cNvPr>
-          <p:cNvPicPr>
-            <a:picLocks noChangeAspect="1"/>
-          </p:cNvPicPr>
-          <p:nvPr/>
-        </p:nvPicPr>
-        <p:blipFill>
-          <a:blip r:embed="rId4"/>
-          <a:stretch>
-            <a:fillRect/>
-          </a:stretch>
-        </p:blipFill>
-        <p:spPr>
-          <a:xfrm>
-            <a:off x="5367053" y="2008668"/>
-            <a:ext cx="2801587" cy="3144101"/>
-          </a:xfrm>
-          <a:prstGeom prst="rect">
-            <a:avLst/>
-          </a:prstGeom>
-        </p:spPr>
-      </p:pic>
-    </p:spTree>
-    <p:extLst>
-      <p:ext uri="{BB962C8B-B14F-4D97-AF65-F5344CB8AC3E}">
-        <p14:creationId xmlns:p14="http://schemas.microsoft.com/office/powerpoint/2010/main" val="1746718795"/>
-      </p:ext>
-    </p:extLst>
   </p:cSld>
   <p:clrMapOvr>
     <a:masterClrMapping/>
